--- a/20230201 LH Update.pptx
+++ b/20230201 LH Update.pptx
@@ -8,9 +8,11 @@
     <p:sldId id="256" r:id="rId2"/>
     <p:sldId id="259" r:id="rId3"/>
     <p:sldId id="260" r:id="rId4"/>
-    <p:sldId id="261" r:id="rId5"/>
-    <p:sldId id="262" r:id="rId6"/>
-    <p:sldId id="263" r:id="rId7"/>
+    <p:sldId id="265" r:id="rId5"/>
+    <p:sldId id="264" r:id="rId6"/>
+    <p:sldId id="261" r:id="rId7"/>
+    <p:sldId id="262" r:id="rId8"/>
+    <p:sldId id="263" r:id="rId9"/>
   </p:sldIdLst>
   <p:sldSz cx="12192000" cy="6858000"/>
   <p:notesSz cx="6858000" cy="9144000"/>
@@ -109,6 +111,11 @@
       </a:defRPr>
     </a:lvl9pPr>
   </p:defaultTextStyle>
+  <p:extLst>
+    <p:ext uri="{EFAFB233-063F-42B5-8137-9DF3F51BA10A}">
+      <p15:sldGuideLst xmlns:p15="http://schemas.microsoft.com/office/powerpoint/2012/main"/>
+    </p:ext>
+  </p:extLst>
 </p:presentation>
 </file>
 
@@ -259,7 +266,7 @@
           <a:p>
             <a:fld id="{C9B537F1-131F-4959-B21B-EB4A4AF2726E}" type="datetimeFigureOut">
               <a:rPr lang="en-US" smtClean="0"/>
-              <a:t>1/29/2023</a:t>
+              <a:t>1/30/2023</a:t>
             </a:fld>
             <a:endParaRPr lang="en-US"/>
           </a:p>
@@ -457,7 +464,7 @@
           <a:p>
             <a:fld id="{C9B537F1-131F-4959-B21B-EB4A4AF2726E}" type="datetimeFigureOut">
               <a:rPr lang="en-US" smtClean="0"/>
-              <a:t>1/29/2023</a:t>
+              <a:t>1/30/2023</a:t>
             </a:fld>
             <a:endParaRPr lang="en-US"/>
           </a:p>
@@ -665,7 +672,7 @@
           <a:p>
             <a:fld id="{C9B537F1-131F-4959-B21B-EB4A4AF2726E}" type="datetimeFigureOut">
               <a:rPr lang="en-US" smtClean="0"/>
-              <a:t>1/29/2023</a:t>
+              <a:t>1/30/2023</a:t>
             </a:fld>
             <a:endParaRPr lang="en-US"/>
           </a:p>
@@ -863,7 +870,7 @@
           <a:p>
             <a:fld id="{C9B537F1-131F-4959-B21B-EB4A4AF2726E}" type="datetimeFigureOut">
               <a:rPr lang="en-US" smtClean="0"/>
-              <a:t>1/29/2023</a:t>
+              <a:t>1/30/2023</a:t>
             </a:fld>
             <a:endParaRPr lang="en-US"/>
           </a:p>
@@ -1138,7 +1145,7 @@
           <a:p>
             <a:fld id="{C9B537F1-131F-4959-B21B-EB4A4AF2726E}" type="datetimeFigureOut">
               <a:rPr lang="en-US" smtClean="0"/>
-              <a:t>1/29/2023</a:t>
+              <a:t>1/30/2023</a:t>
             </a:fld>
             <a:endParaRPr lang="en-US"/>
           </a:p>
@@ -1403,7 +1410,7 @@
           <a:p>
             <a:fld id="{C9B537F1-131F-4959-B21B-EB4A4AF2726E}" type="datetimeFigureOut">
               <a:rPr lang="en-US" smtClean="0"/>
-              <a:t>1/29/2023</a:t>
+              <a:t>1/30/2023</a:t>
             </a:fld>
             <a:endParaRPr lang="en-US"/>
           </a:p>
@@ -1815,7 +1822,7 @@
           <a:p>
             <a:fld id="{C9B537F1-131F-4959-B21B-EB4A4AF2726E}" type="datetimeFigureOut">
               <a:rPr lang="en-US" smtClean="0"/>
-              <a:t>1/29/2023</a:t>
+              <a:t>1/30/2023</a:t>
             </a:fld>
             <a:endParaRPr lang="en-US"/>
           </a:p>
@@ -1956,7 +1963,7 @@
           <a:p>
             <a:fld id="{C9B537F1-131F-4959-B21B-EB4A4AF2726E}" type="datetimeFigureOut">
               <a:rPr lang="en-US" smtClean="0"/>
-              <a:t>1/29/2023</a:t>
+              <a:t>1/30/2023</a:t>
             </a:fld>
             <a:endParaRPr lang="en-US"/>
           </a:p>
@@ -2069,7 +2076,7 @@
           <a:p>
             <a:fld id="{C9B537F1-131F-4959-B21B-EB4A4AF2726E}" type="datetimeFigureOut">
               <a:rPr lang="en-US" smtClean="0"/>
-              <a:t>1/29/2023</a:t>
+              <a:t>1/30/2023</a:t>
             </a:fld>
             <a:endParaRPr lang="en-US"/>
           </a:p>
@@ -2380,7 +2387,7 @@
           <a:p>
             <a:fld id="{C9B537F1-131F-4959-B21B-EB4A4AF2726E}" type="datetimeFigureOut">
               <a:rPr lang="en-US" smtClean="0"/>
-              <a:t>1/29/2023</a:t>
+              <a:t>1/30/2023</a:t>
             </a:fld>
             <a:endParaRPr lang="en-US"/>
           </a:p>
@@ -2668,7 +2675,7 @@
           <a:p>
             <a:fld id="{C9B537F1-131F-4959-B21B-EB4A4AF2726E}" type="datetimeFigureOut">
               <a:rPr lang="en-US" smtClean="0"/>
-              <a:t>1/29/2023</a:t>
+              <a:t>1/30/2023</a:t>
             </a:fld>
             <a:endParaRPr lang="en-US"/>
           </a:p>
@@ -2909,7 +2916,7 @@
           <a:p>
             <a:fld id="{C9B537F1-131F-4959-B21B-EB4A4AF2726E}" type="datetimeFigureOut">
               <a:rPr lang="en-US" smtClean="0"/>
-              <a:t>1/29/2023</a:t>
+              <a:t>1/30/2023</a:t>
             </a:fld>
             <a:endParaRPr lang="en-US"/>
           </a:p>
@@ -3474,7 +3481,7 @@
         </p:nvSpPr>
         <p:spPr>
           <a:xfrm>
-            <a:off x="645457" y="1791038"/>
+            <a:off x="645457" y="1575885"/>
             <a:ext cx="6768355" cy="1711366"/>
           </a:xfrm>
           <a:prstGeom prst="rect">
@@ -3508,7 +3515,7 @@
             </a:pPr>
             <a:r>
               <a:rPr lang="en-US" dirty="0"/>
-              <a:t>Flory Huggins (2-body) between solvent and monomers</a:t>
+              <a:t>Flory-Huggins (2-body) between solvent         and monomers</a:t>
             </a:r>
           </a:p>
           <a:p>
@@ -3553,10 +3560,10 @@
         </p:nvGrpSpPr>
         <p:grpSpPr>
           <a:xfrm>
-            <a:off x="8113916" y="2060910"/>
-            <a:ext cx="3365390" cy="2882987"/>
+            <a:off x="8154484" y="628575"/>
+            <a:ext cx="3065073" cy="2658676"/>
             <a:chOff x="8293210" y="1705821"/>
-            <a:chExt cx="3365390" cy="2882987"/>
+            <a:chExt cx="3365390" cy="2919174"/>
           </a:xfrm>
         </p:grpSpPr>
         <p:pic>
@@ -3603,8 +3610,8 @@
           </p:nvSpPr>
           <p:spPr>
             <a:xfrm>
-              <a:off x="8505693" y="4219476"/>
-              <a:ext cx="2940424" cy="369332"/>
+              <a:off x="8293210" y="4219476"/>
+              <a:ext cx="3152908" cy="405519"/>
             </a:xfrm>
             <a:prstGeom prst="rect">
               <a:avLst/>
@@ -3620,122 +3627,184 @@
               <a:pPr algn="ctr"/>
               <a:r>
                 <a:rPr lang="en-US" dirty="0"/>
-                <a:t>Simple model protein brush</a:t>
+                <a:t>Model protein brush</a:t>
               </a:r>
             </a:p>
           </p:txBody>
         </p:sp>
       </p:grpSp>
-      <p:sp>
-        <p:nvSpPr>
-          <p:cNvPr id="7" name="TextBox 6">
-            <a:extLst>
-              <a:ext uri="{FF2B5EF4-FFF2-40B4-BE49-F238E27FC236}">
-                <a16:creationId xmlns:a16="http://schemas.microsoft.com/office/drawing/2014/main" id="{1358098F-BDBA-6089-34CE-B4C3A7CB151C}"/>
-              </a:ext>
-            </a:extLst>
-          </p:cNvPr>
-          <p:cNvSpPr txBox="1"/>
+      <mc:AlternateContent xmlns:mc="http://schemas.openxmlformats.org/markup-compatibility/2006">
+        <mc:Choice xmlns:a14="http://schemas.microsoft.com/office/drawing/2010/main" Requires="a14">
+          <p:sp>
+            <p:nvSpPr>
+              <p:cNvPr id="7" name="TextBox 6">
+                <a:extLst>
+                  <a:ext uri="{FF2B5EF4-FFF2-40B4-BE49-F238E27FC236}">
+                    <a16:creationId xmlns:a16="http://schemas.microsoft.com/office/drawing/2014/main" id="{1358098F-BDBA-6089-34CE-B4C3A7CB151C}"/>
+                  </a:ext>
+                </a:extLst>
+              </p:cNvPr>
+              <p:cNvSpPr txBox="1"/>
+              <p:nvPr/>
+            </p:nvSpPr>
+            <p:spPr>
+              <a:xfrm>
+                <a:off x="645457" y="3523130"/>
+                <a:ext cx="5718553" cy="1711366"/>
+              </a:xfrm>
+              <a:prstGeom prst="rect">
+                <a:avLst/>
+              </a:prstGeom>
+              <a:noFill/>
+            </p:spPr>
+            <p:txBody>
+              <a:bodyPr wrap="none" rtlCol="0">
+                <a:spAutoFit/>
+              </a:bodyPr>
+              <a:lstStyle/>
+              <a:p>
+                <a:pPr>
+                  <a:lnSpc>
+                    <a:spcPct val="150000"/>
+                  </a:lnSpc>
+                </a:pPr>
+                <a:r>
+                  <a:rPr lang="en-US" dirty="0"/>
+                  <a:t>For brushes with multiple components (L-H, L-M):</a:t>
+                </a:r>
+              </a:p>
+              <a:p>
+                <a:pPr marL="742950" lvl="1" indent="-285750">
+                  <a:lnSpc>
+                    <a:spcPct val="150000"/>
+                  </a:lnSpc>
+                  <a:buFont typeface="Arial" panose="020B0604020202020204" pitchFamily="34" charset="0"/>
+                  <a:buChar char="•"/>
+                </a:pPr>
+                <a:r>
+                  <a:rPr lang="en-US" dirty="0"/>
+                  <a:t>Coarse-grained stiffness value (</a:t>
+                </a:r>
+                <a:r>
+                  <a:rPr lang="en-US" i="1" dirty="0"/>
+                  <a:t>b</a:t>
+                </a:r>
+                <a:r>
+                  <a:rPr lang="en-US" dirty="0"/>
+                  <a:t>) for each protein</a:t>
+                </a:r>
+              </a:p>
+              <a:p>
+                <a:pPr marL="742950" lvl="1" indent="-285750">
+                  <a:lnSpc>
+                    <a:spcPct val="150000"/>
+                  </a:lnSpc>
+                  <a:buFont typeface="Arial" panose="020B0604020202020204" pitchFamily="34" charset="0"/>
+                  <a:buChar char="•"/>
+                </a:pPr>
+                <a:r>
+                  <a:rPr lang="en-US" dirty="0"/>
+                  <a:t>Monomer volume (</a:t>
+                </a:r>
+                <a:r>
+                  <a:rPr lang="en-US" i="1" dirty="0"/>
+                  <a:t>v</a:t>
+                </a:r>
+                <a:r>
+                  <a:rPr lang="en-US" dirty="0"/>
+                  <a:t>) for each protein</a:t>
+                </a:r>
+              </a:p>
+              <a:p>
+                <a:pPr marL="742950" lvl="1" indent="-285750">
+                  <a:lnSpc>
+                    <a:spcPct val="150000"/>
+                  </a:lnSpc>
+                  <a:buFont typeface="Arial" panose="020B0604020202020204" pitchFamily="34" charset="0"/>
+                  <a:buChar char="•"/>
+                </a:pPr>
+                <a:r>
+                  <a:rPr lang="en-US" dirty="0"/>
+                  <a:t>But same F-H </a:t>
+                </a:r>
+                <a14:m>
+                  <m:oMath xmlns:m="http://schemas.openxmlformats.org/officeDocument/2006/math">
+                    <m:r>
+                      <a:rPr lang="en-US" b="0" i="1" smtClean="0">
+                        <a:latin typeface="Cambria Math" panose="02040503050406030204" pitchFamily="18" charset="0"/>
+                      </a:rPr>
+                      <m:t>𝜒</m:t>
+                    </m:r>
+                  </m:oMath>
+                </a14:m>
+                <a:r>
+                  <a:rPr lang="en-US" dirty="0"/>
+                  <a:t> parameters for each amino acid</a:t>
+                </a:r>
+              </a:p>
+            </p:txBody>
+          </p:sp>
+        </mc:Choice>
+        <mc:Fallback>
+          <p:sp>
+            <p:nvSpPr>
+              <p:cNvPr id="7" name="TextBox 6">
+                <a:extLst>
+                  <a:ext uri="{FF2B5EF4-FFF2-40B4-BE49-F238E27FC236}">
+                    <a16:creationId xmlns:a16="http://schemas.microsoft.com/office/drawing/2014/main" id="{1358098F-BDBA-6089-34CE-B4C3A7CB151C}"/>
+                  </a:ext>
+                </a:extLst>
+              </p:cNvPr>
+              <p:cNvSpPr txBox="1">
+                <a:spLocks noRot="1" noChangeAspect="1" noMove="1" noResize="1" noEditPoints="1" noAdjustHandles="1" noChangeArrowheads="1" noChangeShapeType="1" noTextEdit="1"/>
+              </p:cNvSpPr>
+              <p:nvPr/>
+            </p:nvSpPr>
+            <p:spPr>
+              <a:xfrm>
+                <a:off x="645457" y="3523130"/>
+                <a:ext cx="5718553" cy="1711366"/>
+              </a:xfrm>
+              <a:prstGeom prst="rect">
+                <a:avLst/>
+              </a:prstGeom>
+              <a:blipFill>
+                <a:blip r:embed="rId3"/>
+                <a:stretch>
+                  <a:fillRect l="-959" b="-4626"/>
+                </a:stretch>
+              </a:blipFill>
+            </p:spPr>
+            <p:txBody>
+              <a:bodyPr/>
+              <a:lstStyle/>
+              <a:p>
+                <a:r>
+                  <a:rPr lang="en-US">
+                    <a:noFill/>
+                  </a:rPr>
+                  <a:t> </a:t>
+                </a:r>
+              </a:p>
+            </p:txBody>
+          </p:sp>
+        </mc:Fallback>
+      </mc:AlternateContent>
+      <p:sp>
+        <p:nvSpPr>
+          <p:cNvPr id="8" name="Rectangle 7">
+            <a:extLst>
+              <a:ext uri="{FF2B5EF4-FFF2-40B4-BE49-F238E27FC236}">
+                <a16:creationId xmlns:a16="http://schemas.microsoft.com/office/drawing/2014/main" id="{09244BCB-1543-431E-EB20-3ABF74FBF572}"/>
+              </a:ext>
+            </a:extLst>
+          </p:cNvPr>
+          <p:cNvSpPr/>
           <p:nvPr/>
         </p:nvSpPr>
         <p:spPr>
           <a:xfrm>
-            <a:off x="645457" y="3738283"/>
-            <a:ext cx="5718553" cy="1711366"/>
-          </a:xfrm>
-          <a:prstGeom prst="rect">
-            <a:avLst/>
-          </a:prstGeom>
-          <a:noFill/>
-        </p:spPr>
-        <p:txBody>
-          <a:bodyPr wrap="none" rtlCol="0">
-            <a:spAutoFit/>
-          </a:bodyPr>
-          <a:lstStyle/>
-          <a:p>
-            <a:pPr>
-              <a:lnSpc>
-                <a:spcPct val="150000"/>
-              </a:lnSpc>
-            </a:pPr>
-            <a:r>
-              <a:rPr lang="en-US" dirty="0"/>
-              <a:t>For brushes with multiple components (L-H, L-M):</a:t>
-            </a:r>
-          </a:p>
-          <a:p>
-            <a:pPr marL="742950" lvl="1" indent="-285750">
-              <a:lnSpc>
-                <a:spcPct val="150000"/>
-              </a:lnSpc>
-              <a:buFont typeface="Arial" panose="020B0604020202020204" pitchFamily="34" charset="0"/>
-              <a:buChar char="•"/>
-            </a:pPr>
-            <a:r>
-              <a:rPr lang="en-US" dirty="0"/>
-              <a:t>Coarse-grained stiffness value (</a:t>
-            </a:r>
-            <a:r>
-              <a:rPr lang="en-US" i="1" dirty="0"/>
-              <a:t>b</a:t>
-            </a:r>
-            <a:r>
-              <a:rPr lang="en-US" dirty="0"/>
-              <a:t>) for each protein</a:t>
-            </a:r>
-          </a:p>
-          <a:p>
-            <a:pPr marL="742950" lvl="1" indent="-285750">
-              <a:lnSpc>
-                <a:spcPct val="150000"/>
-              </a:lnSpc>
-              <a:buFont typeface="Arial" panose="020B0604020202020204" pitchFamily="34" charset="0"/>
-              <a:buChar char="•"/>
-            </a:pPr>
-            <a:r>
-              <a:rPr lang="en-US" dirty="0"/>
-              <a:t>Monomer volume (</a:t>
-            </a:r>
-            <a:r>
-              <a:rPr lang="en-US" i="1" dirty="0"/>
-              <a:t>v</a:t>
-            </a:r>
-            <a:r>
-              <a:rPr lang="en-US" dirty="0"/>
-              <a:t>) for each protein</a:t>
-            </a:r>
-          </a:p>
-          <a:p>
-            <a:pPr marL="742950" lvl="1" indent="-285750">
-              <a:lnSpc>
-                <a:spcPct val="150000"/>
-              </a:lnSpc>
-              <a:buFont typeface="Arial" panose="020B0604020202020204" pitchFamily="34" charset="0"/>
-              <a:buChar char="•"/>
-            </a:pPr>
-            <a:r>
-              <a:rPr lang="en-US" dirty="0"/>
-              <a:t>But, same FH \chi parameters for each amino acid</a:t>
-            </a:r>
-          </a:p>
-        </p:txBody>
-      </p:sp>
-      <p:sp>
-        <p:nvSpPr>
-          <p:cNvPr id="8" name="Rectangle 7">
-            <a:extLst>
-              <a:ext uri="{FF2B5EF4-FFF2-40B4-BE49-F238E27FC236}">
-                <a16:creationId xmlns:a16="http://schemas.microsoft.com/office/drawing/2014/main" id="{09244BCB-1543-431E-EB20-3ABF74FBF572}"/>
-              </a:ext>
-            </a:extLst>
-          </p:cNvPr>
-          <p:cNvSpPr/>
-          <p:nvPr/>
-        </p:nvSpPr>
-        <p:spPr>
-          <a:xfrm>
-            <a:off x="4267200" y="5961529"/>
+            <a:off x="1434913" y="5579660"/>
             <a:ext cx="2935860" cy="627530"/>
           </a:xfrm>
           <a:prstGeom prst="rect">
@@ -3775,6 +3844,610 @@
           </a:p>
         </p:txBody>
       </p:sp>
+      <p:grpSp>
+        <p:nvGrpSpPr>
+          <p:cNvPr id="15" name="Group 14">
+            <a:extLst>
+              <a:ext uri="{FF2B5EF4-FFF2-40B4-BE49-F238E27FC236}">
+                <a16:creationId xmlns:a16="http://schemas.microsoft.com/office/drawing/2014/main" id="{4D475ED0-471C-BCC3-37DF-C356D8A99EEF}"/>
+              </a:ext>
+            </a:extLst>
+          </p:cNvPr>
+          <p:cNvGrpSpPr/>
+          <p:nvPr/>
+        </p:nvGrpSpPr>
+        <p:grpSpPr>
+          <a:xfrm>
+            <a:off x="8206318" y="3702578"/>
+            <a:ext cx="3086341" cy="2339634"/>
+            <a:chOff x="8365959" y="4050067"/>
+            <a:chExt cx="2871552" cy="2176811"/>
+          </a:xfrm>
+        </p:grpSpPr>
+        <p:pic>
+          <p:nvPicPr>
+            <p:cNvPr id="13" name="Picture 12" descr="A picture containing text&#10;&#10;Description automatically generated">
+              <a:extLst>
+                <a:ext uri="{FF2B5EF4-FFF2-40B4-BE49-F238E27FC236}">
+                  <a16:creationId xmlns:a16="http://schemas.microsoft.com/office/drawing/2014/main" id="{F97D010D-4B10-B156-1324-69FAA8D4A4BD}"/>
+                </a:ext>
+              </a:extLst>
+            </p:cNvPr>
+            <p:cNvPicPr>
+              <a:picLocks noChangeAspect="1"/>
+            </p:cNvPicPr>
+            <p:nvPr/>
+          </p:nvPicPr>
+          <p:blipFill>
+            <a:blip r:embed="rId4">
+              <a:extLst>
+                <a:ext uri="{28A0092B-C50C-407E-A947-70E740481C1C}">
+                  <a14:useLocalDpi xmlns:a14="http://schemas.microsoft.com/office/drawing/2010/main" val="0"/>
+                </a:ext>
+              </a:extLst>
+            </a:blip>
+            <a:stretch>
+              <a:fillRect/>
+            </a:stretch>
+          </p:blipFill>
+          <p:spPr>
+            <a:xfrm>
+              <a:off x="8449858" y="4050067"/>
+              <a:ext cx="2779720" cy="1746450"/>
+            </a:xfrm>
+            <a:prstGeom prst="rect">
+              <a:avLst/>
+            </a:prstGeom>
+          </p:spPr>
+        </p:pic>
+        <p:sp>
+          <p:nvSpPr>
+            <p:cNvPr id="14" name="TextBox 13">
+              <a:extLst>
+                <a:ext uri="{FF2B5EF4-FFF2-40B4-BE49-F238E27FC236}">
+                  <a16:creationId xmlns:a16="http://schemas.microsoft.com/office/drawing/2014/main" id="{43F5229B-964F-0CE0-3451-90684BD54562}"/>
+                </a:ext>
+              </a:extLst>
+            </p:cNvPr>
+            <p:cNvSpPr txBox="1"/>
+            <p:nvPr/>
+          </p:nvSpPr>
+          <p:spPr>
+            <a:xfrm>
+              <a:off x="8365959" y="5857546"/>
+              <a:ext cx="2871552" cy="369332"/>
+            </a:xfrm>
+            <a:prstGeom prst="rect">
+              <a:avLst/>
+            </a:prstGeom>
+            <a:noFill/>
+          </p:spPr>
+          <p:txBody>
+            <a:bodyPr wrap="square" rtlCol="0">
+              <a:spAutoFit/>
+            </a:bodyPr>
+            <a:lstStyle/>
+            <a:p>
+              <a:pPr algn="ctr"/>
+              <a:r>
+                <a:rPr lang="en-US" dirty="0"/>
+                <a:t>Binary protein brush</a:t>
+              </a:r>
+            </a:p>
+          </p:txBody>
+        </p:sp>
+      </p:grpSp>
+      <p:grpSp>
+        <p:nvGrpSpPr>
+          <p:cNvPr id="26" name="Group 25">
+            <a:extLst>
+              <a:ext uri="{FF2B5EF4-FFF2-40B4-BE49-F238E27FC236}">
+                <a16:creationId xmlns:a16="http://schemas.microsoft.com/office/drawing/2014/main" id="{47379787-134D-3626-D279-0CAD99170D4E}"/>
+              </a:ext>
+            </a:extLst>
+          </p:cNvPr>
+          <p:cNvGrpSpPr/>
+          <p:nvPr/>
+        </p:nvGrpSpPr>
+        <p:grpSpPr>
+          <a:xfrm>
+            <a:off x="5147129" y="2062236"/>
+            <a:ext cx="542487" cy="369332"/>
+            <a:chOff x="6580918" y="4309942"/>
+            <a:chExt cx="542487" cy="369332"/>
+          </a:xfrm>
+        </p:grpSpPr>
+        <p:pic>
+          <p:nvPicPr>
+            <p:cNvPr id="23" name="Graphic 22">
+              <a:extLst>
+                <a:ext uri="{FF2B5EF4-FFF2-40B4-BE49-F238E27FC236}">
+                  <a16:creationId xmlns:a16="http://schemas.microsoft.com/office/drawing/2014/main" id="{9F8C0EEB-AFBF-F5F2-448F-115B4F0245D8}"/>
+                </a:ext>
+              </a:extLst>
+            </p:cNvPr>
+            <p:cNvPicPr>
+              <a:picLocks noChangeAspect="1"/>
+            </p:cNvPicPr>
+            <p:nvPr/>
+          </p:nvPicPr>
+          <p:blipFill>
+            <a:blip r:embed="rId5">
+              <a:extLst>
+                <a:ext uri="{96DAC541-7B7A-43D3-8B79-37D633B846F1}">
+                  <asvg:svgBlip xmlns:asvg="http://schemas.microsoft.com/office/drawing/2016/SVG/main" r:embed="rId6"/>
+                </a:ext>
+              </a:extLst>
+            </a:blip>
+            <a:stretch>
+              <a:fillRect/>
+            </a:stretch>
+          </p:blipFill>
+          <p:spPr>
+            <a:xfrm>
+              <a:off x="6765301" y="4421810"/>
+              <a:ext cx="171450" cy="171450"/>
+            </a:xfrm>
+            <a:prstGeom prst="rect">
+              <a:avLst/>
+            </a:prstGeom>
+          </p:spPr>
+        </p:pic>
+        <p:sp>
+          <p:nvSpPr>
+            <p:cNvPr id="24" name="TextBox 23">
+              <a:extLst>
+                <a:ext uri="{FF2B5EF4-FFF2-40B4-BE49-F238E27FC236}">
+                  <a16:creationId xmlns:a16="http://schemas.microsoft.com/office/drawing/2014/main" id="{991FB3BA-BAF9-26C7-D1ED-C7CDE9A7A1E5}"/>
+                </a:ext>
+              </a:extLst>
+            </p:cNvPr>
+            <p:cNvSpPr txBox="1"/>
+            <p:nvPr/>
+          </p:nvSpPr>
+          <p:spPr>
+            <a:xfrm>
+              <a:off x="6580918" y="4309942"/>
+              <a:ext cx="255198" cy="369332"/>
+            </a:xfrm>
+            <a:prstGeom prst="rect">
+              <a:avLst/>
+            </a:prstGeom>
+            <a:noFill/>
+          </p:spPr>
+          <p:txBody>
+            <a:bodyPr wrap="none" rtlCol="0">
+              <a:spAutoFit/>
+            </a:bodyPr>
+            <a:lstStyle/>
+            <a:p>
+              <a:r>
+                <a:rPr lang="en-US" dirty="0"/>
+                <a:t>(</a:t>
+              </a:r>
+            </a:p>
+          </p:txBody>
+        </p:sp>
+        <p:sp>
+          <p:nvSpPr>
+            <p:cNvPr id="25" name="TextBox 24">
+              <a:extLst>
+                <a:ext uri="{FF2B5EF4-FFF2-40B4-BE49-F238E27FC236}">
+                  <a16:creationId xmlns:a16="http://schemas.microsoft.com/office/drawing/2014/main" id="{0678B46A-1A45-516C-C466-B80AB8A51B3A}"/>
+                </a:ext>
+              </a:extLst>
+            </p:cNvPr>
+            <p:cNvSpPr txBox="1"/>
+            <p:nvPr/>
+          </p:nvSpPr>
+          <p:spPr>
+            <a:xfrm>
+              <a:off x="6868207" y="4309942"/>
+              <a:ext cx="255198" cy="369332"/>
+            </a:xfrm>
+            <a:prstGeom prst="rect">
+              <a:avLst/>
+            </a:prstGeom>
+            <a:noFill/>
+          </p:spPr>
+          <p:txBody>
+            <a:bodyPr wrap="none" rtlCol="0">
+              <a:spAutoFit/>
+            </a:bodyPr>
+            <a:lstStyle/>
+            <a:p>
+              <a:r>
+                <a:rPr lang="en-US" dirty="0"/>
+                <a:t>)</a:t>
+              </a:r>
+            </a:p>
+          </p:txBody>
+        </p:sp>
+      </p:grpSp>
+      <p:grpSp>
+        <p:nvGrpSpPr>
+          <p:cNvPr id="29" name="Group 28">
+            <a:extLst>
+              <a:ext uri="{FF2B5EF4-FFF2-40B4-BE49-F238E27FC236}">
+                <a16:creationId xmlns:a16="http://schemas.microsoft.com/office/drawing/2014/main" id="{B4DDF6A1-8D49-115E-13FC-2315AFAECB88}"/>
+              </a:ext>
+            </a:extLst>
+          </p:cNvPr>
+          <p:cNvGrpSpPr/>
+          <p:nvPr/>
+        </p:nvGrpSpPr>
+        <p:grpSpPr>
+          <a:xfrm>
+            <a:off x="6672905" y="2897768"/>
+            <a:ext cx="847209" cy="373776"/>
+            <a:chOff x="6191460" y="3588836"/>
+            <a:chExt cx="847209" cy="373776"/>
+          </a:xfrm>
+        </p:grpSpPr>
+        <p:pic>
+          <p:nvPicPr>
+            <p:cNvPr id="19" name="Graphic 18">
+              <a:extLst>
+                <a:ext uri="{FF2B5EF4-FFF2-40B4-BE49-F238E27FC236}">
+                  <a16:creationId xmlns:a16="http://schemas.microsoft.com/office/drawing/2014/main" id="{3A9D9E96-D54B-4F41-A0DC-CEAD861354D2}"/>
+                </a:ext>
+              </a:extLst>
+            </p:cNvPr>
+            <p:cNvPicPr>
+              <a:picLocks noChangeAspect="1"/>
+            </p:cNvPicPr>
+            <p:nvPr/>
+          </p:nvPicPr>
+          <p:blipFill>
+            <a:blip r:embed="rId7">
+              <a:extLst>
+                <a:ext uri="{96DAC541-7B7A-43D3-8B79-37D633B846F1}">
+                  <asvg:svgBlip xmlns:asvg="http://schemas.microsoft.com/office/drawing/2016/SVG/main" r:embed="rId8"/>
+                </a:ext>
+              </a:extLst>
+            </a:blip>
+            <a:stretch>
+              <a:fillRect/>
+            </a:stretch>
+          </p:blipFill>
+          <p:spPr>
+            <a:xfrm>
+              <a:off x="6364010" y="3681189"/>
+              <a:ext cx="200025" cy="200025"/>
+            </a:xfrm>
+            <a:prstGeom prst="rect">
+              <a:avLst/>
+            </a:prstGeom>
+          </p:spPr>
+        </p:pic>
+        <p:pic>
+          <p:nvPicPr>
+            <p:cNvPr id="21" name="Graphic 20">
+              <a:extLst>
+                <a:ext uri="{FF2B5EF4-FFF2-40B4-BE49-F238E27FC236}">
+                  <a16:creationId xmlns:a16="http://schemas.microsoft.com/office/drawing/2014/main" id="{71FFCEFF-7562-F214-F6DD-4BB146A675E4}"/>
+                </a:ext>
+              </a:extLst>
+            </p:cNvPr>
+            <p:cNvPicPr>
+              <a:picLocks noChangeAspect="1"/>
+            </p:cNvPicPr>
+            <p:nvPr/>
+          </p:nvPicPr>
+          <p:blipFill>
+            <a:blip r:embed="rId9">
+              <a:extLst>
+                <a:ext uri="{96DAC541-7B7A-43D3-8B79-37D633B846F1}">
+                  <asvg:svgBlip xmlns:asvg="http://schemas.microsoft.com/office/drawing/2016/SVG/main" r:embed="rId10"/>
+                </a:ext>
+              </a:extLst>
+            </a:blip>
+            <a:stretch>
+              <a:fillRect/>
+            </a:stretch>
+          </p:blipFill>
+          <p:spPr>
+            <a:xfrm>
+              <a:off x="6643858" y="3681189"/>
+              <a:ext cx="200025" cy="200025"/>
+            </a:xfrm>
+            <a:prstGeom prst="rect">
+              <a:avLst/>
+            </a:prstGeom>
+          </p:spPr>
+        </p:pic>
+        <p:sp>
+          <p:nvSpPr>
+            <p:cNvPr id="27" name="TextBox 26">
+              <a:extLst>
+                <a:ext uri="{FF2B5EF4-FFF2-40B4-BE49-F238E27FC236}">
+                  <a16:creationId xmlns:a16="http://schemas.microsoft.com/office/drawing/2014/main" id="{67B7A793-F71A-C8FC-D6B7-F924FEAB0D61}"/>
+                </a:ext>
+              </a:extLst>
+            </p:cNvPr>
+            <p:cNvSpPr txBox="1"/>
+            <p:nvPr/>
+          </p:nvSpPr>
+          <p:spPr>
+            <a:xfrm>
+              <a:off x="6191460" y="3588836"/>
+              <a:ext cx="255198" cy="369332"/>
+            </a:xfrm>
+            <a:prstGeom prst="rect">
+              <a:avLst/>
+            </a:prstGeom>
+            <a:noFill/>
+          </p:spPr>
+          <p:txBody>
+            <a:bodyPr wrap="none" rtlCol="0">
+              <a:spAutoFit/>
+            </a:bodyPr>
+            <a:lstStyle/>
+            <a:p>
+              <a:r>
+                <a:rPr lang="en-US" dirty="0"/>
+                <a:t>(</a:t>
+              </a:r>
+            </a:p>
+          </p:txBody>
+        </p:sp>
+        <p:sp>
+          <p:nvSpPr>
+            <p:cNvPr id="28" name="TextBox 27">
+              <a:extLst>
+                <a:ext uri="{FF2B5EF4-FFF2-40B4-BE49-F238E27FC236}">
+                  <a16:creationId xmlns:a16="http://schemas.microsoft.com/office/drawing/2014/main" id="{0322519B-C18F-947D-D4E8-27CF23F9AFA7}"/>
+                </a:ext>
+              </a:extLst>
+            </p:cNvPr>
+            <p:cNvSpPr txBox="1"/>
+            <p:nvPr/>
+          </p:nvSpPr>
+          <p:spPr>
+            <a:xfrm>
+              <a:off x="6783471" y="3593280"/>
+              <a:ext cx="255198" cy="369332"/>
+            </a:xfrm>
+            <a:prstGeom prst="rect">
+              <a:avLst/>
+            </a:prstGeom>
+            <a:noFill/>
+          </p:spPr>
+          <p:txBody>
+            <a:bodyPr wrap="none" rtlCol="0">
+              <a:spAutoFit/>
+            </a:bodyPr>
+            <a:lstStyle/>
+            <a:p>
+              <a:r>
+                <a:rPr lang="en-US" dirty="0"/>
+                <a:t>)</a:t>
+              </a:r>
+            </a:p>
+          </p:txBody>
+        </p:sp>
+      </p:grpSp>
+      <p:grpSp>
+        <p:nvGrpSpPr>
+          <p:cNvPr id="39" name="Group 38">
+            <a:extLst>
+              <a:ext uri="{FF2B5EF4-FFF2-40B4-BE49-F238E27FC236}">
+                <a16:creationId xmlns:a16="http://schemas.microsoft.com/office/drawing/2014/main" id="{ADB20DCC-FCF9-E06E-1711-0E882217AEE0}"/>
+              </a:ext>
+            </a:extLst>
+          </p:cNvPr>
+          <p:cNvGrpSpPr/>
+          <p:nvPr/>
+        </p:nvGrpSpPr>
+        <p:grpSpPr>
+          <a:xfrm>
+            <a:off x="7981950" y="6140704"/>
+            <a:ext cx="3839660" cy="490228"/>
+            <a:chOff x="7542715" y="6141147"/>
+            <a:chExt cx="3839660" cy="490228"/>
+          </a:xfrm>
+        </p:grpSpPr>
+        <p:pic>
+          <p:nvPicPr>
+            <p:cNvPr id="33" name="Graphic 32">
+              <a:extLst>
+                <a:ext uri="{FF2B5EF4-FFF2-40B4-BE49-F238E27FC236}">
+                  <a16:creationId xmlns:a16="http://schemas.microsoft.com/office/drawing/2014/main" id="{F0E6FD63-6094-E203-52AF-695D410F36EA}"/>
+                </a:ext>
+              </a:extLst>
+            </p:cNvPr>
+            <p:cNvPicPr>
+              <a:picLocks noChangeAspect="1"/>
+            </p:cNvPicPr>
+            <p:nvPr/>
+          </p:nvPicPr>
+          <p:blipFill>
+            <a:blip r:embed="rId11">
+              <a:extLst>
+                <a:ext uri="{96DAC541-7B7A-43D3-8B79-37D633B846F1}">
+                  <asvg:svgBlip xmlns:asvg="http://schemas.microsoft.com/office/drawing/2016/SVG/main" r:embed="rId12"/>
+                </a:ext>
+              </a:extLst>
+            </a:blip>
+            <a:stretch>
+              <a:fillRect/>
+            </a:stretch>
+          </p:blipFill>
+          <p:spPr>
+            <a:xfrm>
+              <a:off x="9084504" y="6144843"/>
+              <a:ext cx="703509" cy="484943"/>
+            </a:xfrm>
+            <a:prstGeom prst="rect">
+              <a:avLst/>
+            </a:prstGeom>
+          </p:spPr>
+        </p:pic>
+        <p:pic>
+          <p:nvPicPr>
+            <p:cNvPr id="35" name="Graphic 34">
+              <a:extLst>
+                <a:ext uri="{FF2B5EF4-FFF2-40B4-BE49-F238E27FC236}">
+                  <a16:creationId xmlns:a16="http://schemas.microsoft.com/office/drawing/2014/main" id="{921284F8-1A1B-CF72-5679-50BEE00C7445}"/>
+                </a:ext>
+              </a:extLst>
+            </p:cNvPr>
+            <p:cNvPicPr>
+              <a:picLocks noChangeAspect="1"/>
+            </p:cNvPicPr>
+            <p:nvPr/>
+          </p:nvPicPr>
+          <p:blipFill>
+            <a:blip r:embed="rId13">
+              <a:extLst>
+                <a:ext uri="{96DAC541-7B7A-43D3-8B79-37D633B846F1}">
+                  <asvg:svgBlip xmlns:asvg="http://schemas.microsoft.com/office/drawing/2016/SVG/main" r:embed="rId14"/>
+                </a:ext>
+              </a:extLst>
+            </a:blip>
+            <a:stretch>
+              <a:fillRect/>
+            </a:stretch>
+          </p:blipFill>
+          <p:spPr>
+            <a:xfrm>
+              <a:off x="10420884" y="6141147"/>
+              <a:ext cx="599980" cy="490228"/>
+            </a:xfrm>
+            <a:prstGeom prst="rect">
+              <a:avLst/>
+            </a:prstGeom>
+          </p:spPr>
+        </p:pic>
+        <mc:AlternateContent xmlns:mc="http://schemas.openxmlformats.org/markup-compatibility/2006">
+          <mc:Choice xmlns:a14="http://schemas.microsoft.com/office/drawing/2010/main" Requires="a14">
+            <p:sp>
+              <p:nvSpPr>
+                <p:cNvPr id="36" name="TextBox 35">
+                  <a:extLst>
+                    <a:ext uri="{FF2B5EF4-FFF2-40B4-BE49-F238E27FC236}">
+                      <a16:creationId xmlns:a16="http://schemas.microsoft.com/office/drawing/2014/main" id="{E25AA8E9-1E4A-0618-AEBE-D2211053F808}"/>
+                    </a:ext>
+                  </a:extLst>
+                </p:cNvPr>
+                <p:cNvSpPr txBox="1"/>
+                <p:nvPr/>
+              </p:nvSpPr>
+              <p:spPr>
+                <a:xfrm>
+                  <a:off x="7542715" y="6203285"/>
+                  <a:ext cx="3839660" cy="369332"/>
+                </a:xfrm>
+                <a:prstGeom prst="rect">
+                  <a:avLst/>
+                </a:prstGeom>
+                <a:noFill/>
+              </p:spPr>
+              <p:txBody>
+                <a:bodyPr wrap="square" rtlCol="0">
+                  <a:spAutoFit/>
+                </a:bodyPr>
+                <a:lstStyle/>
+                <a:p>
+                  <a:pPr algn="ctr"/>
+                  <a14:m>
+                    <m:oMath xmlns:m="http://schemas.openxmlformats.org/officeDocument/2006/math">
+                      <m:r>
+                        <a:rPr lang="en-US" i="1">
+                          <a:latin typeface="Cambria Math" panose="02040503050406030204" pitchFamily="18" charset="0"/>
+                        </a:rPr>
+                        <m:t>𝜎</m:t>
+                      </m:r>
+                      <m:r>
+                        <a:rPr lang="en-US" i="1">
+                          <a:latin typeface="Cambria Math" panose="02040503050406030204" pitchFamily="18" charset="0"/>
+                        </a:rPr>
+                        <m:t> </m:t>
+                      </m:r>
+                    </m:oMath>
+                  </a14:m>
+                  <a:r>
+                    <a:rPr lang="en-US" dirty="0"/>
+                    <a:t>(Total) = </a:t>
+                  </a:r>
+                  <a14:m>
+                    <m:oMath xmlns:m="http://schemas.openxmlformats.org/officeDocument/2006/math">
+                      <m:r>
+                        <a:rPr lang="en-US" b="0" i="1" smtClean="0">
+                          <a:latin typeface="Cambria Math" panose="02040503050406030204" pitchFamily="18" charset="0"/>
+                        </a:rPr>
+                        <m:t>𝜎</m:t>
+                      </m:r>
+                    </m:oMath>
+                  </a14:m>
+                  <a:r>
+                    <a:rPr lang="en-US" dirty="0"/>
+                    <a:t> (               ) + </a:t>
+                  </a:r>
+                  <a14:m>
+                    <m:oMath xmlns:m="http://schemas.openxmlformats.org/officeDocument/2006/math">
+                      <m:r>
+                        <a:rPr lang="en-US" i="1">
+                          <a:latin typeface="Cambria Math" panose="02040503050406030204" pitchFamily="18" charset="0"/>
+                        </a:rPr>
+                        <m:t>𝜎</m:t>
+                      </m:r>
+                    </m:oMath>
+                  </a14:m>
+                  <a:r>
+                    <a:rPr lang="en-US" dirty="0"/>
+                    <a:t> (             )</a:t>
+                  </a:r>
+                </a:p>
+              </p:txBody>
+            </p:sp>
+          </mc:Choice>
+          <mc:Fallback>
+            <p:sp>
+              <p:nvSpPr>
+                <p:cNvPr id="36" name="TextBox 35">
+                  <a:extLst>
+                    <a:ext uri="{FF2B5EF4-FFF2-40B4-BE49-F238E27FC236}">
+                      <a16:creationId xmlns:a16="http://schemas.microsoft.com/office/drawing/2014/main" id="{E25AA8E9-1E4A-0618-AEBE-D2211053F808}"/>
+                    </a:ext>
+                  </a:extLst>
+                </p:cNvPr>
+                <p:cNvSpPr txBox="1">
+                  <a:spLocks noRot="1" noChangeAspect="1" noMove="1" noResize="1" noEditPoints="1" noAdjustHandles="1" noChangeArrowheads="1" noChangeShapeType="1" noTextEdit="1"/>
+                </p:cNvSpPr>
+                <p:nvPr/>
+              </p:nvSpPr>
+              <p:spPr>
+                <a:xfrm>
+                  <a:off x="7542715" y="6203285"/>
+                  <a:ext cx="3839660" cy="369332"/>
+                </a:xfrm>
+                <a:prstGeom prst="rect">
+                  <a:avLst/>
+                </a:prstGeom>
+                <a:blipFill>
+                  <a:blip r:embed="rId15"/>
+                  <a:stretch>
+                    <a:fillRect t="-10000" b="-26667"/>
+                  </a:stretch>
+                </a:blipFill>
+              </p:spPr>
+              <p:txBody>
+                <a:bodyPr/>
+                <a:lstStyle/>
+                <a:p>
+                  <a:r>
+                    <a:rPr lang="en-US">
+                      <a:noFill/>
+                    </a:rPr>
+                    <a:t> </a:t>
+                  </a:r>
+                </a:p>
+              </p:txBody>
+            </p:sp>
+          </mc:Fallback>
+        </mc:AlternateContent>
+      </p:grpSp>
     </p:spTree>
     <p:extLst>
       <p:ext uri="{BB962C8B-B14F-4D97-AF65-F5344CB8AC3E}">
@@ -5133,7 +5806,7 @@
           <p:cNvPr id="2" name="Title 1">
             <a:extLst>
               <a:ext uri="{FF2B5EF4-FFF2-40B4-BE49-F238E27FC236}">
-                <a16:creationId xmlns:a16="http://schemas.microsoft.com/office/drawing/2014/main" id="{858679F7-641A-5B1B-1B43-6CFFE672DF2D}"/>
+                <a16:creationId xmlns:a16="http://schemas.microsoft.com/office/drawing/2014/main" id="{83C90864-8C58-CD96-9961-86A0B0A50E4E}"/>
               </a:ext>
             </a:extLst>
           </p:cNvPr>
@@ -5144,24 +5817,76 @@
             <p:ph type="title"/>
           </p:nvPr>
         </p:nvSpPr>
-        <p:spPr/>
+        <p:spPr>
+          <a:xfrm>
+            <a:off x="201706" y="0"/>
+            <a:ext cx="10515600" cy="1325563"/>
+          </a:xfrm>
+        </p:spPr>
         <p:txBody>
           <a:bodyPr/>
           <a:lstStyle/>
           <a:p>
             <a:r>
               <a:rPr lang="en-US" dirty="0"/>
-              <a:t>Fitting pure NFL and NFH</a:t>
-            </a:r>
-          </a:p>
-        </p:txBody>
-      </p:sp>
+              <a:t>Sr2014 Summary</a:t>
+            </a:r>
+          </a:p>
+        </p:txBody>
+      </p:sp>
+      <p:pic>
+        <p:nvPicPr>
+          <p:cNvPr id="3" name="Picture 4">
+            <a:extLst>
+              <a:ext uri="{FF2B5EF4-FFF2-40B4-BE49-F238E27FC236}">
+                <a16:creationId xmlns:a16="http://schemas.microsoft.com/office/drawing/2014/main" id="{2973333F-EB9A-747C-E86C-788AD71B56F0}"/>
+              </a:ext>
+            </a:extLst>
+          </p:cNvPr>
+          <p:cNvPicPr>
+            <a:picLocks noChangeAspect="1" noChangeArrowheads="1"/>
+          </p:cNvPicPr>
+          <p:nvPr/>
+        </p:nvPicPr>
+        <p:blipFill>
+          <a:blip r:embed="rId2">
+            <a:extLst>
+              <a:ext uri="{28A0092B-C50C-407E-A947-70E740481C1C}">
+                <a14:useLocalDpi xmlns:a14="http://schemas.microsoft.com/office/drawing/2010/main" val="0"/>
+              </a:ext>
+            </a:extLst>
+          </a:blip>
+          <a:srcRect/>
+          <a:stretch>
+            <a:fillRect/>
+          </a:stretch>
+        </p:blipFill>
+        <p:spPr bwMode="auto">
+          <a:xfrm>
+            <a:off x="389965" y="2431972"/>
+            <a:ext cx="4007438" cy="3269582"/>
+          </a:xfrm>
+          <a:prstGeom prst="rect">
+            <a:avLst/>
+          </a:prstGeom>
+          <a:noFill/>
+          <a:extLst>
+            <a:ext uri="{909E8E84-426E-40DD-AFC4-6F175D3DCCD1}">
+              <a14:hiddenFill xmlns:a14="http://schemas.microsoft.com/office/drawing/2010/main">
+                <a:solidFill>
+                  <a:srgbClr val="FFFFFF"/>
+                </a:solidFill>
+              </a14:hiddenFill>
+            </a:ext>
+          </a:extLst>
+        </p:spPr>
+      </p:pic>
       <p:grpSp>
         <p:nvGrpSpPr>
           <p:cNvPr id="4" name="Group 3">
             <a:extLst>
               <a:ext uri="{FF2B5EF4-FFF2-40B4-BE49-F238E27FC236}">
-                <a16:creationId xmlns:a16="http://schemas.microsoft.com/office/drawing/2014/main" id="{24D619F4-8539-B4B1-5F3B-C88822FC4D1C}"/>
+                <a16:creationId xmlns:a16="http://schemas.microsoft.com/office/drawing/2014/main" id="{FD686C4D-52C9-1989-482D-B1FA2E875CEB}"/>
               </a:ext>
             </a:extLst>
           </p:cNvPr>
@@ -5170,7 +5895,283 @@
         </p:nvGrpSpPr>
         <p:grpSpPr>
           <a:xfrm>
-            <a:off x="838200" y="2026284"/>
+            <a:off x="5207055" y="231448"/>
+            <a:ext cx="6783239" cy="1256843"/>
+            <a:chOff x="3554185" y="5134619"/>
+            <a:chExt cx="8564336" cy="1586856"/>
+          </a:xfrm>
+        </p:grpSpPr>
+        <p:pic>
+          <p:nvPicPr>
+            <p:cNvPr id="5" name="Picture 4">
+              <a:extLst>
+                <a:ext uri="{FF2B5EF4-FFF2-40B4-BE49-F238E27FC236}">
+                  <a16:creationId xmlns:a16="http://schemas.microsoft.com/office/drawing/2014/main" id="{96CF921B-EAD5-9CC0-30B9-D473EDD0192E}"/>
+                </a:ext>
+              </a:extLst>
+            </p:cNvPr>
+            <p:cNvPicPr>
+              <a:picLocks noChangeAspect="1" noChangeArrowheads="1"/>
+            </p:cNvPicPr>
+            <p:nvPr/>
+          </p:nvPicPr>
+          <p:blipFill>
+            <a:blip r:embed="rId3">
+              <a:extLst>
+                <a:ext uri="{28A0092B-C50C-407E-A947-70E740481C1C}">
+                  <a14:useLocalDpi xmlns:a14="http://schemas.microsoft.com/office/drawing/2010/main" val="0"/>
+                </a:ext>
+              </a:extLst>
+            </a:blip>
+            <a:srcRect/>
+            <a:stretch>
+              <a:fillRect/>
+            </a:stretch>
+          </p:blipFill>
+          <p:spPr bwMode="auto">
+            <a:xfrm>
+              <a:off x="3554185" y="5134619"/>
+              <a:ext cx="8564336" cy="1586856"/>
+            </a:xfrm>
+            <a:prstGeom prst="rect">
+              <a:avLst/>
+            </a:prstGeom>
+            <a:noFill/>
+            <a:extLst>
+              <a:ext uri="{909E8E84-426E-40DD-AFC4-6F175D3DCCD1}">
+                <a14:hiddenFill xmlns:a14="http://schemas.microsoft.com/office/drawing/2010/main">
+                  <a:solidFill>
+                    <a:srgbClr val="FFFFFF"/>
+                  </a:solidFill>
+                </a14:hiddenFill>
+              </a:ext>
+            </a:extLst>
+          </p:spPr>
+        </p:pic>
+        <p:pic>
+          <p:nvPicPr>
+            <p:cNvPr id="6" name="Picture 10">
+              <a:extLst>
+                <a:ext uri="{FF2B5EF4-FFF2-40B4-BE49-F238E27FC236}">
+                  <a16:creationId xmlns:a16="http://schemas.microsoft.com/office/drawing/2014/main" id="{656F8E7F-2588-EE5B-3051-B4880664E0A7}"/>
+                </a:ext>
+              </a:extLst>
+            </p:cNvPr>
+            <p:cNvPicPr>
+              <a:picLocks noChangeAspect="1" noChangeArrowheads="1"/>
+            </p:cNvPicPr>
+            <p:nvPr/>
+          </p:nvPicPr>
+          <p:blipFill rotWithShape="1">
+            <a:blip r:embed="rId4">
+              <a:extLst>
+                <a:ext uri="{28A0092B-C50C-407E-A947-70E740481C1C}">
+                  <a14:useLocalDpi xmlns:a14="http://schemas.microsoft.com/office/drawing/2010/main" val="0"/>
+                </a:ext>
+              </a:extLst>
+            </a:blip>
+            <a:srcRect l="4270" r="4505"/>
+            <a:stretch/>
+          </p:blipFill>
+          <p:spPr bwMode="auto">
+            <a:xfrm>
+              <a:off x="3554185" y="5510146"/>
+              <a:ext cx="8430987" cy="810401"/>
+            </a:xfrm>
+            <a:prstGeom prst="rect">
+              <a:avLst/>
+            </a:prstGeom>
+            <a:noFill/>
+            <a:extLst>
+              <a:ext uri="{909E8E84-426E-40DD-AFC4-6F175D3DCCD1}">
+                <a14:hiddenFill xmlns:a14="http://schemas.microsoft.com/office/drawing/2010/main">
+                  <a:solidFill>
+                    <a:srgbClr val="FFFFFF"/>
+                  </a:solidFill>
+                </a14:hiddenFill>
+              </a:ext>
+            </a:extLst>
+          </p:spPr>
+        </p:pic>
+      </p:grpSp>
+      <p:pic>
+        <p:nvPicPr>
+          <p:cNvPr id="1026" name="Picture 2">
+            <a:extLst>
+              <a:ext uri="{FF2B5EF4-FFF2-40B4-BE49-F238E27FC236}">
+                <a16:creationId xmlns:a16="http://schemas.microsoft.com/office/drawing/2014/main" id="{52EF11DF-C173-9B8B-0B62-A0235E7D17FC}"/>
+              </a:ext>
+            </a:extLst>
+          </p:cNvPr>
+          <p:cNvPicPr>
+            <a:picLocks noChangeAspect="1" noChangeArrowheads="1"/>
+          </p:cNvPicPr>
+          <p:nvPr/>
+        </p:nvPicPr>
+        <p:blipFill>
+          <a:blip r:embed="rId5">
+            <a:extLst>
+              <a:ext uri="{28A0092B-C50C-407E-A947-70E740481C1C}">
+                <a14:useLocalDpi xmlns:a14="http://schemas.microsoft.com/office/drawing/2010/main" val="0"/>
+              </a:ext>
+            </a:extLst>
+          </a:blip>
+          <a:srcRect/>
+          <a:stretch>
+            <a:fillRect/>
+          </a:stretch>
+        </p:blipFill>
+        <p:spPr bwMode="auto">
+          <a:xfrm>
+            <a:off x="4397402" y="2431971"/>
+            <a:ext cx="4390509" cy="3197863"/>
+          </a:xfrm>
+          <a:prstGeom prst="rect">
+            <a:avLst/>
+          </a:prstGeom>
+          <a:noFill/>
+          <a:extLst>
+            <a:ext uri="{909E8E84-426E-40DD-AFC4-6F175D3DCCD1}">
+              <a14:hiddenFill xmlns:a14="http://schemas.microsoft.com/office/drawing/2010/main">
+                <a:solidFill>
+                  <a:srgbClr val="FFFFFF"/>
+                </a:solidFill>
+              </a14:hiddenFill>
+            </a:ext>
+          </a:extLst>
+        </p:spPr>
+      </p:pic>
+    </p:spTree>
+    <p:extLst>
+      <p:ext uri="{BB962C8B-B14F-4D97-AF65-F5344CB8AC3E}">
+        <p14:creationId xmlns:p14="http://schemas.microsoft.com/office/powerpoint/2010/main" val="4057580422"/>
+      </p:ext>
+    </p:extLst>
+  </p:cSld>
+  <p:clrMapOvr>
+    <a:masterClrMapping/>
+  </p:clrMapOvr>
+</p:sld>
+</file>
+
+<file path=ppt/slides/slide5.xml><?xml version="1.0" encoding="utf-8"?>
+<p:sld xmlns:a="http://schemas.openxmlformats.org/drawingml/2006/main" xmlns:r="http://schemas.openxmlformats.org/officeDocument/2006/relationships" xmlns:p="http://schemas.openxmlformats.org/presentationml/2006/main">
+  <p:cSld>
+    <p:spTree>
+      <p:nvGrpSpPr>
+        <p:cNvPr id="1" name=""/>
+        <p:cNvGrpSpPr/>
+        <p:nvPr/>
+      </p:nvGrpSpPr>
+      <p:grpSpPr>
+        <a:xfrm>
+          <a:off x="0" y="0"/>
+          <a:ext cx="0" cy="0"/>
+          <a:chOff x="0" y="0"/>
+          <a:chExt cx="0" cy="0"/>
+        </a:xfrm>
+      </p:grpSpPr>
+      <p:sp>
+        <p:nvSpPr>
+          <p:cNvPr id="2" name="Title 1">
+            <a:extLst>
+              <a:ext uri="{FF2B5EF4-FFF2-40B4-BE49-F238E27FC236}">
+                <a16:creationId xmlns:a16="http://schemas.microsoft.com/office/drawing/2014/main" id="{40F4ECA0-2A13-44DA-AD91-22617F5FC2E7}"/>
+              </a:ext>
+            </a:extLst>
+          </p:cNvPr>
+          <p:cNvSpPr>
+            <a:spLocks noGrp="1"/>
+          </p:cNvSpPr>
+          <p:nvPr>
+            <p:ph type="title"/>
+          </p:nvPr>
+        </p:nvSpPr>
+        <p:spPr/>
+        <p:txBody>
+          <a:bodyPr/>
+          <a:lstStyle/>
+          <a:p>
+            <a:r>
+              <a:rPr lang="en-US" dirty="0"/>
+              <a:t>Characterization</a:t>
+            </a:r>
+          </a:p>
+        </p:txBody>
+      </p:sp>
+    </p:spTree>
+    <p:extLst>
+      <p:ext uri="{BB962C8B-B14F-4D97-AF65-F5344CB8AC3E}">
+        <p14:creationId xmlns:p14="http://schemas.microsoft.com/office/powerpoint/2010/main" val="2606141381"/>
+      </p:ext>
+    </p:extLst>
+  </p:cSld>
+  <p:clrMapOvr>
+    <a:masterClrMapping/>
+  </p:clrMapOvr>
+</p:sld>
+</file>
+
+<file path=ppt/slides/slide6.xml><?xml version="1.0" encoding="utf-8"?>
+<p:sld xmlns:a="http://schemas.openxmlformats.org/drawingml/2006/main" xmlns:r="http://schemas.openxmlformats.org/officeDocument/2006/relationships" xmlns:p="http://schemas.openxmlformats.org/presentationml/2006/main">
+  <p:cSld>
+    <p:spTree>
+      <p:nvGrpSpPr>
+        <p:cNvPr id="1" name=""/>
+        <p:cNvGrpSpPr/>
+        <p:nvPr/>
+      </p:nvGrpSpPr>
+      <p:grpSpPr>
+        <a:xfrm>
+          <a:off x="0" y="0"/>
+          <a:ext cx="0" cy="0"/>
+          <a:chOff x="0" y="0"/>
+          <a:chExt cx="0" cy="0"/>
+        </a:xfrm>
+      </p:grpSpPr>
+      <p:sp>
+        <p:nvSpPr>
+          <p:cNvPr id="2" name="Title 1">
+            <a:extLst>
+              <a:ext uri="{FF2B5EF4-FFF2-40B4-BE49-F238E27FC236}">
+                <a16:creationId xmlns:a16="http://schemas.microsoft.com/office/drawing/2014/main" id="{858679F7-641A-5B1B-1B43-6CFFE672DF2D}"/>
+              </a:ext>
+            </a:extLst>
+          </p:cNvPr>
+          <p:cNvSpPr>
+            <a:spLocks noGrp="1"/>
+          </p:cNvSpPr>
+          <p:nvPr>
+            <p:ph type="title"/>
+          </p:nvPr>
+        </p:nvSpPr>
+        <p:spPr/>
+        <p:txBody>
+          <a:bodyPr/>
+          <a:lstStyle/>
+          <a:p>
+            <a:r>
+              <a:rPr lang="en-US" dirty="0"/>
+              <a:t>Fitting pure NFL and NFH</a:t>
+            </a:r>
+          </a:p>
+        </p:txBody>
+      </p:sp>
+      <p:grpSp>
+        <p:nvGrpSpPr>
+          <p:cNvPr id="4" name="Group 3">
+            <a:extLst>
+              <a:ext uri="{FF2B5EF4-FFF2-40B4-BE49-F238E27FC236}">
+                <a16:creationId xmlns:a16="http://schemas.microsoft.com/office/drawing/2014/main" id="{24D619F4-8539-B4B1-5F3B-C88822FC4D1C}"/>
+              </a:ext>
+            </a:extLst>
+          </p:cNvPr>
+          <p:cNvGrpSpPr/>
+          <p:nvPr/>
+        </p:nvGrpSpPr>
+        <p:grpSpPr>
+          <a:xfrm>
+            <a:off x="696562" y="2026284"/>
             <a:ext cx="4585447" cy="3472776"/>
             <a:chOff x="927847" y="1963532"/>
             <a:chExt cx="4585447" cy="3472776"/>
@@ -5514,7 +6515,7 @@
         </p:nvSpPr>
         <p:spPr>
           <a:xfrm>
-            <a:off x="8594912" y="3693944"/>
+            <a:off x="10755406" y="6132344"/>
             <a:ext cx="1331258" cy="571464"/>
           </a:xfrm>
           <a:prstGeom prst="rect">
@@ -5549,6 +6550,52 @@
           </a:p>
         </p:txBody>
       </p:sp>
+      <p:sp>
+        <p:nvSpPr>
+          <p:cNvPr id="5" name="Arrow: Right 4">
+            <a:extLst>
+              <a:ext uri="{FF2B5EF4-FFF2-40B4-BE49-F238E27FC236}">
+                <a16:creationId xmlns:a16="http://schemas.microsoft.com/office/drawing/2014/main" id="{2B50C492-8018-C4B6-ABA8-9D577517EF6A}"/>
+              </a:ext>
+            </a:extLst>
+          </p:cNvPr>
+          <p:cNvSpPr/>
+          <p:nvPr/>
+        </p:nvSpPr>
+        <p:spPr>
+          <a:xfrm>
+            <a:off x="5163671" y="3490174"/>
+            <a:ext cx="932329" cy="421341"/>
+          </a:xfrm>
+          <a:prstGeom prst="rightArrow">
+            <a:avLst/>
+          </a:prstGeom>
+        </p:spPr>
+        <p:style>
+          <a:lnRef idx="2">
+            <a:schemeClr val="accent1">
+              <a:shade val="50000"/>
+            </a:schemeClr>
+          </a:lnRef>
+          <a:fillRef idx="1">
+            <a:schemeClr val="accent1"/>
+          </a:fillRef>
+          <a:effectRef idx="0">
+            <a:schemeClr val="accent1"/>
+          </a:effectRef>
+          <a:fontRef idx="minor">
+            <a:schemeClr val="lt1"/>
+          </a:fontRef>
+        </p:style>
+        <p:txBody>
+          <a:bodyPr rtlCol="0" anchor="ctr"/>
+          <a:lstStyle/>
+          <a:p>
+            <a:pPr algn="ctr"/>
+            <a:endParaRPr lang="en-US"/>
+          </a:p>
+        </p:txBody>
+      </p:sp>
     </p:spTree>
     <p:extLst>
       <p:ext uri="{BB962C8B-B14F-4D97-AF65-F5344CB8AC3E}">
@@ -5562,7 +6609,7 @@
 </p:sld>
 </file>
 
-<file path=ppt/slides/slide5.xml><?xml version="1.0" encoding="utf-8"?>
+<file path=ppt/slides/slide7.xml><?xml version="1.0" encoding="utf-8"?>
 <p:sld xmlns:a="http://schemas.openxmlformats.org/drawingml/2006/main" xmlns:r="http://schemas.openxmlformats.org/officeDocument/2006/relationships" xmlns:p="http://schemas.openxmlformats.org/presentationml/2006/main">
   <p:cSld>
     <p:spTree>
@@ -6002,7 +7049,7 @@
 </p:sld>
 </file>
 
-<file path=ppt/slides/slide6.xml><?xml version="1.0" encoding="utf-8"?>
+<file path=ppt/slides/slide8.xml><?xml version="1.0" encoding="utf-8"?>
 <p:sld xmlns:a="http://schemas.openxmlformats.org/drawingml/2006/main" xmlns:r="http://schemas.openxmlformats.org/officeDocument/2006/relationships" xmlns:p="http://schemas.openxmlformats.org/presentationml/2006/main">
   <p:cSld>
     <p:spTree>

--- a/20230201 LH Update.pptx
+++ b/20230201 LH Update.pptx
@@ -3725,7 +3725,7 @@
                 </a:pPr>
                 <a:r>
                   <a:rPr lang="en-US" dirty="0"/>
-                  <a:t>But same F-H </a:t>
+                  <a:t>Same F-H </a:t>
                 </a:r>
                 <a14:m>
                   <m:oMath xmlns:m="http://schemas.openxmlformats.org/officeDocument/2006/math">
@@ -4513,208 +4513,6 @@
       </p:sp>
       <p:grpSp>
         <p:nvGrpSpPr>
-          <p:cNvPr id="35" name="Group 34">
-            <a:extLst>
-              <a:ext uri="{FF2B5EF4-FFF2-40B4-BE49-F238E27FC236}">
-                <a16:creationId xmlns:a16="http://schemas.microsoft.com/office/drawing/2014/main" id="{B86D3F0E-98A5-4CF6-9E66-85B598037D4C}"/>
-              </a:ext>
-            </a:extLst>
-          </p:cNvPr>
-          <p:cNvGrpSpPr/>
-          <p:nvPr/>
-        </p:nvGrpSpPr>
-        <p:grpSpPr>
-          <a:xfrm>
-            <a:off x="691299" y="1172229"/>
-            <a:ext cx="8312027" cy="2709007"/>
-            <a:chOff x="3074195" y="1305743"/>
-            <a:chExt cx="8312027" cy="2709007"/>
-          </a:xfrm>
-        </p:grpSpPr>
-        <p:pic>
-          <p:nvPicPr>
-            <p:cNvPr id="28" name="Picture 27">
-              <a:extLst>
-                <a:ext uri="{FF2B5EF4-FFF2-40B4-BE49-F238E27FC236}">
-                  <a16:creationId xmlns:a16="http://schemas.microsoft.com/office/drawing/2014/main" id="{EEC2EAD2-FD37-EDD4-1DD3-A069D369D748}"/>
-                </a:ext>
-              </a:extLst>
-            </p:cNvPr>
-            <p:cNvPicPr>
-              <a:picLocks noChangeAspect="1"/>
-            </p:cNvPicPr>
-            <p:nvPr/>
-          </p:nvPicPr>
-          <p:blipFill>
-            <a:blip r:embed="rId2"/>
-            <a:stretch>
-              <a:fillRect/>
-            </a:stretch>
-          </p:blipFill>
-          <p:spPr>
-            <a:xfrm>
-              <a:off x="7496975" y="1305743"/>
-              <a:ext cx="3889247" cy="2709007"/>
-            </a:xfrm>
-            <a:prstGeom prst="rect">
-              <a:avLst/>
-            </a:prstGeom>
-          </p:spPr>
-        </p:pic>
-        <p:sp>
-          <p:nvSpPr>
-            <p:cNvPr id="29" name="TextBox 28">
-              <a:extLst>
-                <a:ext uri="{FF2B5EF4-FFF2-40B4-BE49-F238E27FC236}">
-                  <a16:creationId xmlns:a16="http://schemas.microsoft.com/office/drawing/2014/main" id="{D93D56FC-08CC-3B25-2AAB-9FC89587F1BC}"/>
-                </a:ext>
-              </a:extLst>
-            </p:cNvPr>
-            <p:cNvSpPr txBox="1"/>
-            <p:nvPr/>
-          </p:nvSpPr>
-          <p:spPr>
-            <a:xfrm>
-              <a:off x="6223691" y="1528118"/>
-              <a:ext cx="1242442" cy="338554"/>
-            </a:xfrm>
-            <a:prstGeom prst="rect">
-              <a:avLst/>
-            </a:prstGeom>
-            <a:noFill/>
-          </p:spPr>
-          <p:txBody>
-            <a:bodyPr wrap="square" rtlCol="0">
-              <a:spAutoFit/>
-            </a:bodyPr>
-            <a:lstStyle/>
-            <a:p>
-              <a:pPr algn="r"/>
-              <a:r>
-                <a:rPr lang="en-US" sz="1600" dirty="0"/>
-                <a:t>Amino acid </a:t>
-              </a:r>
-            </a:p>
-          </p:txBody>
-        </p:sp>
-        <p:sp>
-          <p:nvSpPr>
-            <p:cNvPr id="30" name="TextBox 29">
-              <a:extLst>
-                <a:ext uri="{FF2B5EF4-FFF2-40B4-BE49-F238E27FC236}">
-                  <a16:creationId xmlns:a16="http://schemas.microsoft.com/office/drawing/2014/main" id="{FEC87875-6361-3501-0287-E91EF2AB2A5C}"/>
-                </a:ext>
-              </a:extLst>
-            </p:cNvPr>
-            <p:cNvSpPr txBox="1"/>
-            <p:nvPr/>
-          </p:nvSpPr>
-          <p:spPr>
-            <a:xfrm>
-              <a:off x="5647825" y="2256784"/>
-              <a:ext cx="1818308" cy="584775"/>
-            </a:xfrm>
-            <a:prstGeom prst="rect">
-              <a:avLst/>
-            </a:prstGeom>
-            <a:noFill/>
-          </p:spPr>
-          <p:txBody>
-            <a:bodyPr wrap="square" rtlCol="0">
-              <a:spAutoFit/>
-            </a:bodyPr>
-            <a:lstStyle/>
-            <a:p>
-              <a:pPr algn="r"/>
-              <a:r>
-                <a:rPr lang="en-US" sz="1600" dirty="0"/>
-                <a:t>Charge </a:t>
-              </a:r>
-              <a:br>
-                <a:rPr lang="en-US" sz="1600" dirty="0"/>
-              </a:br>
-              <a:r>
-                <a:rPr lang="en-US" sz="1600" dirty="0"/>
-                <a:t>(at given pH)</a:t>
-              </a:r>
-            </a:p>
-          </p:txBody>
-        </p:sp>
-        <p:sp>
-          <p:nvSpPr>
-            <p:cNvPr id="31" name="TextBox 30">
-              <a:extLst>
-                <a:ext uri="{FF2B5EF4-FFF2-40B4-BE49-F238E27FC236}">
-                  <a16:creationId xmlns:a16="http://schemas.microsoft.com/office/drawing/2014/main" id="{2CB29859-A137-44F1-F6FE-55189F3B67F3}"/>
-                </a:ext>
-              </a:extLst>
-            </p:cNvPr>
-            <p:cNvSpPr txBox="1"/>
-            <p:nvPr/>
-          </p:nvSpPr>
-          <p:spPr>
-            <a:xfrm>
-              <a:off x="5647825" y="3173950"/>
-              <a:ext cx="1818308" cy="338554"/>
-            </a:xfrm>
-            <a:prstGeom prst="rect">
-              <a:avLst/>
-            </a:prstGeom>
-            <a:noFill/>
-          </p:spPr>
-          <p:txBody>
-            <a:bodyPr wrap="square" rtlCol="0">
-              <a:spAutoFit/>
-            </a:bodyPr>
-            <a:lstStyle/>
-            <a:p>
-              <a:pPr algn="r"/>
-              <a:r>
-                <a:rPr lang="en-US" sz="1600" dirty="0"/>
-                <a:t>Block assignment</a:t>
-              </a:r>
-            </a:p>
-          </p:txBody>
-        </p:sp>
-        <p:sp>
-          <p:nvSpPr>
-            <p:cNvPr id="33" name="TextBox 32">
-              <a:extLst>
-                <a:ext uri="{FF2B5EF4-FFF2-40B4-BE49-F238E27FC236}">
-                  <a16:creationId xmlns:a16="http://schemas.microsoft.com/office/drawing/2014/main" id="{BBA26761-7480-0F29-2BD5-1E0555B0252C}"/>
-                </a:ext>
-              </a:extLst>
-            </p:cNvPr>
-            <p:cNvSpPr txBox="1"/>
-            <p:nvPr/>
-          </p:nvSpPr>
-          <p:spPr>
-            <a:xfrm>
-              <a:off x="3074195" y="2195948"/>
-              <a:ext cx="2286000" cy="369332"/>
-            </a:xfrm>
-            <a:prstGeom prst="rect">
-              <a:avLst/>
-            </a:prstGeom>
-            <a:noFill/>
-          </p:spPr>
-          <p:txBody>
-            <a:bodyPr wrap="square" rtlCol="0">
-              <a:spAutoFit/>
-            </a:bodyPr>
-            <a:lstStyle/>
-            <a:p>
-              <a:pPr algn="ctr"/>
-              <a:r>
-                <a:rPr lang="en-US" b="1" dirty="0"/>
-                <a:t>Algorithm overview</a:t>
-              </a:r>
-            </a:p>
-          </p:txBody>
-        </p:sp>
-      </p:grpSp>
-      <p:grpSp>
-        <p:nvGrpSpPr>
           <p:cNvPr id="38" name="Group 37">
             <a:extLst>
               <a:ext uri="{FF2B5EF4-FFF2-40B4-BE49-F238E27FC236}">
@@ -4768,7 +4566,7 @@
               <p:nvPr/>
             </p:nvPicPr>
             <p:blipFill>
-              <a:blip r:embed="rId3">
+              <a:blip r:embed="rId2">
                 <a:extLst>
                   <a:ext uri="{28A0092B-C50C-407E-A947-70E740481C1C}">
                     <a14:useLocalDpi xmlns:a14="http://schemas.microsoft.com/office/drawing/2010/main" val="0"/>
@@ -4815,7 +4613,7 @@
               <p:nvPr/>
             </p:nvPicPr>
             <p:blipFill rotWithShape="1">
-              <a:blip r:embed="rId4">
+              <a:blip r:embed="rId3">
                 <a:extLst>
                   <a:ext uri="{28A0092B-C50C-407E-A947-70E740481C1C}">
                     <a14:useLocalDpi xmlns:a14="http://schemas.microsoft.com/office/drawing/2010/main" val="0"/>
@@ -5297,7 +5095,7 @@
               <p:nvPr/>
             </p:nvPicPr>
             <p:blipFill>
-              <a:blip r:embed="rId5">
+              <a:blip r:embed="rId4">
                 <a:extLst>
                   <a:ext uri="{28A0092B-C50C-407E-A947-70E740481C1C}">
                     <a14:useLocalDpi xmlns:a14="http://schemas.microsoft.com/office/drawing/2010/main" val="0"/>
@@ -5344,7 +5142,7 @@
               <p:nvPr/>
             </p:nvPicPr>
             <p:blipFill rotWithShape="1">
-              <a:blip r:embed="rId6">
+              <a:blip r:embed="rId5">
                 <a:extLst>
                   <a:ext uri="{28A0092B-C50C-407E-A947-70E740481C1C}">
                     <a14:useLocalDpi xmlns:a14="http://schemas.microsoft.com/office/drawing/2010/main" val="0"/>
@@ -5771,6 +5569,208 @@
           </p:txBody>
         </p:sp>
       </p:grpSp>
+      <p:grpSp>
+        <p:nvGrpSpPr>
+          <p:cNvPr id="27" name="Group 26">
+            <a:extLst>
+              <a:ext uri="{FF2B5EF4-FFF2-40B4-BE49-F238E27FC236}">
+                <a16:creationId xmlns:a16="http://schemas.microsoft.com/office/drawing/2014/main" id="{FEE247CB-A5B2-D791-3092-BCB3AF907AA2}"/>
+              </a:ext>
+            </a:extLst>
+          </p:cNvPr>
+          <p:cNvGrpSpPr/>
+          <p:nvPr/>
+        </p:nvGrpSpPr>
+        <p:grpSpPr>
+          <a:xfrm>
+            <a:off x="691299" y="1167008"/>
+            <a:ext cx="8374291" cy="2734070"/>
+            <a:chOff x="691299" y="1167008"/>
+            <a:chExt cx="8374291" cy="2734070"/>
+          </a:xfrm>
+        </p:grpSpPr>
+        <p:sp>
+          <p:nvSpPr>
+            <p:cNvPr id="29" name="TextBox 28">
+              <a:extLst>
+                <a:ext uri="{FF2B5EF4-FFF2-40B4-BE49-F238E27FC236}">
+                  <a16:creationId xmlns:a16="http://schemas.microsoft.com/office/drawing/2014/main" id="{D93D56FC-08CC-3B25-2AAB-9FC89587F1BC}"/>
+                </a:ext>
+              </a:extLst>
+            </p:cNvPr>
+            <p:cNvSpPr txBox="1"/>
+            <p:nvPr/>
+          </p:nvSpPr>
+          <p:spPr>
+            <a:xfrm>
+              <a:off x="3840795" y="1394604"/>
+              <a:ext cx="1242442" cy="338554"/>
+            </a:xfrm>
+            <a:prstGeom prst="rect">
+              <a:avLst/>
+            </a:prstGeom>
+            <a:noFill/>
+          </p:spPr>
+          <p:txBody>
+            <a:bodyPr wrap="square" rtlCol="0">
+              <a:spAutoFit/>
+            </a:bodyPr>
+            <a:lstStyle/>
+            <a:p>
+              <a:pPr algn="r"/>
+              <a:r>
+                <a:rPr lang="en-US" sz="1600" dirty="0"/>
+                <a:t>Amino acid </a:t>
+              </a:r>
+            </a:p>
+          </p:txBody>
+        </p:sp>
+        <p:sp>
+          <p:nvSpPr>
+            <p:cNvPr id="30" name="TextBox 29">
+              <a:extLst>
+                <a:ext uri="{FF2B5EF4-FFF2-40B4-BE49-F238E27FC236}">
+                  <a16:creationId xmlns:a16="http://schemas.microsoft.com/office/drawing/2014/main" id="{FEC87875-6361-3501-0287-E91EF2AB2A5C}"/>
+                </a:ext>
+              </a:extLst>
+            </p:cNvPr>
+            <p:cNvSpPr txBox="1"/>
+            <p:nvPr/>
+          </p:nvSpPr>
+          <p:spPr>
+            <a:xfrm>
+              <a:off x="3264929" y="2123270"/>
+              <a:ext cx="1818308" cy="584775"/>
+            </a:xfrm>
+            <a:prstGeom prst="rect">
+              <a:avLst/>
+            </a:prstGeom>
+            <a:noFill/>
+          </p:spPr>
+          <p:txBody>
+            <a:bodyPr wrap="square" rtlCol="0">
+              <a:spAutoFit/>
+            </a:bodyPr>
+            <a:lstStyle/>
+            <a:p>
+              <a:pPr algn="r"/>
+              <a:r>
+                <a:rPr lang="en-US" sz="1600" dirty="0"/>
+                <a:t>Charge </a:t>
+              </a:r>
+              <a:br>
+                <a:rPr lang="en-US" sz="1600" dirty="0"/>
+              </a:br>
+              <a:r>
+                <a:rPr lang="en-US" sz="1600" dirty="0"/>
+                <a:t>(at given pH)</a:t>
+              </a:r>
+            </a:p>
+          </p:txBody>
+        </p:sp>
+        <p:sp>
+          <p:nvSpPr>
+            <p:cNvPr id="31" name="TextBox 30">
+              <a:extLst>
+                <a:ext uri="{FF2B5EF4-FFF2-40B4-BE49-F238E27FC236}">
+                  <a16:creationId xmlns:a16="http://schemas.microsoft.com/office/drawing/2014/main" id="{2CB29859-A137-44F1-F6FE-55189F3B67F3}"/>
+                </a:ext>
+              </a:extLst>
+            </p:cNvPr>
+            <p:cNvSpPr txBox="1"/>
+            <p:nvPr/>
+          </p:nvSpPr>
+          <p:spPr>
+            <a:xfrm>
+              <a:off x="3264929" y="3040436"/>
+              <a:ext cx="1818308" cy="338554"/>
+            </a:xfrm>
+            <a:prstGeom prst="rect">
+              <a:avLst/>
+            </a:prstGeom>
+            <a:noFill/>
+          </p:spPr>
+          <p:txBody>
+            <a:bodyPr wrap="square" rtlCol="0">
+              <a:spAutoFit/>
+            </a:bodyPr>
+            <a:lstStyle/>
+            <a:p>
+              <a:pPr algn="r"/>
+              <a:r>
+                <a:rPr lang="en-US" sz="1600" dirty="0"/>
+                <a:t>Block assignment</a:t>
+              </a:r>
+            </a:p>
+          </p:txBody>
+        </p:sp>
+        <p:sp>
+          <p:nvSpPr>
+            <p:cNvPr id="33" name="TextBox 32">
+              <a:extLst>
+                <a:ext uri="{FF2B5EF4-FFF2-40B4-BE49-F238E27FC236}">
+                  <a16:creationId xmlns:a16="http://schemas.microsoft.com/office/drawing/2014/main" id="{BBA26761-7480-0F29-2BD5-1E0555B0252C}"/>
+                </a:ext>
+              </a:extLst>
+            </p:cNvPr>
+            <p:cNvSpPr txBox="1"/>
+            <p:nvPr/>
+          </p:nvSpPr>
+          <p:spPr>
+            <a:xfrm>
+              <a:off x="691299" y="2062434"/>
+              <a:ext cx="2286000" cy="369332"/>
+            </a:xfrm>
+            <a:prstGeom prst="rect">
+              <a:avLst/>
+            </a:prstGeom>
+            <a:noFill/>
+          </p:spPr>
+          <p:txBody>
+            <a:bodyPr wrap="square" rtlCol="0">
+              <a:spAutoFit/>
+            </a:bodyPr>
+            <a:lstStyle/>
+            <a:p>
+              <a:pPr algn="ctr"/>
+              <a:r>
+                <a:rPr lang="en-US" b="1" dirty="0"/>
+                <a:t>Algorithm overview</a:t>
+              </a:r>
+            </a:p>
+          </p:txBody>
+        </p:sp>
+        <p:pic>
+          <p:nvPicPr>
+            <p:cNvPr id="26" name="Picture 25">
+              <a:extLst>
+                <a:ext uri="{FF2B5EF4-FFF2-40B4-BE49-F238E27FC236}">
+                  <a16:creationId xmlns:a16="http://schemas.microsoft.com/office/drawing/2014/main" id="{DB14B2D1-64A6-9398-F8DD-6E1A5ECE5ACB}"/>
+                </a:ext>
+              </a:extLst>
+            </p:cNvPr>
+            <p:cNvPicPr>
+              <a:picLocks noChangeAspect="1"/>
+            </p:cNvPicPr>
+            <p:nvPr/>
+          </p:nvPicPr>
+          <p:blipFill>
+            <a:blip r:embed="rId6"/>
+            <a:stretch>
+              <a:fillRect/>
+            </a:stretch>
+          </p:blipFill>
+          <p:spPr>
+            <a:xfrm>
+              <a:off x="5083237" y="1167008"/>
+              <a:ext cx="3982353" cy="2734070"/>
+            </a:xfrm>
+            <a:prstGeom prst="rect">
+              <a:avLst/>
+            </a:prstGeom>
+          </p:spPr>
+        </p:pic>
+      </p:grpSp>
     </p:spTree>
     <p:extLst>
       <p:ext uri="{BB962C8B-B14F-4D97-AF65-F5344CB8AC3E}">
@@ -5829,7 +5829,7 @@
           <a:p>
             <a:r>
               <a:rPr lang="en-US" dirty="0"/>
-              <a:t>Sr2014 Summary</a:t>
+              <a:t>Pure NFH Summary (Srinivasan 2014)</a:t>
             </a:r>
           </a:p>
         </p:txBody>
@@ -5863,7 +5863,7 @@
         </p:blipFill>
         <p:spPr bwMode="auto">
           <a:xfrm>
-            <a:off x="389965" y="2431972"/>
+            <a:off x="1429442" y="3429000"/>
             <a:ext cx="4007438" cy="3269582"/>
           </a:xfrm>
           <a:prstGeom prst="rect">
@@ -5895,7 +5895,7 @@
         </p:nvGrpSpPr>
         <p:grpSpPr>
           <a:xfrm>
-            <a:off x="5207055" y="231448"/>
+            <a:off x="2704380" y="1325563"/>
             <a:ext cx="6783239" cy="1256843"/>
             <a:chOff x="3554185" y="5134619"/>
             <a:chExt cx="8564336" cy="1586856"/>
@@ -6023,7 +6023,7 @@
         </p:blipFill>
         <p:spPr bwMode="auto">
           <a:xfrm>
-            <a:off x="4397402" y="2431971"/>
+            <a:off x="6326797" y="3429000"/>
             <a:ext cx="4390509" cy="3197863"/>
           </a:xfrm>
           <a:prstGeom prst="rect">
@@ -6039,6 +6039,114 @@
               </a14:hiddenFill>
             </a:ext>
           </a:extLst>
+        </p:spPr>
+      </p:pic>
+      <p:pic>
+        <p:nvPicPr>
+          <p:cNvPr id="23" name="Graphic 22">
+            <a:extLst>
+              <a:ext uri="{FF2B5EF4-FFF2-40B4-BE49-F238E27FC236}">
+                <a16:creationId xmlns:a16="http://schemas.microsoft.com/office/drawing/2014/main" id="{FC408660-4104-FA8F-218D-6EDE18DF1090}"/>
+              </a:ext>
+            </a:extLst>
+          </p:cNvPr>
+          <p:cNvPicPr>
+            <a:picLocks noChangeAspect="1"/>
+          </p:cNvPicPr>
+          <p:nvPr/>
+        </p:nvPicPr>
+        <p:blipFill>
+          <a:blip r:embed="rId6">
+            <a:extLst>
+              <a:ext uri="{96DAC541-7B7A-43D3-8B79-37D633B846F1}">
+                <asvg:svgBlip xmlns:asvg="http://schemas.microsoft.com/office/drawing/2016/SVG/main" r:embed="rId7"/>
+              </a:ext>
+            </a:extLst>
+          </a:blip>
+          <a:stretch>
+            <a:fillRect/>
+          </a:stretch>
+        </p:blipFill>
+        <p:spPr>
+          <a:xfrm>
+            <a:off x="7772299" y="4224806"/>
+            <a:ext cx="1499503" cy="922074"/>
+          </a:xfrm>
+          <a:prstGeom prst="rect">
+            <a:avLst/>
+          </a:prstGeom>
+        </p:spPr>
+      </p:pic>
+      <p:pic>
+        <p:nvPicPr>
+          <p:cNvPr id="25" name="Graphic 24">
+            <a:extLst>
+              <a:ext uri="{FF2B5EF4-FFF2-40B4-BE49-F238E27FC236}">
+                <a16:creationId xmlns:a16="http://schemas.microsoft.com/office/drawing/2014/main" id="{7A24684A-F1B7-6C4C-90CE-700FF2CEBEA0}"/>
+              </a:ext>
+            </a:extLst>
+          </p:cNvPr>
+          <p:cNvPicPr>
+            <a:picLocks noChangeAspect="1"/>
+          </p:cNvPicPr>
+          <p:nvPr/>
+        </p:nvPicPr>
+        <p:blipFill>
+          <a:blip r:embed="rId8">
+            <a:extLst>
+              <a:ext uri="{96DAC541-7B7A-43D3-8B79-37D633B846F1}">
+                <asvg:svgBlip xmlns:asvg="http://schemas.microsoft.com/office/drawing/2016/SVG/main" r:embed="rId9"/>
+              </a:ext>
+            </a:extLst>
+          </a:blip>
+          <a:stretch>
+            <a:fillRect/>
+          </a:stretch>
+        </p:blipFill>
+        <p:spPr>
+          <a:xfrm>
+            <a:off x="8986693" y="5013315"/>
+            <a:ext cx="1499503" cy="946259"/>
+          </a:xfrm>
+          <a:prstGeom prst="rect">
+            <a:avLst/>
+          </a:prstGeom>
+        </p:spPr>
+      </p:pic>
+      <p:pic>
+        <p:nvPicPr>
+          <p:cNvPr id="27" name="Graphic 26">
+            <a:extLst>
+              <a:ext uri="{FF2B5EF4-FFF2-40B4-BE49-F238E27FC236}">
+                <a16:creationId xmlns:a16="http://schemas.microsoft.com/office/drawing/2014/main" id="{71DA4DDF-2906-2E9D-E4E3-31FEBEADF1DB}"/>
+              </a:ext>
+            </a:extLst>
+          </p:cNvPr>
+          <p:cNvPicPr>
+            <a:picLocks noChangeAspect="1"/>
+          </p:cNvPicPr>
+          <p:nvPr/>
+        </p:nvPicPr>
+        <p:blipFill>
+          <a:blip r:embed="rId10">
+            <a:extLst>
+              <a:ext uri="{96DAC541-7B7A-43D3-8B79-37D633B846F1}">
+                <asvg:svgBlip xmlns:asvg="http://schemas.microsoft.com/office/drawing/2016/SVG/main" r:embed="rId11"/>
+              </a:ext>
+            </a:extLst>
+          </a:blip>
+          <a:stretch>
+            <a:fillRect/>
+          </a:stretch>
+        </p:blipFill>
+        <p:spPr>
+          <a:xfrm>
+            <a:off x="7278872" y="3614665"/>
+            <a:ext cx="1486851" cy="512604"/>
+          </a:xfrm>
+          <a:prstGeom prst="rect">
+            <a:avLst/>
+          </a:prstGeom>
         </p:spPr>
       </p:pic>
     </p:spTree>

--- a/20230201 LH Update.pptx
+++ b/20230201 LH Update.pptx
@@ -5863,8 +5863,8 @@
         </p:blipFill>
         <p:spPr bwMode="auto">
           <a:xfrm>
-            <a:off x="1429442" y="3429000"/>
-            <a:ext cx="4007438" cy="3269582"/>
+            <a:off x="1014030" y="3009899"/>
+            <a:ext cx="4634790" cy="3781425"/>
           </a:xfrm>
           <a:prstGeom prst="rect">
             <a:avLst/>
@@ -5895,8 +5895,8 @@
         </p:nvGrpSpPr>
         <p:grpSpPr>
           <a:xfrm>
-            <a:off x="2704380" y="1325563"/>
-            <a:ext cx="6783239" cy="1256843"/>
+            <a:off x="1954696" y="1294178"/>
+            <a:ext cx="8282608" cy="1534656"/>
             <a:chOff x="3554185" y="5134619"/>
             <a:chExt cx="8564336" cy="1586856"/>
           </a:xfrm>
@@ -6023,8 +6023,8 @@
         </p:blipFill>
         <p:spPr bwMode="auto">
           <a:xfrm>
-            <a:off x="6326797" y="3429000"/>
-            <a:ext cx="4390509" cy="3197863"/>
+            <a:off x="5764801" y="3011602"/>
+            <a:ext cx="5077830" cy="3698479"/>
           </a:xfrm>
           <a:prstGeom prst="rect">
             <a:avLst/>
@@ -6069,8 +6069,8 @@
         </p:blipFill>
         <p:spPr>
           <a:xfrm>
-            <a:off x="7772299" y="4224806"/>
-            <a:ext cx="1499503" cy="922074"/>
+            <a:off x="7780704" y="3737097"/>
+            <a:ext cx="1757010" cy="1080420"/>
           </a:xfrm>
           <a:prstGeom prst="rect">
             <a:avLst/>
@@ -6105,8 +6105,8 @@
         </p:blipFill>
         <p:spPr>
           <a:xfrm>
-            <a:off x="8986693" y="5013315"/>
-            <a:ext cx="1499503" cy="946259"/>
+            <a:off x="8762877" y="4801945"/>
+            <a:ext cx="1757011" cy="1108759"/>
           </a:xfrm>
           <a:prstGeom prst="rect">
             <a:avLst/>
@@ -6141,8 +6141,8 @@
         </p:blipFill>
         <p:spPr>
           <a:xfrm>
-            <a:off x="7278872" y="3614665"/>
-            <a:ext cx="1486851" cy="512604"/>
+            <a:off x="6926447" y="3210647"/>
+            <a:ext cx="1742187" cy="600633"/>
           </a:xfrm>
           <a:prstGeom prst="rect">
             <a:avLst/>
@@ -6195,7 +6195,12 @@
             <p:ph type="title"/>
           </p:nvPr>
         </p:nvSpPr>
-        <p:spPr/>
+        <p:spPr>
+          <a:xfrm>
+            <a:off x="282389" y="176563"/>
+            <a:ext cx="10515600" cy="1325563"/>
+          </a:xfrm>
+        </p:spPr>
         <p:txBody>
           <a:bodyPr/>
           <a:lstStyle/>
@@ -6203,6 +6208,357 @@
             <a:r>
               <a:rPr lang="en-US" dirty="0"/>
               <a:t>Characterization</a:t>
+            </a:r>
+          </a:p>
+        </p:txBody>
+      </p:sp>
+      <p:grpSp>
+        <p:nvGrpSpPr>
+          <p:cNvPr id="11" name="Group 10">
+            <a:extLst>
+              <a:ext uri="{FF2B5EF4-FFF2-40B4-BE49-F238E27FC236}">
+                <a16:creationId xmlns:a16="http://schemas.microsoft.com/office/drawing/2014/main" id="{9F7B6167-9254-711C-46A1-09D27797205F}"/>
+              </a:ext>
+            </a:extLst>
+          </p:cNvPr>
+          <p:cNvGrpSpPr/>
+          <p:nvPr/>
+        </p:nvGrpSpPr>
+        <p:grpSpPr>
+          <a:xfrm>
+            <a:off x="397781" y="1803585"/>
+            <a:ext cx="5081970" cy="3719513"/>
+            <a:chOff x="1647825" y="1843087"/>
+            <a:chExt cx="5081970" cy="3719513"/>
+          </a:xfrm>
+        </p:grpSpPr>
+        <p:pic>
+          <p:nvPicPr>
+            <p:cNvPr id="4" name="Picture 3">
+              <a:extLst>
+                <a:ext uri="{FF2B5EF4-FFF2-40B4-BE49-F238E27FC236}">
+                  <a16:creationId xmlns:a16="http://schemas.microsoft.com/office/drawing/2014/main" id="{9FCA48FE-E0AE-D7F1-1C8E-527D4E04E040}"/>
+                </a:ext>
+              </a:extLst>
+            </p:cNvPr>
+            <p:cNvPicPr>
+              <a:picLocks noChangeAspect="1"/>
+            </p:cNvPicPr>
+            <p:nvPr/>
+          </p:nvPicPr>
+          <p:blipFill>
+            <a:blip r:embed="rId2"/>
+            <a:stretch>
+              <a:fillRect/>
+            </a:stretch>
+          </p:blipFill>
+          <p:spPr>
+            <a:xfrm>
+              <a:off x="1647825" y="2057400"/>
+              <a:ext cx="4035538" cy="3505200"/>
+            </a:xfrm>
+            <a:prstGeom prst="rect">
+              <a:avLst/>
+            </a:prstGeom>
+          </p:spPr>
+        </p:pic>
+        <p:sp>
+          <p:nvSpPr>
+            <p:cNvPr id="5" name="TextBox 4">
+              <a:extLst>
+                <a:ext uri="{FF2B5EF4-FFF2-40B4-BE49-F238E27FC236}">
+                  <a16:creationId xmlns:a16="http://schemas.microsoft.com/office/drawing/2014/main" id="{C340DF4E-E8EC-DFA2-F44C-0ED56F26BAEF}"/>
+                </a:ext>
+              </a:extLst>
+            </p:cNvPr>
+            <p:cNvSpPr txBox="1"/>
+            <p:nvPr/>
+          </p:nvSpPr>
+          <p:spPr>
+            <a:xfrm>
+              <a:off x="2333625" y="1843087"/>
+              <a:ext cx="2895600" cy="371475"/>
+            </a:xfrm>
+            <a:prstGeom prst="rect">
+              <a:avLst/>
+            </a:prstGeom>
+            <a:noFill/>
+          </p:spPr>
+          <p:txBody>
+            <a:bodyPr wrap="square" rtlCol="0">
+              <a:spAutoFit/>
+            </a:bodyPr>
+            <a:lstStyle/>
+            <a:p>
+              <a:pPr algn="ctr"/>
+              <a:r>
+                <a:rPr lang="en-US" dirty="0"/>
+                <a:t>Reflectivity Spectra</a:t>
+              </a:r>
+            </a:p>
+          </p:txBody>
+        </p:sp>
+        <p:cxnSp>
+          <p:nvCxnSpPr>
+            <p:cNvPr id="8" name="Straight Arrow Connector 7">
+              <a:extLst>
+                <a:ext uri="{FF2B5EF4-FFF2-40B4-BE49-F238E27FC236}">
+                  <a16:creationId xmlns:a16="http://schemas.microsoft.com/office/drawing/2014/main" id="{4DC2216C-A58B-BE98-8AA8-B2C0FC139FD3}"/>
+                </a:ext>
+              </a:extLst>
+            </p:cNvPr>
+            <p:cNvCxnSpPr>
+              <a:cxnSpLocks/>
+            </p:cNvCxnSpPr>
+            <p:nvPr/>
+          </p:nvCxnSpPr>
+          <p:spPr>
+            <a:xfrm>
+              <a:off x="3495675" y="2533649"/>
+              <a:ext cx="169919" cy="2000250"/>
+            </a:xfrm>
+            <a:prstGeom prst="straightConnector1">
+              <a:avLst/>
+            </a:prstGeom>
+            <a:ln w="28575">
+              <a:solidFill>
+                <a:schemeClr val="tx1"/>
+              </a:solidFill>
+              <a:tailEnd type="triangle"/>
+            </a:ln>
+          </p:spPr>
+          <p:style>
+            <a:lnRef idx="1">
+              <a:schemeClr val="accent1"/>
+            </a:lnRef>
+            <a:fillRef idx="0">
+              <a:schemeClr val="accent1"/>
+            </a:fillRef>
+            <a:effectRef idx="0">
+              <a:schemeClr val="accent1"/>
+            </a:effectRef>
+            <a:fontRef idx="minor">
+              <a:schemeClr val="tx1"/>
+            </a:fontRef>
+          </p:style>
+        </p:cxnSp>
+        <p:sp>
+          <p:nvSpPr>
+            <p:cNvPr id="10" name="TextBox 9">
+              <a:extLst>
+                <a:ext uri="{FF2B5EF4-FFF2-40B4-BE49-F238E27FC236}">
+                  <a16:creationId xmlns:a16="http://schemas.microsoft.com/office/drawing/2014/main" id="{3BB36B47-017F-AA02-17D9-118FD5B555DB}"/>
+                </a:ext>
+              </a:extLst>
+            </p:cNvPr>
+            <p:cNvSpPr txBox="1"/>
+            <p:nvPr/>
+          </p:nvSpPr>
+          <p:spPr>
+            <a:xfrm>
+              <a:off x="3728654" y="2550972"/>
+              <a:ext cx="3001141" cy="307777"/>
+            </a:xfrm>
+            <a:prstGeom prst="rect">
+              <a:avLst/>
+            </a:prstGeom>
+            <a:solidFill>
+              <a:schemeClr val="bg1"/>
+            </a:solidFill>
+            <a:ln w="19050">
+              <a:solidFill>
+                <a:schemeClr val="tx1"/>
+              </a:solidFill>
+            </a:ln>
+          </p:spPr>
+          <p:txBody>
+            <a:bodyPr wrap="square" rtlCol="0">
+              <a:spAutoFit/>
+            </a:bodyPr>
+            <a:lstStyle/>
+            <a:p>
+              <a:pPr algn="ctr"/>
+              <a:r>
+                <a:rPr lang="en-US" sz="1400" dirty="0"/>
+                <a:t>Emergence of inner condensed phase</a:t>
+              </a:r>
+            </a:p>
+          </p:txBody>
+        </p:sp>
+      </p:grpSp>
+      <p:pic>
+        <p:nvPicPr>
+          <p:cNvPr id="3074" name="Picture 2">
+            <a:extLst>
+              <a:ext uri="{FF2B5EF4-FFF2-40B4-BE49-F238E27FC236}">
+                <a16:creationId xmlns:a16="http://schemas.microsoft.com/office/drawing/2014/main" id="{8A0650D1-B37A-942F-3A5F-91433F9689F9}"/>
+              </a:ext>
+            </a:extLst>
+          </p:cNvPr>
+          <p:cNvPicPr>
+            <a:picLocks noChangeAspect="1" noChangeArrowheads="1"/>
+          </p:cNvPicPr>
+          <p:nvPr/>
+        </p:nvPicPr>
+        <p:blipFill rotWithShape="1">
+          <a:blip r:embed="rId3">
+            <a:extLst>
+              <a:ext uri="{28A0092B-C50C-407E-A947-70E740481C1C}">
+                <a14:useLocalDpi xmlns:a14="http://schemas.microsoft.com/office/drawing/2010/main" val="0"/>
+              </a:ext>
+            </a:extLst>
+          </a:blip>
+          <a:srcRect r="16850"/>
+          <a:stretch/>
+        </p:blipFill>
+        <p:spPr bwMode="auto">
+          <a:xfrm>
+            <a:off x="6783945" y="986173"/>
+            <a:ext cx="3972630" cy="2907111"/>
+          </a:xfrm>
+          <a:prstGeom prst="rect">
+            <a:avLst/>
+          </a:prstGeom>
+          <a:noFill/>
+          <a:extLst>
+            <a:ext uri="{909E8E84-426E-40DD-AFC4-6F175D3DCCD1}">
+              <a14:hiddenFill xmlns:a14="http://schemas.microsoft.com/office/drawing/2010/main">
+                <a:solidFill>
+                  <a:srgbClr val="FFFFFF"/>
+                </a:solidFill>
+              </a14:hiddenFill>
+            </a:ext>
+          </a:extLst>
+        </p:spPr>
+      </p:pic>
+      <p:pic>
+        <p:nvPicPr>
+          <p:cNvPr id="3076" name="Picture 4">
+            <a:extLst>
+              <a:ext uri="{FF2B5EF4-FFF2-40B4-BE49-F238E27FC236}">
+                <a16:creationId xmlns:a16="http://schemas.microsoft.com/office/drawing/2014/main" id="{B808C02D-C479-74CD-78C0-CB2179F6CA37}"/>
+              </a:ext>
+            </a:extLst>
+          </p:cNvPr>
+          <p:cNvPicPr>
+            <a:picLocks noChangeAspect="1" noChangeArrowheads="1"/>
+          </p:cNvPicPr>
+          <p:nvPr/>
+        </p:nvPicPr>
+        <p:blipFill>
+          <a:blip r:embed="rId4">
+            <a:extLst>
+              <a:ext uri="{28A0092B-C50C-407E-A947-70E740481C1C}">
+                <a14:useLocalDpi xmlns:a14="http://schemas.microsoft.com/office/drawing/2010/main" val="0"/>
+              </a:ext>
+            </a:extLst>
+          </a:blip>
+          <a:srcRect/>
+          <a:stretch>
+            <a:fillRect/>
+          </a:stretch>
+        </p:blipFill>
+        <p:spPr bwMode="auto">
+          <a:xfrm>
+            <a:off x="5430473" y="3893284"/>
+            <a:ext cx="6679575" cy="2788153"/>
+          </a:xfrm>
+          <a:prstGeom prst="rect">
+            <a:avLst/>
+          </a:prstGeom>
+          <a:noFill/>
+          <a:extLst>
+            <a:ext uri="{909E8E84-426E-40DD-AFC4-6F175D3DCCD1}">
+              <a14:hiddenFill xmlns:a14="http://schemas.microsoft.com/office/drawing/2010/main">
+                <a:solidFill>
+                  <a:srgbClr val="FFFFFF"/>
+                </a:solidFill>
+              </a14:hiddenFill>
+            </a:ext>
+          </a:extLst>
+        </p:spPr>
+      </p:pic>
+      <p:sp>
+        <p:nvSpPr>
+          <p:cNvPr id="18" name="TextBox 17">
+            <a:extLst>
+              <a:ext uri="{FF2B5EF4-FFF2-40B4-BE49-F238E27FC236}">
+                <a16:creationId xmlns:a16="http://schemas.microsoft.com/office/drawing/2014/main" id="{1103D703-D809-6BF4-F2D1-2A4968CD2263}"/>
+              </a:ext>
+            </a:extLst>
+          </p:cNvPr>
+          <p:cNvSpPr txBox="1"/>
+          <p:nvPr/>
+        </p:nvSpPr>
+        <p:spPr>
+          <a:xfrm>
+            <a:off x="7430036" y="614698"/>
+            <a:ext cx="2895600" cy="371475"/>
+          </a:xfrm>
+          <a:prstGeom prst="rect">
+            <a:avLst/>
+          </a:prstGeom>
+          <a:noFill/>
+        </p:spPr>
+        <p:txBody>
+          <a:bodyPr wrap="square" rtlCol="0">
+            <a:spAutoFit/>
+          </a:bodyPr>
+          <a:lstStyle/>
+          <a:p>
+            <a:pPr algn="ctr"/>
+            <a:r>
+              <a:rPr lang="en-US" dirty="0"/>
+              <a:t>Interacting Brushes</a:t>
+            </a:r>
+          </a:p>
+        </p:txBody>
+      </p:sp>
+      <p:sp>
+        <p:nvSpPr>
+          <p:cNvPr id="19" name="Rectangle 18">
+            <a:extLst>
+              <a:ext uri="{FF2B5EF4-FFF2-40B4-BE49-F238E27FC236}">
+                <a16:creationId xmlns:a16="http://schemas.microsoft.com/office/drawing/2014/main" id="{50691ACB-E38E-7540-B3C1-69C06933FC6B}"/>
+              </a:ext>
+            </a:extLst>
+          </p:cNvPr>
+          <p:cNvSpPr/>
+          <p:nvPr/>
+        </p:nvSpPr>
+        <p:spPr>
+          <a:xfrm>
+            <a:off x="9290845" y="4360447"/>
+            <a:ext cx="2931459" cy="684894"/>
+          </a:xfrm>
+          <a:prstGeom prst="rect">
+            <a:avLst/>
+          </a:prstGeom>
+        </p:spPr>
+        <p:style>
+          <a:lnRef idx="2">
+            <a:schemeClr val="accent1">
+              <a:shade val="50000"/>
+            </a:schemeClr>
+          </a:lnRef>
+          <a:fillRef idx="1">
+            <a:schemeClr val="accent1"/>
+          </a:fillRef>
+          <a:effectRef idx="0">
+            <a:schemeClr val="accent1"/>
+          </a:effectRef>
+          <a:fontRef idx="minor">
+            <a:schemeClr val="lt1"/>
+          </a:fontRef>
+        </p:style>
+        <p:txBody>
+          <a:bodyPr rtlCol="0" anchor="ctr"/>
+          <a:lstStyle/>
+          <a:p>
+            <a:pPr algn="ctr"/>
+            <a:r>
+              <a:rPr lang="en-US" dirty="0"/>
+              <a:t>Refine data points</a:t>
             </a:r>
           </a:p>
         </p:txBody>
@@ -6267,10 +6623,10 @@
       </p:sp>
       <p:grpSp>
         <p:nvGrpSpPr>
-          <p:cNvPr id="4" name="Group 3">
-            <a:extLst>
-              <a:ext uri="{FF2B5EF4-FFF2-40B4-BE49-F238E27FC236}">
-                <a16:creationId xmlns:a16="http://schemas.microsoft.com/office/drawing/2014/main" id="{24D619F4-8539-B4B1-5F3B-C88822FC4D1C}"/>
+          <p:cNvPr id="13" name="Group 12">
+            <a:extLst>
+              <a:ext uri="{FF2B5EF4-FFF2-40B4-BE49-F238E27FC236}">
+                <a16:creationId xmlns:a16="http://schemas.microsoft.com/office/drawing/2014/main" id="{6A7FF2A6-7714-CD52-5DFD-D58B4258B970}"/>
               </a:ext>
             </a:extLst>
           </p:cNvPr>
@@ -6279,10 +6635,10 @@
         </p:nvGrpSpPr>
         <p:grpSpPr>
           <a:xfrm>
-            <a:off x="696562" y="2026284"/>
-            <a:ext cx="4585447" cy="3472776"/>
-            <a:chOff x="927847" y="1963532"/>
-            <a:chExt cx="4585447" cy="3472776"/>
+            <a:off x="153637" y="2083434"/>
+            <a:ext cx="3758453" cy="3472776"/>
+            <a:chOff x="153637" y="2083434"/>
+            <a:chExt cx="3758453" cy="3472776"/>
           </a:xfrm>
         </p:grpSpPr>
         <p:pic>
@@ -6307,13 +6663,13 @@
                 </a:ext>
               </a:extLst>
             </a:blip>
-            <a:srcRect t="7243"/>
+            <a:srcRect t="7243" r="18035"/>
             <a:stretch/>
           </p:blipFill>
           <p:spPr bwMode="auto">
             <a:xfrm>
-              <a:off x="927847" y="2332864"/>
-              <a:ext cx="4585447" cy="3103444"/>
+              <a:off x="153637" y="2452766"/>
+              <a:ext cx="3758453" cy="3103444"/>
             </a:xfrm>
             <a:prstGeom prst="rect">
               <a:avLst/>
@@ -6344,7 +6700,7 @@
           </p:nvSpPr>
           <p:spPr>
             <a:xfrm>
-              <a:off x="1524000" y="1963532"/>
+              <a:off x="768840" y="2083434"/>
               <a:ext cx="2931459" cy="369332"/>
             </a:xfrm>
             <a:prstGeom prst="rect">
@@ -6365,13 +6721,85 @@
             </a:p>
           </p:txBody>
         </p:sp>
+        <p:sp>
+          <p:nvSpPr>
+            <p:cNvPr id="7" name="TextBox 6">
+              <a:extLst>
+                <a:ext uri="{FF2B5EF4-FFF2-40B4-BE49-F238E27FC236}">
+                  <a16:creationId xmlns:a16="http://schemas.microsoft.com/office/drawing/2014/main" id="{6BF4E757-5AC5-C87C-BD87-B22DA6E07CA7}"/>
+                </a:ext>
+              </a:extLst>
+            </p:cNvPr>
+            <p:cNvSpPr txBox="1"/>
+            <p:nvPr/>
+          </p:nvSpPr>
+          <p:spPr>
+            <a:xfrm>
+              <a:off x="2604924" y="2798005"/>
+              <a:ext cx="638175" cy="369332"/>
+            </a:xfrm>
+            <a:prstGeom prst="rect">
+              <a:avLst/>
+            </a:prstGeom>
+            <a:noFill/>
+          </p:spPr>
+          <p:txBody>
+            <a:bodyPr wrap="square" rtlCol="0">
+              <a:spAutoFit/>
+            </a:bodyPr>
+            <a:lstStyle/>
+            <a:p>
+              <a:pPr algn="ctr"/>
+              <a:r>
+                <a:rPr lang="en-US" dirty="0"/>
+                <a:t>NFL</a:t>
+              </a:r>
+            </a:p>
+          </p:txBody>
+        </p:sp>
+        <p:sp>
+          <p:nvSpPr>
+            <p:cNvPr id="10" name="TextBox 9">
+              <a:extLst>
+                <a:ext uri="{FF2B5EF4-FFF2-40B4-BE49-F238E27FC236}">
+                  <a16:creationId xmlns:a16="http://schemas.microsoft.com/office/drawing/2014/main" id="{5E51FAC9-4A6C-D98D-1A73-5656A5D803D4}"/>
+                </a:ext>
+              </a:extLst>
+            </p:cNvPr>
+            <p:cNvSpPr txBox="1"/>
+            <p:nvPr/>
+          </p:nvSpPr>
+          <p:spPr>
+            <a:xfrm>
+              <a:off x="2604924" y="4059535"/>
+              <a:ext cx="638175" cy="369332"/>
+            </a:xfrm>
+            <a:prstGeom prst="rect">
+              <a:avLst/>
+            </a:prstGeom>
+            <a:noFill/>
+          </p:spPr>
+          <p:txBody>
+            <a:bodyPr wrap="square" rtlCol="0">
+              <a:spAutoFit/>
+            </a:bodyPr>
+            <a:lstStyle/>
+            <a:p>
+              <a:pPr algn="ctr"/>
+              <a:r>
+                <a:rPr lang="en-US" dirty="0"/>
+                <a:t>NFH</a:t>
+              </a:r>
+            </a:p>
+          </p:txBody>
+        </p:sp>
       </p:grpSp>
       <p:grpSp>
         <p:nvGrpSpPr>
-          <p:cNvPr id="16" name="Group 15">
-            <a:extLst>
-              <a:ext uri="{FF2B5EF4-FFF2-40B4-BE49-F238E27FC236}">
-                <a16:creationId xmlns:a16="http://schemas.microsoft.com/office/drawing/2014/main" id="{828412BA-5DB0-C602-1C17-2497F689AC04}"/>
+          <p:cNvPr id="18" name="Group 17">
+            <a:extLst>
+              <a:ext uri="{FF2B5EF4-FFF2-40B4-BE49-F238E27FC236}">
+                <a16:creationId xmlns:a16="http://schemas.microsoft.com/office/drawing/2014/main" id="{A472CED9-3DD4-4DC6-4365-5DEAA9628A81}"/>
               </a:ext>
             </a:extLst>
           </p:cNvPr>
@@ -6380,10 +6808,10 @@
         </p:nvGrpSpPr>
         <p:grpSpPr>
           <a:xfrm>
-            <a:off x="6425009" y="2026284"/>
-            <a:ext cx="4762944" cy="3472776"/>
-            <a:chOff x="6425009" y="2026284"/>
-            <a:chExt cx="4762944" cy="3472776"/>
+            <a:off x="4315502" y="2083434"/>
+            <a:ext cx="4587011" cy="3472776"/>
+            <a:chOff x="4823689" y="2083434"/>
+            <a:chExt cx="4587011" cy="3472776"/>
           </a:xfrm>
         </p:grpSpPr>
         <p:sp>
@@ -6400,7 +6828,7 @@
           </p:nvSpPr>
           <p:spPr>
             <a:xfrm>
-              <a:off x="7068670" y="2026284"/>
+              <a:off x="5419725" y="2083434"/>
               <a:ext cx="2931459" cy="369332"/>
             </a:xfrm>
             <a:prstGeom prst="rect">
@@ -6436,10 +6864,10 @@
           </p:nvGrpSpPr>
           <p:grpSpPr>
             <a:xfrm>
-              <a:off x="6425009" y="2432493"/>
-              <a:ext cx="4762944" cy="3066567"/>
+              <a:off x="4823689" y="2489643"/>
+              <a:ext cx="4587011" cy="3066567"/>
               <a:chOff x="6425009" y="2432493"/>
-              <a:chExt cx="4762944" cy="3066567"/>
+              <a:chExt cx="4587011" cy="3066567"/>
             </a:xfrm>
           </p:grpSpPr>
           <p:grpSp>
@@ -6457,9 +6885,9 @@
             <p:grpSpPr>
               <a:xfrm>
                 <a:off x="6425009" y="2432493"/>
-                <a:ext cx="4762944" cy="2568790"/>
+                <a:ext cx="3644036" cy="2568790"/>
                 <a:chOff x="6299503" y="2321861"/>
-                <a:chExt cx="4762944" cy="2568790"/>
+                <a:chExt cx="3644036" cy="2568790"/>
               </a:xfrm>
             </p:grpSpPr>
             <p:pic>
@@ -6484,13 +6912,13 @@
                     </a:ext>
                   </a:extLst>
                 </a:blip>
-                <a:srcRect t="8947"/>
+                <a:srcRect t="8947" r="23492"/>
                 <a:stretch/>
               </p:blipFill>
               <p:spPr bwMode="auto">
                 <a:xfrm>
                   <a:off x="6299503" y="2321861"/>
-                  <a:ext cx="4762944" cy="2568790"/>
+                  <a:ext cx="3644036" cy="2568790"/>
                 </a:xfrm>
                 <a:prstGeom prst="rect">
                   <a:avLst/>
@@ -6590,7 +7018,7 @@
             <p:spPr bwMode="auto">
               <a:xfrm>
                 <a:off x="6425009" y="4730322"/>
-                <a:ext cx="4585447" cy="768738"/>
+                <a:ext cx="4587011" cy="768738"/>
               </a:xfrm>
               <a:prstGeom prst="rect">
                 <a:avLst/>
@@ -6608,102 +7036,173 @@
             </p:spPr>
           </p:pic>
         </p:grpSp>
+        <p:sp>
+          <p:nvSpPr>
+            <p:cNvPr id="11" name="TextBox 10">
+              <a:extLst>
+                <a:ext uri="{FF2B5EF4-FFF2-40B4-BE49-F238E27FC236}">
+                  <a16:creationId xmlns:a16="http://schemas.microsoft.com/office/drawing/2014/main" id="{1F8DF747-8F89-84B5-9CF8-E8246EDFB541}"/>
+                </a:ext>
+              </a:extLst>
+            </p:cNvPr>
+            <p:cNvSpPr txBox="1"/>
+            <p:nvPr/>
+          </p:nvSpPr>
+          <p:spPr>
+            <a:xfrm>
+              <a:off x="7263092" y="2886125"/>
+              <a:ext cx="638175" cy="369332"/>
+            </a:xfrm>
+            <a:prstGeom prst="rect">
+              <a:avLst/>
+            </a:prstGeom>
+            <a:noFill/>
+          </p:spPr>
+          <p:txBody>
+            <a:bodyPr wrap="square" rtlCol="0">
+              <a:spAutoFit/>
+            </a:bodyPr>
+            <a:lstStyle/>
+            <a:p>
+              <a:pPr algn="ctr"/>
+              <a:r>
+                <a:rPr lang="en-US" dirty="0"/>
+                <a:t>NFL</a:t>
+              </a:r>
+            </a:p>
+          </p:txBody>
+        </p:sp>
+        <p:sp>
+          <p:nvSpPr>
+            <p:cNvPr id="12" name="TextBox 11">
+              <a:extLst>
+                <a:ext uri="{FF2B5EF4-FFF2-40B4-BE49-F238E27FC236}">
+                  <a16:creationId xmlns:a16="http://schemas.microsoft.com/office/drawing/2014/main" id="{ED9C548B-0DDC-BF45-4F06-406B24CB3B5A}"/>
+                </a:ext>
+              </a:extLst>
+            </p:cNvPr>
+            <p:cNvSpPr txBox="1"/>
+            <p:nvPr/>
+          </p:nvSpPr>
+          <p:spPr>
+            <a:xfrm>
+              <a:off x="7263092" y="4147655"/>
+              <a:ext cx="638175" cy="369332"/>
+            </a:xfrm>
+            <a:prstGeom prst="rect">
+              <a:avLst/>
+            </a:prstGeom>
+            <a:noFill/>
+          </p:spPr>
+          <p:txBody>
+            <a:bodyPr wrap="square" rtlCol="0">
+              <a:spAutoFit/>
+            </a:bodyPr>
+            <a:lstStyle/>
+            <a:p>
+              <a:pPr algn="ctr"/>
+              <a:r>
+                <a:rPr lang="en-US" dirty="0"/>
+                <a:t>NFH</a:t>
+              </a:r>
+            </a:p>
+          </p:txBody>
+        </p:sp>
       </p:grpSp>
-      <p:sp>
-        <p:nvSpPr>
-          <p:cNvPr id="17" name="Rectangle 16">
-            <a:extLst>
-              <a:ext uri="{FF2B5EF4-FFF2-40B4-BE49-F238E27FC236}">
-                <a16:creationId xmlns:a16="http://schemas.microsoft.com/office/drawing/2014/main" id="{394179E7-91D2-D6BC-D8D1-EA42F734E829}"/>
-              </a:ext>
-            </a:extLst>
-          </p:cNvPr>
-          <p:cNvSpPr/>
+      <p:pic>
+        <p:nvPicPr>
+          <p:cNvPr id="2050" name="Picture 2">
+            <a:extLst>
+              <a:ext uri="{FF2B5EF4-FFF2-40B4-BE49-F238E27FC236}">
+                <a16:creationId xmlns:a16="http://schemas.microsoft.com/office/drawing/2014/main" id="{55B7F6C4-3F32-6D1E-BEED-8E26AB70895B}"/>
+              </a:ext>
+            </a:extLst>
+          </p:cNvPr>
+          <p:cNvPicPr>
+            <a:picLocks noChangeAspect="1" noChangeArrowheads="1"/>
+          </p:cNvPicPr>
           <p:nvPr/>
-        </p:nvSpPr>
-        <p:spPr>
+        </p:nvPicPr>
+        <p:blipFill>
+          <a:blip r:embed="rId4">
+            <a:extLst>
+              <a:ext uri="{28A0092B-C50C-407E-A947-70E740481C1C}">
+                <a14:useLocalDpi xmlns:a14="http://schemas.microsoft.com/office/drawing/2010/main" val="0"/>
+              </a:ext>
+            </a:extLst>
+          </a:blip>
+          <a:srcRect/>
+          <a:stretch>
+            <a:fillRect/>
+          </a:stretch>
+        </p:blipFill>
+        <p:spPr bwMode="auto">
           <a:xfrm>
-            <a:off x="10755406" y="6132344"/>
-            <a:ext cx="1331258" cy="571464"/>
+            <a:off x="8308546" y="1220590"/>
+            <a:ext cx="3552825" cy="2611112"/>
           </a:xfrm>
           <a:prstGeom prst="rect">
             <a:avLst/>
           </a:prstGeom>
+          <a:noFill/>
+          <a:extLst>
+            <a:ext uri="{909E8E84-426E-40DD-AFC4-6F175D3DCCD1}">
+              <a14:hiddenFill xmlns:a14="http://schemas.microsoft.com/office/drawing/2010/main">
+                <a:solidFill>
+                  <a:srgbClr val="FFFFFF"/>
+                </a:solidFill>
+              </a14:hiddenFill>
+            </a:ext>
+          </a:extLst>
         </p:spPr>
-        <p:style>
-          <a:lnRef idx="2">
-            <a:schemeClr val="accent1">
-              <a:shade val="50000"/>
-            </a:schemeClr>
-          </a:lnRef>
-          <a:fillRef idx="1">
-            <a:schemeClr val="accent1"/>
-          </a:fillRef>
-          <a:effectRef idx="0">
-            <a:schemeClr val="accent1"/>
-          </a:effectRef>
-          <a:fontRef idx="minor">
-            <a:schemeClr val="lt1"/>
-          </a:fontRef>
-        </p:style>
-        <p:txBody>
-          <a:bodyPr rtlCol="0" anchor="ctr"/>
-          <a:lstStyle/>
-          <a:p>
-            <a:pPr algn="ctr"/>
-            <a:r>
-              <a:rPr lang="en-US" dirty="0"/>
-              <a:t>Outdated</a:t>
-            </a:r>
-          </a:p>
-        </p:txBody>
-      </p:sp>
-      <p:sp>
-        <p:nvSpPr>
-          <p:cNvPr id="5" name="Arrow: Right 4">
-            <a:extLst>
-              <a:ext uri="{FF2B5EF4-FFF2-40B4-BE49-F238E27FC236}">
-                <a16:creationId xmlns:a16="http://schemas.microsoft.com/office/drawing/2014/main" id="{2B50C492-8018-C4B6-ABA8-9D577517EF6A}"/>
-              </a:ext>
-            </a:extLst>
-          </p:cNvPr>
-          <p:cNvSpPr/>
+      </p:pic>
+      <p:pic>
+        <p:nvPicPr>
+          <p:cNvPr id="2052" name="Picture 4">
+            <a:extLst>
+              <a:ext uri="{FF2B5EF4-FFF2-40B4-BE49-F238E27FC236}">
+                <a16:creationId xmlns:a16="http://schemas.microsoft.com/office/drawing/2014/main" id="{5ADA34E7-5CD9-6270-7DF3-166F1A212DC4}"/>
+              </a:ext>
+            </a:extLst>
+          </p:cNvPr>
+          <p:cNvPicPr>
+            <a:picLocks noChangeAspect="1" noChangeArrowheads="1"/>
+          </p:cNvPicPr>
           <p:nvPr/>
-        </p:nvSpPr>
-        <p:spPr>
+        </p:nvPicPr>
+        <p:blipFill>
+          <a:blip r:embed="rId5">
+            <a:extLst>
+              <a:ext uri="{28A0092B-C50C-407E-A947-70E740481C1C}">
+                <a14:useLocalDpi xmlns:a14="http://schemas.microsoft.com/office/drawing/2010/main" val="0"/>
+              </a:ext>
+            </a:extLst>
+          </a:blip>
+          <a:srcRect/>
+          <a:stretch>
+            <a:fillRect/>
+          </a:stretch>
+        </p:blipFill>
+        <p:spPr bwMode="auto">
           <a:xfrm>
-            <a:off x="5163671" y="3490174"/>
-            <a:ext cx="932329" cy="421341"/>
+            <a:off x="8366132" y="3831702"/>
+            <a:ext cx="3495239" cy="2568790"/>
           </a:xfrm>
-          <a:prstGeom prst="rightArrow">
+          <a:prstGeom prst="rect">
             <a:avLst/>
           </a:prstGeom>
+          <a:noFill/>
+          <a:extLst>
+            <a:ext uri="{909E8E84-426E-40DD-AFC4-6F175D3DCCD1}">
+              <a14:hiddenFill xmlns:a14="http://schemas.microsoft.com/office/drawing/2010/main">
+                <a:solidFill>
+                  <a:srgbClr val="FFFFFF"/>
+                </a:solidFill>
+              </a14:hiddenFill>
+            </a:ext>
+          </a:extLst>
         </p:spPr>
-        <p:style>
-          <a:lnRef idx="2">
-            <a:schemeClr val="accent1">
-              <a:shade val="50000"/>
-            </a:schemeClr>
-          </a:lnRef>
-          <a:fillRef idx="1">
-            <a:schemeClr val="accent1"/>
-          </a:fillRef>
-          <a:effectRef idx="0">
-            <a:schemeClr val="accent1"/>
-          </a:effectRef>
-          <a:fontRef idx="minor">
-            <a:schemeClr val="lt1"/>
-          </a:fontRef>
-        </p:style>
-        <p:txBody>
-          <a:bodyPr rtlCol="0" anchor="ctr"/>
-          <a:lstStyle/>
-          <a:p>
-            <a:pPr algn="ctr"/>
-            <a:endParaRPr lang="en-US"/>
-          </a:p>
-        </p:txBody>
-      </p:sp>
+      </p:pic>
     </p:spTree>
     <p:extLst>
       <p:ext uri="{BB962C8B-B14F-4D97-AF65-F5344CB8AC3E}">
@@ -6757,7 +7256,7 @@
           <a:p>
             <a:r>
               <a:rPr lang="en-US" dirty="0"/>
-              <a:t>Mixture of NFL and NFH (by mol fraction)</a:t>
+              <a:t>Mixture of NFL and NFH (by mole fraction)</a:t>
             </a:r>
           </a:p>
         </p:txBody>

--- a/20230201 LH Update.pptx
+++ b/20230201 LH Update.pptx
@@ -13,6 +13,7 @@
     <p:sldId id="261" r:id="rId7"/>
     <p:sldId id="262" r:id="rId8"/>
     <p:sldId id="263" r:id="rId9"/>
+    <p:sldId id="267" r:id="rId10"/>
   </p:sldIdLst>
   <p:sldSz cx="12192000" cy="6858000"/>
   <p:notesSz cx="6858000" cy="9144000"/>
@@ -266,7 +267,7 @@
           <a:p>
             <a:fld id="{C9B537F1-131F-4959-B21B-EB4A4AF2726E}" type="datetimeFigureOut">
               <a:rPr lang="en-US" smtClean="0"/>
-              <a:t>1/30/2023</a:t>
+              <a:t>2/1/2023</a:t>
             </a:fld>
             <a:endParaRPr lang="en-US"/>
           </a:p>
@@ -464,7 +465,7 @@
           <a:p>
             <a:fld id="{C9B537F1-131F-4959-B21B-EB4A4AF2726E}" type="datetimeFigureOut">
               <a:rPr lang="en-US" smtClean="0"/>
-              <a:t>1/30/2023</a:t>
+              <a:t>2/1/2023</a:t>
             </a:fld>
             <a:endParaRPr lang="en-US"/>
           </a:p>
@@ -672,7 +673,7 @@
           <a:p>
             <a:fld id="{C9B537F1-131F-4959-B21B-EB4A4AF2726E}" type="datetimeFigureOut">
               <a:rPr lang="en-US" smtClean="0"/>
-              <a:t>1/30/2023</a:t>
+              <a:t>2/1/2023</a:t>
             </a:fld>
             <a:endParaRPr lang="en-US"/>
           </a:p>
@@ -870,7 +871,7 @@
           <a:p>
             <a:fld id="{C9B537F1-131F-4959-B21B-EB4A4AF2726E}" type="datetimeFigureOut">
               <a:rPr lang="en-US" smtClean="0"/>
-              <a:t>1/30/2023</a:t>
+              <a:t>2/1/2023</a:t>
             </a:fld>
             <a:endParaRPr lang="en-US"/>
           </a:p>
@@ -1145,7 +1146,7 @@
           <a:p>
             <a:fld id="{C9B537F1-131F-4959-B21B-EB4A4AF2726E}" type="datetimeFigureOut">
               <a:rPr lang="en-US" smtClean="0"/>
-              <a:t>1/30/2023</a:t>
+              <a:t>2/1/2023</a:t>
             </a:fld>
             <a:endParaRPr lang="en-US"/>
           </a:p>
@@ -1410,7 +1411,7 @@
           <a:p>
             <a:fld id="{C9B537F1-131F-4959-B21B-EB4A4AF2726E}" type="datetimeFigureOut">
               <a:rPr lang="en-US" smtClean="0"/>
-              <a:t>1/30/2023</a:t>
+              <a:t>2/1/2023</a:t>
             </a:fld>
             <a:endParaRPr lang="en-US"/>
           </a:p>
@@ -1822,7 +1823,7 @@
           <a:p>
             <a:fld id="{C9B537F1-131F-4959-B21B-EB4A4AF2726E}" type="datetimeFigureOut">
               <a:rPr lang="en-US" smtClean="0"/>
-              <a:t>1/30/2023</a:t>
+              <a:t>2/1/2023</a:t>
             </a:fld>
             <a:endParaRPr lang="en-US"/>
           </a:p>
@@ -1963,7 +1964,7 @@
           <a:p>
             <a:fld id="{C9B537F1-131F-4959-B21B-EB4A4AF2726E}" type="datetimeFigureOut">
               <a:rPr lang="en-US" smtClean="0"/>
-              <a:t>1/30/2023</a:t>
+              <a:t>2/1/2023</a:t>
             </a:fld>
             <a:endParaRPr lang="en-US"/>
           </a:p>
@@ -2076,7 +2077,7 @@
           <a:p>
             <a:fld id="{C9B537F1-131F-4959-B21B-EB4A4AF2726E}" type="datetimeFigureOut">
               <a:rPr lang="en-US" smtClean="0"/>
-              <a:t>1/30/2023</a:t>
+              <a:t>2/1/2023</a:t>
             </a:fld>
             <a:endParaRPr lang="en-US"/>
           </a:p>
@@ -2387,7 +2388,7 @@
           <a:p>
             <a:fld id="{C9B537F1-131F-4959-B21B-EB4A4AF2726E}" type="datetimeFigureOut">
               <a:rPr lang="en-US" smtClean="0"/>
-              <a:t>1/30/2023</a:t>
+              <a:t>2/1/2023</a:t>
             </a:fld>
             <a:endParaRPr lang="en-US"/>
           </a:p>
@@ -2675,7 +2676,7 @@
           <a:p>
             <a:fld id="{C9B537F1-131F-4959-B21B-EB4A4AF2726E}" type="datetimeFigureOut">
               <a:rPr lang="en-US" smtClean="0"/>
-              <a:t>1/30/2023</a:t>
+              <a:t>2/1/2023</a:t>
             </a:fld>
             <a:endParaRPr lang="en-US"/>
           </a:p>
@@ -2916,7 +2917,7 @@
           <a:p>
             <a:fld id="{C9B537F1-131F-4959-B21B-EB4A4AF2726E}" type="datetimeFigureOut">
               <a:rPr lang="en-US" smtClean="0"/>
-              <a:t>1/30/2023</a:t>
+              <a:t>2/1/2023</a:t>
             </a:fld>
             <a:endParaRPr lang="en-US"/>
           </a:p>
@@ -3633,8 +3634,8 @@
           </p:txBody>
         </p:sp>
       </p:grpSp>
-      <mc:AlternateContent xmlns:mc="http://schemas.openxmlformats.org/markup-compatibility/2006">
-        <mc:Choice xmlns:a14="http://schemas.microsoft.com/office/drawing/2010/main" Requires="a14">
+      <mc:AlternateContent xmlns:mc="http://schemas.openxmlformats.org/markup-compatibility/2006" xmlns:a14="http://schemas.microsoft.com/office/drawing/2010/main">
+        <mc:Choice Requires="a14">
           <p:sp>
             <p:nvSpPr>
               <p:cNvPr id="7" name="TextBox 6">
@@ -3745,7 +3746,7 @@
             </p:txBody>
           </p:sp>
         </mc:Choice>
-        <mc:Fallback>
+        <mc:Fallback xmlns="">
           <p:sp>
             <p:nvSpPr>
               <p:cNvPr id="7" name="TextBox 6">
@@ -3790,60 +3791,6 @@
           </p:sp>
         </mc:Fallback>
       </mc:AlternateContent>
-      <p:sp>
-        <p:nvSpPr>
-          <p:cNvPr id="8" name="Rectangle 7">
-            <a:extLst>
-              <a:ext uri="{FF2B5EF4-FFF2-40B4-BE49-F238E27FC236}">
-                <a16:creationId xmlns:a16="http://schemas.microsoft.com/office/drawing/2014/main" id="{09244BCB-1543-431E-EB20-3ABF74FBF572}"/>
-              </a:ext>
-            </a:extLst>
-          </p:cNvPr>
-          <p:cNvSpPr/>
-          <p:nvPr/>
-        </p:nvSpPr>
-        <p:spPr>
-          <a:xfrm>
-            <a:off x="1434913" y="5579660"/>
-            <a:ext cx="2935860" cy="627530"/>
-          </a:xfrm>
-          <a:prstGeom prst="rect">
-            <a:avLst/>
-          </a:prstGeom>
-        </p:spPr>
-        <p:style>
-          <a:lnRef idx="2">
-            <a:schemeClr val="accent1">
-              <a:shade val="50000"/>
-            </a:schemeClr>
-          </a:lnRef>
-          <a:fillRef idx="1">
-            <a:schemeClr val="accent1"/>
-          </a:fillRef>
-          <a:effectRef idx="0">
-            <a:schemeClr val="accent1"/>
-          </a:effectRef>
-          <a:fontRef idx="minor">
-            <a:schemeClr val="lt1"/>
-          </a:fontRef>
-        </p:style>
-        <p:txBody>
-          <a:bodyPr rtlCol="0" anchor="ctr"/>
-          <a:lstStyle/>
-          <a:p>
-            <a:pPr algn="ctr"/>
-            <a:r>
-              <a:rPr lang="en-US" dirty="0"/>
-              <a:t>Insert FH Equation with </a:t>
-            </a:r>
-            <a:r>
-              <a:rPr lang="en-US" dirty="0" err="1"/>
-              <a:t>v_i</a:t>
-            </a:r>
-            <a:endParaRPr lang="en-US" dirty="0"/>
-          </a:p>
-        </p:txBody>
-      </p:sp>
       <p:grpSp>
         <p:nvGrpSpPr>
           <p:cNvPr id="15" name="Group 14">
@@ -4319,8 +4266,8 @@
             </a:prstGeom>
           </p:spPr>
         </p:pic>
-        <mc:AlternateContent xmlns:mc="http://schemas.openxmlformats.org/markup-compatibility/2006">
-          <mc:Choice xmlns:a14="http://schemas.microsoft.com/office/drawing/2010/main" Requires="a14">
+        <mc:AlternateContent xmlns:mc="http://schemas.openxmlformats.org/markup-compatibility/2006" xmlns:a14="http://schemas.microsoft.com/office/drawing/2010/main">
+          <mc:Choice Requires="a14">
             <p:sp>
               <p:nvSpPr>
                 <p:cNvPr id="36" name="TextBox 35">
@@ -4402,7 +4349,7 @@
               </p:txBody>
             </p:sp>
           </mc:Choice>
-          <mc:Fallback>
+          <mc:Fallback xmlns="">
             <p:sp>
               <p:nvSpPr>
                 <p:cNvPr id="36" name="TextBox 35">
@@ -6492,7 +6439,7 @@
         </p:nvSpPr>
         <p:spPr>
           <a:xfrm>
-            <a:off x="7430036" y="614698"/>
+            <a:off x="7510718" y="653606"/>
             <a:ext cx="2895600" cy="371475"/>
           </a:xfrm>
           <a:prstGeom prst="rect">
@@ -6509,56 +6456,7 @@
             <a:pPr algn="ctr"/>
             <a:r>
               <a:rPr lang="en-US" dirty="0"/>
-              <a:t>Interacting Brushes</a:t>
-            </a:r>
-          </a:p>
-        </p:txBody>
-      </p:sp>
-      <p:sp>
-        <p:nvSpPr>
-          <p:cNvPr id="19" name="Rectangle 18">
-            <a:extLst>
-              <a:ext uri="{FF2B5EF4-FFF2-40B4-BE49-F238E27FC236}">
-                <a16:creationId xmlns:a16="http://schemas.microsoft.com/office/drawing/2014/main" id="{50691ACB-E38E-7540-B3C1-69C06933FC6B}"/>
-              </a:ext>
-            </a:extLst>
-          </p:cNvPr>
-          <p:cNvSpPr/>
-          <p:nvPr/>
-        </p:nvSpPr>
-        <p:spPr>
-          <a:xfrm>
-            <a:off x="9290845" y="4360447"/>
-            <a:ext cx="2931459" cy="684894"/>
-          </a:xfrm>
-          <a:prstGeom prst="rect">
-            <a:avLst/>
-          </a:prstGeom>
-        </p:spPr>
-        <p:style>
-          <a:lnRef idx="2">
-            <a:schemeClr val="accent1">
-              <a:shade val="50000"/>
-            </a:schemeClr>
-          </a:lnRef>
-          <a:fillRef idx="1">
-            <a:schemeClr val="accent1"/>
-          </a:fillRef>
-          <a:effectRef idx="0">
-            <a:schemeClr val="accent1"/>
-          </a:effectRef>
-          <a:fontRef idx="minor">
-            <a:schemeClr val="lt1"/>
-          </a:fontRef>
-        </p:style>
-        <p:txBody>
-          <a:bodyPr rtlCol="0" anchor="ctr"/>
-          <a:lstStyle/>
-          <a:p>
-            <a:pPr algn="ctr"/>
-            <a:r>
-              <a:rPr lang="en-US" dirty="0"/>
-              <a:t>Refine data points</a:t>
+              <a:t>Interacting Brushes (4 mM)</a:t>
             </a:r>
           </a:p>
         </p:txBody>
@@ -7731,7 +7629,7 @@
             </a:pPr>
             <a:r>
               <a:rPr lang="en-US" sz="2400" dirty="0"/>
-              <a:t>Fine tuning of parameters for best fit with height profile of mixtures</a:t>
+              <a:t>Fine tuning of parameters for best fit with height profiles of L-H brush</a:t>
             </a:r>
           </a:p>
           <a:p>
@@ -7742,8 +7640,20 @@
             </a:pPr>
             <a:r>
               <a:rPr lang="en-US" sz="2400" dirty="0"/>
+              <a:t>Role of charge distribution of NFH at biological pH</a:t>
+            </a:r>
+          </a:p>
+          <a:p>
+            <a:pPr lvl="1">
+              <a:lnSpc>
+                <a:spcPct val="150000"/>
+              </a:lnSpc>
+            </a:pPr>
+            <a:r>
+              <a:rPr lang="en-US" dirty="0"/>
               <a:t>Charge of heterogeneous negative block of NFH (blocks 2 &amp; 3)</a:t>
             </a:r>
+            <a:endParaRPr lang="en-US" sz="2000" dirty="0"/>
           </a:p>
           <a:p>
             <a:pPr>
@@ -7781,6 +7691,124 @@
     <p:extLst>
       <p:ext uri="{BB962C8B-B14F-4D97-AF65-F5344CB8AC3E}">
         <p14:creationId xmlns:p14="http://schemas.microsoft.com/office/powerpoint/2010/main" val="1578744647"/>
+      </p:ext>
+    </p:extLst>
+  </p:cSld>
+  <p:clrMapOvr>
+    <a:masterClrMapping/>
+  </p:clrMapOvr>
+</p:sld>
+</file>
+
+<file path=ppt/slides/slide9.xml><?xml version="1.0" encoding="utf-8"?>
+<p:sld xmlns:a="http://schemas.openxmlformats.org/drawingml/2006/main" xmlns:r="http://schemas.openxmlformats.org/officeDocument/2006/relationships" xmlns:p="http://schemas.openxmlformats.org/presentationml/2006/main">
+  <p:cSld>
+    <p:spTree>
+      <p:nvGrpSpPr>
+        <p:cNvPr id="1" name=""/>
+        <p:cNvGrpSpPr/>
+        <p:nvPr/>
+      </p:nvGrpSpPr>
+      <p:grpSpPr>
+        <a:xfrm>
+          <a:off x="0" y="0"/>
+          <a:ext cx="0" cy="0"/>
+          <a:chOff x="0" y="0"/>
+          <a:chExt cx="0" cy="0"/>
+        </a:xfrm>
+      </p:grpSpPr>
+      <p:sp>
+        <p:nvSpPr>
+          <p:cNvPr id="2" name="Title 1">
+            <a:extLst>
+              <a:ext uri="{FF2B5EF4-FFF2-40B4-BE49-F238E27FC236}">
+                <a16:creationId xmlns:a16="http://schemas.microsoft.com/office/drawing/2014/main" id="{866CE761-0CA1-AF68-50B2-F5BE093D92DC}"/>
+              </a:ext>
+            </a:extLst>
+          </p:cNvPr>
+          <p:cNvSpPr>
+            <a:spLocks noGrp="1"/>
+          </p:cNvSpPr>
+          <p:nvPr>
+            <p:ph type="title"/>
+          </p:nvPr>
+        </p:nvSpPr>
+        <p:spPr/>
+        <p:txBody>
+          <a:bodyPr/>
+          <a:lstStyle/>
+          <a:p>
+            <a:r>
+              <a:rPr lang="en-US" dirty="0"/>
+              <a:t>Equations</a:t>
+            </a:r>
+          </a:p>
+        </p:txBody>
+      </p:sp>
+      <p:pic>
+        <p:nvPicPr>
+          <p:cNvPr id="3" name="Picture 2">
+            <a:extLst>
+              <a:ext uri="{FF2B5EF4-FFF2-40B4-BE49-F238E27FC236}">
+                <a16:creationId xmlns:a16="http://schemas.microsoft.com/office/drawing/2014/main" id="{8A549156-0E02-F310-3DCA-586085041DE7}"/>
+              </a:ext>
+            </a:extLst>
+          </p:cNvPr>
+          <p:cNvPicPr>
+            <a:picLocks noChangeAspect="1"/>
+          </p:cNvPicPr>
+          <p:nvPr/>
+        </p:nvPicPr>
+        <p:blipFill>
+          <a:blip r:embed="rId2"/>
+          <a:stretch>
+            <a:fillRect/>
+          </a:stretch>
+        </p:blipFill>
+        <p:spPr>
+          <a:xfrm>
+            <a:off x="1999957" y="1738356"/>
+            <a:ext cx="3456952" cy="634810"/>
+          </a:xfrm>
+          <a:prstGeom prst="rect">
+            <a:avLst/>
+          </a:prstGeom>
+        </p:spPr>
+      </p:pic>
+      <p:pic>
+        <p:nvPicPr>
+          <p:cNvPr id="4" name="Picture 3">
+            <a:extLst>
+              <a:ext uri="{FF2B5EF4-FFF2-40B4-BE49-F238E27FC236}">
+                <a16:creationId xmlns:a16="http://schemas.microsoft.com/office/drawing/2014/main" id="{CC3046FF-4BB8-81C3-A1A4-37F9556C2EDC}"/>
+              </a:ext>
+            </a:extLst>
+          </p:cNvPr>
+          <p:cNvPicPr>
+            <a:picLocks noChangeAspect="1"/>
+          </p:cNvPicPr>
+          <p:nvPr/>
+        </p:nvPicPr>
+        <p:blipFill>
+          <a:blip r:embed="rId3"/>
+          <a:stretch>
+            <a:fillRect/>
+          </a:stretch>
+        </p:blipFill>
+        <p:spPr>
+          <a:xfrm>
+            <a:off x="5658118" y="1785881"/>
+            <a:ext cx="2338957" cy="539760"/>
+          </a:xfrm>
+          <a:prstGeom prst="rect">
+            <a:avLst/>
+          </a:prstGeom>
+        </p:spPr>
+      </p:pic>
+    </p:spTree>
+    <p:extLst>
+      <p:ext uri="{BB962C8B-B14F-4D97-AF65-F5344CB8AC3E}">
+        <p14:creationId xmlns:p14="http://schemas.microsoft.com/office/powerpoint/2010/main" val="137498380"/>
       </p:ext>
     </p:extLst>
   </p:cSld>

--- a/20230201 LH Update.pptx
+++ b/20230201 LH Update.pptx
@@ -3352,7 +3352,7 @@
         </p:nvSpPr>
         <p:spPr>
           <a:xfrm>
-            <a:off x="1524000" y="1070069"/>
+            <a:off x="1524000" y="1849999"/>
             <a:ext cx="9144000" cy="2387600"/>
           </a:xfrm>
         </p:spPr>
@@ -3364,14 +3364,24 @@
           <a:p>
             <a:r>
               <a:rPr lang="en-US" dirty="0"/>
-              <a:t>NLH Progress Update: </a:t>
+              <a:t>NF Progress Update: </a:t>
             </a:r>
             <a:br>
               <a:rPr lang="en-US" dirty="0"/>
             </a:br>
-            <a:r>
+            <a:br>
               <a:rPr lang="en-US" dirty="0"/>
-              <a:t>Pure fitting and Mixture coding</a:t>
+            </a:br>
+            <a:r>
+              <a:rPr lang="en-US" dirty="0"/>
+              <a:t>Pure L/H fitting and </a:t>
+            </a:r>
+            <a:br>
+              <a:rPr lang="en-US" dirty="0"/>
+            </a:br>
+            <a:r>
+              <a:rPr lang="en-US" dirty="0"/>
+              <a:t>L-H mixture preliminary results</a:t>
             </a:r>
           </a:p>
         </p:txBody>
@@ -3392,7 +3402,12 @@
             <p:ph type="subTitle" idx="1"/>
           </p:nvPr>
         </p:nvSpPr>
-        <p:spPr/>
+        <p:spPr>
+          <a:xfrm>
+            <a:off x="1524000" y="4722627"/>
+            <a:ext cx="9144000" cy="1655762"/>
+          </a:xfrm>
+        </p:spPr>
         <p:txBody>
           <a:bodyPr/>
           <a:lstStyle/>
@@ -4405,6 +4420,138 @@
   <p:clrMapOvr>
     <a:masterClrMapping/>
   </p:clrMapOvr>
+  <p:timing>
+    <p:tnLst>
+      <p:par>
+        <p:cTn id="1" dur="indefinite" restart="never" nodeType="tmRoot">
+          <p:childTnLst>
+            <p:seq concurrent="1" nextAc="seek">
+              <p:cTn id="2" dur="indefinite" nodeType="mainSeq">
+                <p:childTnLst>
+                  <p:par>
+                    <p:cTn id="3" fill="hold">
+                      <p:stCondLst>
+                        <p:cond delay="indefinite"/>
+                      </p:stCondLst>
+                      <p:childTnLst>
+                        <p:par>
+                          <p:cTn id="4" fill="hold">
+                            <p:stCondLst>
+                              <p:cond delay="0"/>
+                            </p:stCondLst>
+                            <p:childTnLst>
+                              <p:par>
+                                <p:cTn id="5" presetID="1" presetClass="entr" presetSubtype="0" fill="hold" grpId="0" nodeType="clickEffect">
+                                  <p:stCondLst>
+                                    <p:cond delay="0"/>
+                                  </p:stCondLst>
+                                  <p:childTnLst>
+                                    <p:set>
+                                      <p:cBhvr>
+                                        <p:cTn id="6" dur="1" fill="hold">
+                                          <p:stCondLst>
+                                            <p:cond delay="0"/>
+                                          </p:stCondLst>
+                                        </p:cTn>
+                                        <p:tgtEl>
+                                          <p:spTgt spid="7"/>
+                                        </p:tgtEl>
+                                        <p:attrNameLst>
+                                          <p:attrName>style.visibility</p:attrName>
+                                        </p:attrNameLst>
+                                      </p:cBhvr>
+                                      <p:to>
+                                        <p:strVal val="visible"/>
+                                      </p:to>
+                                    </p:set>
+                                  </p:childTnLst>
+                                </p:cTn>
+                              </p:par>
+                              <p:par>
+                                <p:cTn id="7" presetID="1" presetClass="entr" presetSubtype="0" fill="hold" nodeType="withEffect">
+                                  <p:stCondLst>
+                                    <p:cond delay="0"/>
+                                  </p:stCondLst>
+                                  <p:childTnLst>
+                                    <p:set>
+                                      <p:cBhvr>
+                                        <p:cTn id="8" dur="1" fill="hold">
+                                          <p:stCondLst>
+                                            <p:cond delay="0"/>
+                                          </p:stCondLst>
+                                        </p:cTn>
+                                        <p:tgtEl>
+                                          <p:spTgt spid="15"/>
+                                        </p:tgtEl>
+                                        <p:attrNameLst>
+                                          <p:attrName>style.visibility</p:attrName>
+                                        </p:attrNameLst>
+                                      </p:cBhvr>
+                                      <p:to>
+                                        <p:strVal val="visible"/>
+                                      </p:to>
+                                    </p:set>
+                                  </p:childTnLst>
+                                </p:cTn>
+                              </p:par>
+                              <p:par>
+                                <p:cTn id="9" presetID="1" presetClass="entr" presetSubtype="0" fill="hold" nodeType="withEffect">
+                                  <p:stCondLst>
+                                    <p:cond delay="0"/>
+                                  </p:stCondLst>
+                                  <p:childTnLst>
+                                    <p:set>
+                                      <p:cBhvr>
+                                        <p:cTn id="10" dur="1" fill="hold">
+                                          <p:stCondLst>
+                                            <p:cond delay="0"/>
+                                          </p:stCondLst>
+                                        </p:cTn>
+                                        <p:tgtEl>
+                                          <p:spTgt spid="39"/>
+                                        </p:tgtEl>
+                                        <p:attrNameLst>
+                                          <p:attrName>style.visibility</p:attrName>
+                                        </p:attrNameLst>
+                                      </p:cBhvr>
+                                      <p:to>
+                                        <p:strVal val="visible"/>
+                                      </p:to>
+                                    </p:set>
+                                  </p:childTnLst>
+                                </p:cTn>
+                              </p:par>
+                            </p:childTnLst>
+                          </p:cTn>
+                        </p:par>
+                      </p:childTnLst>
+                    </p:cTn>
+                  </p:par>
+                </p:childTnLst>
+              </p:cTn>
+              <p:prevCondLst>
+                <p:cond evt="onPrev" delay="0">
+                  <p:tgtEl>
+                    <p:sldTgt/>
+                  </p:tgtEl>
+                </p:cond>
+              </p:prevCondLst>
+              <p:nextCondLst>
+                <p:cond evt="onNext" delay="0">
+                  <p:tgtEl>
+                    <p:sldTgt/>
+                  </p:tgtEl>
+                </p:cond>
+              </p:nextCondLst>
+            </p:seq>
+          </p:childTnLst>
+        </p:cTn>
+      </p:par>
+    </p:tnLst>
+    <p:bldLst>
+      <p:bldP spid="7" grpId="0"/>
+    </p:bldLst>
+  </p:timing>
 </p:sld>
 </file>
 
@@ -5728,6 +5875,108 @@
   <p:clrMapOvr>
     <a:masterClrMapping/>
   </p:clrMapOvr>
+  <p:timing>
+    <p:tnLst>
+      <p:par>
+        <p:cTn id="1" dur="indefinite" restart="never" nodeType="tmRoot">
+          <p:childTnLst>
+            <p:seq concurrent="1" nextAc="seek">
+              <p:cTn id="2" dur="indefinite" nodeType="mainSeq">
+                <p:childTnLst>
+                  <p:par>
+                    <p:cTn id="3" fill="hold">
+                      <p:stCondLst>
+                        <p:cond delay="indefinite"/>
+                      </p:stCondLst>
+                      <p:childTnLst>
+                        <p:par>
+                          <p:cTn id="4" fill="hold">
+                            <p:stCondLst>
+                              <p:cond delay="0"/>
+                            </p:stCondLst>
+                            <p:childTnLst>
+                              <p:par>
+                                <p:cTn id="5" presetID="1" presetClass="entr" presetSubtype="0" fill="hold" nodeType="clickEffect">
+                                  <p:stCondLst>
+                                    <p:cond delay="0"/>
+                                  </p:stCondLst>
+                                  <p:childTnLst>
+                                    <p:set>
+                                      <p:cBhvr>
+                                        <p:cTn id="6" dur="1" fill="hold">
+                                          <p:stCondLst>
+                                            <p:cond delay="0"/>
+                                          </p:stCondLst>
+                                        </p:cTn>
+                                        <p:tgtEl>
+                                          <p:spTgt spid="38"/>
+                                        </p:tgtEl>
+                                        <p:attrNameLst>
+                                          <p:attrName>style.visibility</p:attrName>
+                                        </p:attrNameLst>
+                                      </p:cBhvr>
+                                      <p:to>
+                                        <p:strVal val="visible"/>
+                                      </p:to>
+                                    </p:set>
+                                  </p:childTnLst>
+                                </p:cTn>
+                              </p:par>
+                              <p:par>
+                                <p:cTn id="7" presetID="1" presetClass="entr" presetSubtype="0" fill="hold" nodeType="withEffect">
+                                  <p:stCondLst>
+                                    <p:cond delay="0"/>
+                                  </p:stCondLst>
+                                  <p:childTnLst>
+                                    <p:set>
+                                      <p:cBhvr>
+                                        <p:cTn id="8" dur="1" fill="hold">
+                                          <p:stCondLst>
+                                            <p:cond delay="0"/>
+                                          </p:stCondLst>
+                                        </p:cTn>
+                                        <p:tgtEl>
+                                          <p:spTgt spid="39"/>
+                                        </p:tgtEl>
+                                        <p:attrNameLst>
+                                          <p:attrName>style.visibility</p:attrName>
+                                        </p:attrNameLst>
+                                      </p:cBhvr>
+                                      <p:to>
+                                        <p:strVal val="visible"/>
+                                      </p:to>
+                                    </p:set>
+                                  </p:childTnLst>
+                                </p:cTn>
+                              </p:par>
+                            </p:childTnLst>
+                          </p:cTn>
+                        </p:par>
+                      </p:childTnLst>
+                    </p:cTn>
+                  </p:par>
+                </p:childTnLst>
+              </p:cTn>
+              <p:prevCondLst>
+                <p:cond evt="onPrev" delay="0">
+                  <p:tgtEl>
+                    <p:sldTgt/>
+                  </p:tgtEl>
+                </p:cond>
+              </p:prevCondLst>
+              <p:nextCondLst>
+                <p:cond evt="onNext" delay="0">
+                  <p:tgtEl>
+                    <p:sldTgt/>
+                  </p:tgtEl>
+                </p:cond>
+              </p:nextCondLst>
+            </p:seq>
+          </p:childTnLst>
+        </p:cTn>
+      </p:par>
+    </p:tnLst>
+  </p:timing>
 </p:sld>
 </file>
 
@@ -6106,6 +6355,207 @@
   <p:clrMapOvr>
     <a:masterClrMapping/>
   </p:clrMapOvr>
+  <p:timing>
+    <p:tnLst>
+      <p:par>
+        <p:cTn id="1" dur="indefinite" restart="never" nodeType="tmRoot">
+          <p:childTnLst>
+            <p:seq concurrent="1" nextAc="seek">
+              <p:cTn id="2" dur="indefinite" nodeType="mainSeq">
+                <p:childTnLst>
+                  <p:par>
+                    <p:cTn id="3" fill="hold">
+                      <p:stCondLst>
+                        <p:cond delay="indefinite"/>
+                      </p:stCondLst>
+                      <p:childTnLst>
+                        <p:par>
+                          <p:cTn id="4" fill="hold">
+                            <p:stCondLst>
+                              <p:cond delay="0"/>
+                            </p:stCondLst>
+                            <p:childTnLst>
+                              <p:par>
+                                <p:cTn id="5" presetID="1" presetClass="entr" presetSubtype="0" fill="hold" nodeType="clickEffect">
+                                  <p:stCondLst>
+                                    <p:cond delay="0"/>
+                                  </p:stCondLst>
+                                  <p:childTnLst>
+                                    <p:set>
+                                      <p:cBhvr>
+                                        <p:cTn id="6" dur="1" fill="hold">
+                                          <p:stCondLst>
+                                            <p:cond delay="0"/>
+                                          </p:stCondLst>
+                                        </p:cTn>
+                                        <p:tgtEl>
+                                          <p:spTgt spid="3"/>
+                                        </p:tgtEl>
+                                        <p:attrNameLst>
+                                          <p:attrName>style.visibility</p:attrName>
+                                        </p:attrNameLst>
+                                      </p:cBhvr>
+                                      <p:to>
+                                        <p:strVal val="visible"/>
+                                      </p:to>
+                                    </p:set>
+                                  </p:childTnLst>
+                                </p:cTn>
+                              </p:par>
+                              <p:par>
+                                <p:cTn id="7" presetID="1" presetClass="entr" presetSubtype="0" fill="hold" nodeType="withEffect">
+                                  <p:stCondLst>
+                                    <p:cond delay="0"/>
+                                  </p:stCondLst>
+                                  <p:childTnLst>
+                                    <p:set>
+                                      <p:cBhvr>
+                                        <p:cTn id="8" dur="1" fill="hold">
+                                          <p:stCondLst>
+                                            <p:cond delay="0"/>
+                                          </p:stCondLst>
+                                        </p:cTn>
+                                        <p:tgtEl>
+                                          <p:spTgt spid="1026"/>
+                                        </p:tgtEl>
+                                        <p:attrNameLst>
+                                          <p:attrName>style.visibility</p:attrName>
+                                        </p:attrNameLst>
+                                      </p:cBhvr>
+                                      <p:to>
+                                        <p:strVal val="visible"/>
+                                      </p:to>
+                                    </p:set>
+                                  </p:childTnLst>
+                                </p:cTn>
+                              </p:par>
+                            </p:childTnLst>
+                          </p:cTn>
+                        </p:par>
+                      </p:childTnLst>
+                    </p:cTn>
+                  </p:par>
+                  <p:par>
+                    <p:cTn id="9" fill="hold">
+                      <p:stCondLst>
+                        <p:cond delay="indefinite"/>
+                      </p:stCondLst>
+                      <p:childTnLst>
+                        <p:par>
+                          <p:cTn id="10" fill="hold">
+                            <p:stCondLst>
+                              <p:cond delay="0"/>
+                            </p:stCondLst>
+                            <p:childTnLst>
+                              <p:par>
+                                <p:cTn id="11" presetID="1" presetClass="entr" presetSubtype="0" fill="hold" nodeType="clickEffect">
+                                  <p:stCondLst>
+                                    <p:cond delay="0"/>
+                                  </p:stCondLst>
+                                  <p:childTnLst>
+                                    <p:set>
+                                      <p:cBhvr>
+                                        <p:cTn id="12" dur="1" fill="hold">
+                                          <p:stCondLst>
+                                            <p:cond delay="0"/>
+                                          </p:stCondLst>
+                                        </p:cTn>
+                                        <p:tgtEl>
+                                          <p:spTgt spid="27"/>
+                                        </p:tgtEl>
+                                        <p:attrNameLst>
+                                          <p:attrName>style.visibility</p:attrName>
+                                        </p:attrNameLst>
+                                      </p:cBhvr>
+                                      <p:to>
+                                        <p:strVal val="visible"/>
+                                      </p:to>
+                                    </p:set>
+                                  </p:childTnLst>
+                                </p:cTn>
+                              </p:par>
+                              <p:par>
+                                <p:cTn id="13" presetID="1" presetClass="entr" presetSubtype="0" fill="hold" nodeType="withEffect">
+                                  <p:stCondLst>
+                                    <p:cond delay="0"/>
+                                  </p:stCondLst>
+                                  <p:childTnLst>
+                                    <p:set>
+                                      <p:cBhvr>
+                                        <p:cTn id="14" dur="1" fill="hold">
+                                          <p:stCondLst>
+                                            <p:cond delay="0"/>
+                                          </p:stCondLst>
+                                        </p:cTn>
+                                        <p:tgtEl>
+                                          <p:spTgt spid="23"/>
+                                        </p:tgtEl>
+                                        <p:attrNameLst>
+                                          <p:attrName>style.visibility</p:attrName>
+                                        </p:attrNameLst>
+                                      </p:cBhvr>
+                                      <p:to>
+                                        <p:strVal val="visible"/>
+                                      </p:to>
+                                    </p:set>
+                                  </p:childTnLst>
+                                </p:cTn>
+                              </p:par>
+                              <p:par>
+                                <p:cTn id="15" presetID="1" presetClass="entr" presetSubtype="0" fill="hold" nodeType="withEffect">
+                                  <p:stCondLst>
+                                    <p:cond delay="0"/>
+                                  </p:stCondLst>
+                                  <p:childTnLst>
+                                    <p:set>
+                                      <p:cBhvr>
+                                        <p:cTn id="16" dur="1" fill="hold">
+                                          <p:stCondLst>
+                                            <p:cond delay="0"/>
+                                          </p:stCondLst>
+                                        </p:cTn>
+                                        <p:tgtEl>
+                                          <p:spTgt spid="25"/>
+                                        </p:tgtEl>
+                                        <p:attrNameLst>
+                                          <p:attrName>style.visibility</p:attrName>
+                                        </p:attrNameLst>
+                                      </p:cBhvr>
+                                      <p:to>
+                                        <p:strVal val="visible"/>
+                                      </p:to>
+                                    </p:set>
+                                  </p:childTnLst>
+                                </p:cTn>
+                              </p:par>
+                            </p:childTnLst>
+                          </p:cTn>
+                        </p:par>
+                      </p:childTnLst>
+                    </p:cTn>
+                  </p:par>
+                </p:childTnLst>
+              </p:cTn>
+              <p:prevCondLst>
+                <p:cond evt="onPrev" delay="0">
+                  <p:tgtEl>
+                    <p:sldTgt/>
+                  </p:tgtEl>
+                </p:cond>
+              </p:prevCondLst>
+              <p:nextCondLst>
+                <p:cond evt="onNext" delay="0">
+                  <p:tgtEl>
+                    <p:sldTgt/>
+                  </p:tgtEl>
+                </p:cond>
+              </p:nextCondLst>
+            </p:seq>
+          </p:childTnLst>
+        </p:cTn>
+      </p:par>
+    </p:tnLst>
+  </p:timing>
 </p:sld>
 </file>
 
@@ -6159,180 +6609,159 @@
           </a:p>
         </p:txBody>
       </p:sp>
-      <p:grpSp>
-        <p:nvGrpSpPr>
-          <p:cNvPr id="11" name="Group 10">
-            <a:extLst>
-              <a:ext uri="{FF2B5EF4-FFF2-40B4-BE49-F238E27FC236}">
-                <a16:creationId xmlns:a16="http://schemas.microsoft.com/office/drawing/2014/main" id="{9F7B6167-9254-711C-46A1-09D27797205F}"/>
-              </a:ext>
-            </a:extLst>
-          </p:cNvPr>
-          <p:cNvGrpSpPr/>
+      <p:pic>
+        <p:nvPicPr>
+          <p:cNvPr id="4" name="Picture 3">
+            <a:extLst>
+              <a:ext uri="{FF2B5EF4-FFF2-40B4-BE49-F238E27FC236}">
+                <a16:creationId xmlns:a16="http://schemas.microsoft.com/office/drawing/2014/main" id="{9FCA48FE-E0AE-D7F1-1C8E-527D4E04E040}"/>
+              </a:ext>
+            </a:extLst>
+          </p:cNvPr>
+          <p:cNvPicPr>
+            <a:picLocks noChangeAspect="1"/>
+          </p:cNvPicPr>
           <p:nvPr/>
-        </p:nvGrpSpPr>
-        <p:grpSpPr>
+        </p:nvPicPr>
+        <p:blipFill>
+          <a:blip r:embed="rId2"/>
+          <a:stretch>
+            <a:fillRect/>
+          </a:stretch>
+        </p:blipFill>
+        <p:spPr>
           <a:xfrm>
-            <a:off x="397781" y="1803585"/>
-            <a:ext cx="5081970" cy="3719513"/>
-            <a:chOff x="1647825" y="1843087"/>
-            <a:chExt cx="5081970" cy="3719513"/>
+            <a:off x="397781" y="2017898"/>
+            <a:ext cx="4035538" cy="3505200"/>
           </a:xfrm>
-        </p:grpSpPr>
-        <p:pic>
-          <p:nvPicPr>
-            <p:cNvPr id="4" name="Picture 3">
-              <a:extLst>
-                <a:ext uri="{FF2B5EF4-FFF2-40B4-BE49-F238E27FC236}">
-                  <a16:creationId xmlns:a16="http://schemas.microsoft.com/office/drawing/2014/main" id="{9FCA48FE-E0AE-D7F1-1C8E-527D4E04E040}"/>
-                </a:ext>
-              </a:extLst>
-            </p:cNvPr>
-            <p:cNvPicPr>
-              <a:picLocks noChangeAspect="1"/>
-            </p:cNvPicPr>
-            <p:nvPr/>
-          </p:nvPicPr>
-          <p:blipFill>
-            <a:blip r:embed="rId2"/>
-            <a:stretch>
-              <a:fillRect/>
-            </a:stretch>
-          </p:blipFill>
-          <p:spPr>
-            <a:xfrm>
-              <a:off x="1647825" y="2057400"/>
-              <a:ext cx="4035538" cy="3505200"/>
-            </a:xfrm>
-            <a:prstGeom prst="rect">
-              <a:avLst/>
-            </a:prstGeom>
-          </p:spPr>
-        </p:pic>
-        <p:sp>
-          <p:nvSpPr>
-            <p:cNvPr id="5" name="TextBox 4">
-              <a:extLst>
-                <a:ext uri="{FF2B5EF4-FFF2-40B4-BE49-F238E27FC236}">
-                  <a16:creationId xmlns:a16="http://schemas.microsoft.com/office/drawing/2014/main" id="{C340DF4E-E8EC-DFA2-F44C-0ED56F26BAEF}"/>
-                </a:ext>
-              </a:extLst>
-            </p:cNvPr>
-            <p:cNvSpPr txBox="1"/>
-            <p:nvPr/>
-          </p:nvSpPr>
-          <p:spPr>
-            <a:xfrm>
-              <a:off x="2333625" y="1843087"/>
-              <a:ext cx="2895600" cy="371475"/>
-            </a:xfrm>
-            <a:prstGeom prst="rect">
-              <a:avLst/>
-            </a:prstGeom>
-            <a:noFill/>
-          </p:spPr>
-          <p:txBody>
-            <a:bodyPr wrap="square" rtlCol="0">
-              <a:spAutoFit/>
-            </a:bodyPr>
-            <a:lstStyle/>
-            <a:p>
-              <a:pPr algn="ctr"/>
-              <a:r>
-                <a:rPr lang="en-US" dirty="0"/>
-                <a:t>Reflectivity Spectra</a:t>
-              </a:r>
-            </a:p>
-          </p:txBody>
-        </p:sp>
-        <p:cxnSp>
-          <p:nvCxnSpPr>
-            <p:cNvPr id="8" name="Straight Arrow Connector 7">
-              <a:extLst>
-                <a:ext uri="{FF2B5EF4-FFF2-40B4-BE49-F238E27FC236}">
-                  <a16:creationId xmlns:a16="http://schemas.microsoft.com/office/drawing/2014/main" id="{4DC2216C-A58B-BE98-8AA8-B2C0FC139FD3}"/>
-                </a:ext>
-              </a:extLst>
-            </p:cNvPr>
-            <p:cNvCxnSpPr>
-              <a:cxnSpLocks/>
-            </p:cNvCxnSpPr>
-            <p:nvPr/>
-          </p:nvCxnSpPr>
-          <p:spPr>
-            <a:xfrm>
-              <a:off x="3495675" y="2533649"/>
-              <a:ext cx="169919" cy="2000250"/>
-            </a:xfrm>
-            <a:prstGeom prst="straightConnector1">
-              <a:avLst/>
-            </a:prstGeom>
-            <a:ln w="28575">
-              <a:solidFill>
-                <a:schemeClr val="tx1"/>
-              </a:solidFill>
-              <a:tailEnd type="triangle"/>
-            </a:ln>
-          </p:spPr>
-          <p:style>
-            <a:lnRef idx="1">
-              <a:schemeClr val="accent1"/>
-            </a:lnRef>
-            <a:fillRef idx="0">
-              <a:schemeClr val="accent1"/>
-            </a:fillRef>
-            <a:effectRef idx="0">
-              <a:schemeClr val="accent1"/>
-            </a:effectRef>
-            <a:fontRef idx="minor">
+          <a:prstGeom prst="rect">
+            <a:avLst/>
+          </a:prstGeom>
+        </p:spPr>
+      </p:pic>
+      <p:sp>
+        <p:nvSpPr>
+          <p:cNvPr id="5" name="TextBox 4">
+            <a:extLst>
+              <a:ext uri="{FF2B5EF4-FFF2-40B4-BE49-F238E27FC236}">
+                <a16:creationId xmlns:a16="http://schemas.microsoft.com/office/drawing/2014/main" id="{C340DF4E-E8EC-DFA2-F44C-0ED56F26BAEF}"/>
+              </a:ext>
+            </a:extLst>
+          </p:cNvPr>
+          <p:cNvSpPr txBox="1"/>
+          <p:nvPr/>
+        </p:nvSpPr>
+        <p:spPr>
+          <a:xfrm>
+            <a:off x="1083581" y="1803585"/>
+            <a:ext cx="2895600" cy="371475"/>
+          </a:xfrm>
+          <a:prstGeom prst="rect">
+            <a:avLst/>
+          </a:prstGeom>
+          <a:noFill/>
+        </p:spPr>
+        <p:txBody>
+          <a:bodyPr wrap="square" rtlCol="0">
+            <a:spAutoFit/>
+          </a:bodyPr>
+          <a:lstStyle/>
+          <a:p>
+            <a:pPr algn="ctr"/>
+            <a:r>
+              <a:rPr lang="en-US" dirty="0"/>
+              <a:t>Reflectivity Spectra</a:t>
+            </a:r>
+          </a:p>
+        </p:txBody>
+      </p:sp>
+      <p:cxnSp>
+        <p:nvCxnSpPr>
+          <p:cNvPr id="8" name="Straight Arrow Connector 7">
+            <a:extLst>
+              <a:ext uri="{FF2B5EF4-FFF2-40B4-BE49-F238E27FC236}">
+                <a16:creationId xmlns:a16="http://schemas.microsoft.com/office/drawing/2014/main" id="{4DC2216C-A58B-BE98-8AA8-B2C0FC139FD3}"/>
+              </a:ext>
+            </a:extLst>
+          </p:cNvPr>
+          <p:cNvCxnSpPr>
+            <a:cxnSpLocks/>
+          </p:cNvCxnSpPr>
+          <p:nvPr/>
+        </p:nvCxnSpPr>
+        <p:spPr>
+          <a:xfrm>
+            <a:off x="2245631" y="2494147"/>
+            <a:ext cx="169919" cy="2000250"/>
+          </a:xfrm>
+          <a:prstGeom prst="straightConnector1">
+            <a:avLst/>
+          </a:prstGeom>
+          <a:ln w="28575">
+            <a:solidFill>
               <a:schemeClr val="tx1"/>
-            </a:fontRef>
-          </p:style>
-        </p:cxnSp>
-        <p:sp>
-          <p:nvSpPr>
-            <p:cNvPr id="10" name="TextBox 9">
-              <a:extLst>
-                <a:ext uri="{FF2B5EF4-FFF2-40B4-BE49-F238E27FC236}">
-                  <a16:creationId xmlns:a16="http://schemas.microsoft.com/office/drawing/2014/main" id="{3BB36B47-017F-AA02-17D9-118FD5B555DB}"/>
-                </a:ext>
-              </a:extLst>
-            </p:cNvPr>
-            <p:cNvSpPr txBox="1"/>
-            <p:nvPr/>
-          </p:nvSpPr>
-          <p:spPr>
-            <a:xfrm>
-              <a:off x="3728654" y="2550972"/>
-              <a:ext cx="3001141" cy="307777"/>
-            </a:xfrm>
-            <a:prstGeom prst="rect">
-              <a:avLst/>
-            </a:prstGeom>
+            </a:solidFill>
+            <a:tailEnd type="triangle"/>
+          </a:ln>
+        </p:spPr>
+        <p:style>
+          <a:lnRef idx="1">
+            <a:schemeClr val="accent1"/>
+          </a:lnRef>
+          <a:fillRef idx="0">
+            <a:schemeClr val="accent1"/>
+          </a:fillRef>
+          <a:effectRef idx="0">
+            <a:schemeClr val="accent1"/>
+          </a:effectRef>
+          <a:fontRef idx="minor">
+            <a:schemeClr val="tx1"/>
+          </a:fontRef>
+        </p:style>
+      </p:cxnSp>
+      <p:sp>
+        <p:nvSpPr>
+          <p:cNvPr id="10" name="TextBox 9">
+            <a:extLst>
+              <a:ext uri="{FF2B5EF4-FFF2-40B4-BE49-F238E27FC236}">
+                <a16:creationId xmlns:a16="http://schemas.microsoft.com/office/drawing/2014/main" id="{3BB36B47-017F-AA02-17D9-118FD5B555DB}"/>
+              </a:ext>
+            </a:extLst>
+          </p:cNvPr>
+          <p:cNvSpPr txBox="1"/>
+          <p:nvPr/>
+        </p:nvSpPr>
+        <p:spPr>
+          <a:xfrm>
+            <a:off x="2478610" y="2511470"/>
+            <a:ext cx="3001141" cy="307777"/>
+          </a:xfrm>
+          <a:prstGeom prst="rect">
+            <a:avLst/>
+          </a:prstGeom>
+          <a:solidFill>
+            <a:schemeClr val="bg1"/>
+          </a:solidFill>
+          <a:ln w="19050">
             <a:solidFill>
-              <a:schemeClr val="bg1"/>
+              <a:schemeClr val="tx1"/>
             </a:solidFill>
-            <a:ln w="19050">
-              <a:solidFill>
-                <a:schemeClr val="tx1"/>
-              </a:solidFill>
-            </a:ln>
-          </p:spPr>
-          <p:txBody>
-            <a:bodyPr wrap="square" rtlCol="0">
-              <a:spAutoFit/>
-            </a:bodyPr>
-            <a:lstStyle/>
-            <a:p>
-              <a:pPr algn="ctr"/>
-              <a:r>
-                <a:rPr lang="en-US" sz="1400" dirty="0"/>
-                <a:t>Emergence of inner condensed phase</a:t>
-              </a:r>
-            </a:p>
-          </p:txBody>
-        </p:sp>
-      </p:grpSp>
+          </a:ln>
+        </p:spPr>
+        <p:txBody>
+          <a:bodyPr wrap="square" rtlCol="0">
+            <a:spAutoFit/>
+          </a:bodyPr>
+          <a:lstStyle/>
+          <a:p>
+            <a:pPr algn="ctr"/>
+            <a:r>
+              <a:rPr lang="en-US" sz="1400" dirty="0"/>
+              <a:t>Emergence of inner condensed phase</a:t>
+            </a:r>
+          </a:p>
+        </p:txBody>
+      </p:sp>
       <p:pic>
         <p:nvPicPr>
           <p:cNvPr id="3074" name="Picture 2">
@@ -6471,6 +6900,229 @@
   <p:clrMapOvr>
     <a:masterClrMapping/>
   </p:clrMapOvr>
+  <p:timing>
+    <p:tnLst>
+      <p:par>
+        <p:cTn id="1" dur="indefinite" restart="never" nodeType="tmRoot">
+          <p:childTnLst>
+            <p:seq concurrent="1" nextAc="seek">
+              <p:cTn id="2" dur="indefinite" nodeType="mainSeq">
+                <p:childTnLst>
+                  <p:par>
+                    <p:cTn id="3" fill="hold">
+                      <p:stCondLst>
+                        <p:cond delay="indefinite"/>
+                      </p:stCondLst>
+                      <p:childTnLst>
+                        <p:par>
+                          <p:cTn id="4" fill="hold">
+                            <p:stCondLst>
+                              <p:cond delay="0"/>
+                            </p:stCondLst>
+                            <p:childTnLst>
+                              <p:par>
+                                <p:cTn id="5" presetID="1" presetClass="entr" presetSubtype="0" fill="hold" nodeType="clickEffect">
+                                  <p:stCondLst>
+                                    <p:cond delay="0"/>
+                                  </p:stCondLst>
+                                  <p:childTnLst>
+                                    <p:set>
+                                      <p:cBhvr>
+                                        <p:cTn id="6" dur="1" fill="hold">
+                                          <p:stCondLst>
+                                            <p:cond delay="0"/>
+                                          </p:stCondLst>
+                                        </p:cTn>
+                                        <p:tgtEl>
+                                          <p:spTgt spid="8"/>
+                                        </p:tgtEl>
+                                        <p:attrNameLst>
+                                          <p:attrName>style.visibility</p:attrName>
+                                        </p:attrNameLst>
+                                      </p:cBhvr>
+                                      <p:to>
+                                        <p:strVal val="visible"/>
+                                      </p:to>
+                                    </p:set>
+                                  </p:childTnLst>
+                                </p:cTn>
+                              </p:par>
+                              <p:par>
+                                <p:cTn id="7" presetID="1" presetClass="entr" presetSubtype="0" fill="hold" grpId="0" nodeType="withEffect">
+                                  <p:stCondLst>
+                                    <p:cond delay="0"/>
+                                  </p:stCondLst>
+                                  <p:childTnLst>
+                                    <p:set>
+                                      <p:cBhvr>
+                                        <p:cTn id="8" dur="1" fill="hold">
+                                          <p:stCondLst>
+                                            <p:cond delay="0"/>
+                                          </p:stCondLst>
+                                        </p:cTn>
+                                        <p:tgtEl>
+                                          <p:spTgt spid="10"/>
+                                        </p:tgtEl>
+                                        <p:attrNameLst>
+                                          <p:attrName>style.visibility</p:attrName>
+                                        </p:attrNameLst>
+                                      </p:cBhvr>
+                                      <p:to>
+                                        <p:strVal val="visible"/>
+                                      </p:to>
+                                    </p:set>
+                                  </p:childTnLst>
+                                </p:cTn>
+                              </p:par>
+                            </p:childTnLst>
+                          </p:cTn>
+                        </p:par>
+                      </p:childTnLst>
+                    </p:cTn>
+                  </p:par>
+                  <p:par>
+                    <p:cTn id="9" fill="hold">
+                      <p:stCondLst>
+                        <p:cond delay="indefinite"/>
+                      </p:stCondLst>
+                      <p:childTnLst>
+                        <p:par>
+                          <p:cTn id="10" fill="hold">
+                            <p:stCondLst>
+                              <p:cond delay="0"/>
+                            </p:stCondLst>
+                            <p:childTnLst>
+                              <p:par>
+                                <p:cTn id="11" presetID="1" presetClass="entr" presetSubtype="0" fill="hold" nodeType="clickEffect">
+                                  <p:stCondLst>
+                                    <p:cond delay="0"/>
+                                  </p:stCondLst>
+                                  <p:childTnLst>
+                                    <p:set>
+                                      <p:cBhvr>
+                                        <p:cTn id="12" dur="1" fill="hold">
+                                          <p:stCondLst>
+                                            <p:cond delay="0"/>
+                                          </p:stCondLst>
+                                        </p:cTn>
+                                        <p:tgtEl>
+                                          <p:spTgt spid="3074"/>
+                                        </p:tgtEl>
+                                        <p:attrNameLst>
+                                          <p:attrName>style.visibility</p:attrName>
+                                        </p:attrNameLst>
+                                      </p:cBhvr>
+                                      <p:to>
+                                        <p:strVal val="visible"/>
+                                      </p:to>
+                                    </p:set>
+                                  </p:childTnLst>
+                                </p:cTn>
+                              </p:par>
+                              <p:par>
+                                <p:cTn id="13" presetID="1" presetClass="entr" presetSubtype="0" fill="hold" grpId="0" nodeType="withEffect">
+                                  <p:stCondLst>
+                                    <p:cond delay="0"/>
+                                  </p:stCondLst>
+                                  <p:childTnLst>
+                                    <p:set>
+                                      <p:cBhvr>
+                                        <p:cTn id="14" dur="1" fill="hold">
+                                          <p:stCondLst>
+                                            <p:cond delay="0"/>
+                                          </p:stCondLst>
+                                        </p:cTn>
+                                        <p:tgtEl>
+                                          <p:spTgt spid="18"/>
+                                        </p:tgtEl>
+                                        <p:attrNameLst>
+                                          <p:attrName>style.visibility</p:attrName>
+                                        </p:attrNameLst>
+                                      </p:cBhvr>
+                                      <p:to>
+                                        <p:strVal val="visible"/>
+                                      </p:to>
+                                    </p:set>
+                                  </p:childTnLst>
+                                </p:cTn>
+                              </p:par>
+                            </p:childTnLst>
+                          </p:cTn>
+                        </p:par>
+                      </p:childTnLst>
+                    </p:cTn>
+                  </p:par>
+                  <p:par>
+                    <p:cTn id="15" fill="hold">
+                      <p:stCondLst>
+                        <p:cond delay="indefinite"/>
+                      </p:stCondLst>
+                      <p:childTnLst>
+                        <p:par>
+                          <p:cTn id="16" fill="hold">
+                            <p:stCondLst>
+                              <p:cond delay="0"/>
+                            </p:stCondLst>
+                            <p:childTnLst>
+                              <p:par>
+                                <p:cTn id="17" presetID="1" presetClass="entr" presetSubtype="0" fill="hold" nodeType="clickEffect">
+                                  <p:stCondLst>
+                                    <p:cond delay="0"/>
+                                  </p:stCondLst>
+                                  <p:childTnLst>
+                                    <p:set>
+                                      <p:cBhvr>
+                                        <p:cTn id="18" dur="1" fill="hold">
+                                          <p:stCondLst>
+                                            <p:cond delay="0"/>
+                                          </p:stCondLst>
+                                        </p:cTn>
+                                        <p:tgtEl>
+                                          <p:spTgt spid="3076"/>
+                                        </p:tgtEl>
+                                        <p:attrNameLst>
+                                          <p:attrName>style.visibility</p:attrName>
+                                        </p:attrNameLst>
+                                      </p:cBhvr>
+                                      <p:to>
+                                        <p:strVal val="visible"/>
+                                      </p:to>
+                                    </p:set>
+                                  </p:childTnLst>
+                                </p:cTn>
+                              </p:par>
+                            </p:childTnLst>
+                          </p:cTn>
+                        </p:par>
+                      </p:childTnLst>
+                    </p:cTn>
+                  </p:par>
+                </p:childTnLst>
+              </p:cTn>
+              <p:prevCondLst>
+                <p:cond evt="onPrev" delay="0">
+                  <p:tgtEl>
+                    <p:sldTgt/>
+                  </p:tgtEl>
+                </p:cond>
+              </p:prevCondLst>
+              <p:nextCondLst>
+                <p:cond evt="onNext" delay="0">
+                  <p:tgtEl>
+                    <p:sldTgt/>
+                  </p:tgtEl>
+                </p:cond>
+              </p:nextCondLst>
+            </p:seq>
+          </p:childTnLst>
+        </p:cTn>
+      </p:par>
+    </p:tnLst>
+    <p:bldLst>
+      <p:bldP spid="10" grpId="0" animBg="1"/>
+      <p:bldP spid="18" grpId="0"/>
+    </p:bldLst>
+  </p:timing>
 </p:sld>
 </file>
 
@@ -7111,6 +7763,153 @@
   <p:clrMapOvr>
     <a:masterClrMapping/>
   </p:clrMapOvr>
+  <p:timing>
+    <p:tnLst>
+      <p:par>
+        <p:cTn id="1" dur="indefinite" restart="never" nodeType="tmRoot">
+          <p:childTnLst>
+            <p:seq concurrent="1" nextAc="seek">
+              <p:cTn id="2" dur="indefinite" nodeType="mainSeq">
+                <p:childTnLst>
+                  <p:par>
+                    <p:cTn id="3" fill="hold">
+                      <p:stCondLst>
+                        <p:cond delay="indefinite"/>
+                      </p:stCondLst>
+                      <p:childTnLst>
+                        <p:par>
+                          <p:cTn id="4" fill="hold">
+                            <p:stCondLst>
+                              <p:cond delay="0"/>
+                            </p:stCondLst>
+                            <p:childTnLst>
+                              <p:par>
+                                <p:cTn id="5" presetID="1" presetClass="entr" presetSubtype="0" fill="hold" nodeType="clickEffect">
+                                  <p:stCondLst>
+                                    <p:cond delay="0"/>
+                                  </p:stCondLst>
+                                  <p:childTnLst>
+                                    <p:set>
+                                      <p:cBhvr>
+                                        <p:cTn id="6" dur="1" fill="hold">
+                                          <p:stCondLst>
+                                            <p:cond delay="0"/>
+                                          </p:stCondLst>
+                                        </p:cTn>
+                                        <p:tgtEl>
+                                          <p:spTgt spid="18"/>
+                                        </p:tgtEl>
+                                        <p:attrNameLst>
+                                          <p:attrName>style.visibility</p:attrName>
+                                        </p:attrNameLst>
+                                      </p:cBhvr>
+                                      <p:to>
+                                        <p:strVal val="visible"/>
+                                      </p:to>
+                                    </p:set>
+                                  </p:childTnLst>
+                                </p:cTn>
+                              </p:par>
+                            </p:childTnLst>
+                          </p:cTn>
+                        </p:par>
+                      </p:childTnLst>
+                    </p:cTn>
+                  </p:par>
+                  <p:par>
+                    <p:cTn id="7" fill="hold">
+                      <p:stCondLst>
+                        <p:cond delay="indefinite"/>
+                      </p:stCondLst>
+                      <p:childTnLst>
+                        <p:par>
+                          <p:cTn id="8" fill="hold">
+                            <p:stCondLst>
+                              <p:cond delay="0"/>
+                            </p:stCondLst>
+                            <p:childTnLst>
+                              <p:par>
+                                <p:cTn id="9" presetID="1" presetClass="entr" presetSubtype="0" fill="hold" nodeType="clickEffect">
+                                  <p:stCondLst>
+                                    <p:cond delay="0"/>
+                                  </p:stCondLst>
+                                  <p:childTnLst>
+                                    <p:set>
+                                      <p:cBhvr>
+                                        <p:cTn id="10" dur="1" fill="hold">
+                                          <p:stCondLst>
+                                            <p:cond delay="0"/>
+                                          </p:stCondLst>
+                                        </p:cTn>
+                                        <p:tgtEl>
+                                          <p:spTgt spid="2050"/>
+                                        </p:tgtEl>
+                                        <p:attrNameLst>
+                                          <p:attrName>style.visibility</p:attrName>
+                                        </p:attrNameLst>
+                                      </p:cBhvr>
+                                      <p:to>
+                                        <p:strVal val="visible"/>
+                                      </p:to>
+                                    </p:set>
+                                  </p:childTnLst>
+                                </p:cTn>
+                              </p:par>
+                              <p:par>
+                                <p:cTn id="11" presetID="1" presetClass="entr" presetSubtype="0" fill="hold" nodeType="withEffect">
+                                  <p:stCondLst>
+                                    <p:cond delay="0"/>
+                                  </p:stCondLst>
+                                  <p:childTnLst>
+                                    <p:set>
+                                      <p:cBhvr>
+                                        <p:cTn id="12" dur="1" fill="hold">
+                                          <p:stCondLst>
+                                            <p:cond delay="0"/>
+                                          </p:stCondLst>
+                                        </p:cTn>
+                                        <p:tgtEl>
+                                          <p:spTgt spid="2052"/>
+                                        </p:tgtEl>
+                                        <p:attrNameLst>
+                                          <p:attrName>style.visibility</p:attrName>
+                                        </p:attrNameLst>
+                                      </p:cBhvr>
+                                      <p:to>
+                                        <p:strVal val="visible"/>
+                                      </p:to>
+                                    </p:set>
+                                  </p:childTnLst>
+                                </p:cTn>
+                              </p:par>
+                            </p:childTnLst>
+                          </p:cTn>
+                        </p:par>
+                      </p:childTnLst>
+                    </p:cTn>
+                  </p:par>
+                </p:childTnLst>
+              </p:cTn>
+              <p:prevCondLst>
+                <p:cond evt="onPrev" delay="0">
+                  <p:tgtEl>
+                    <p:sldTgt/>
+                  </p:tgtEl>
+                </p:cond>
+              </p:prevCondLst>
+              <p:nextCondLst>
+                <p:cond evt="onNext" delay="0">
+                  <p:tgtEl>
+                    <p:sldTgt/>
+                  </p:tgtEl>
+                </p:cond>
+              </p:nextCondLst>
+            </p:seq>
+          </p:childTnLst>
+        </p:cTn>
+      </p:par>
+    </p:tnLst>
+  </p:timing>
 </p:sld>
 </file>
 
@@ -7697,6 +8496,214 @@
   <p:clrMapOvr>
     <a:masterClrMapping/>
   </p:clrMapOvr>
+  <p:timing>
+    <p:tnLst>
+      <p:par>
+        <p:cTn id="1" dur="indefinite" restart="never" nodeType="tmRoot">
+          <p:childTnLst>
+            <p:seq concurrent="1" nextAc="seek">
+              <p:cTn id="2" dur="indefinite" nodeType="mainSeq">
+                <p:childTnLst>
+                  <p:par>
+                    <p:cTn id="3" fill="hold">
+                      <p:stCondLst>
+                        <p:cond delay="indefinite"/>
+                      </p:stCondLst>
+                      <p:childTnLst>
+                        <p:par>
+                          <p:cTn id="4" fill="hold">
+                            <p:stCondLst>
+                              <p:cond delay="0"/>
+                            </p:stCondLst>
+                            <p:childTnLst>
+                              <p:par>
+                                <p:cTn id="5" presetID="1" presetClass="entr" presetSubtype="0" fill="hold" nodeType="clickEffect">
+                                  <p:stCondLst>
+                                    <p:cond delay="0"/>
+                                  </p:stCondLst>
+                                  <p:childTnLst>
+                                    <p:set>
+                                      <p:cBhvr>
+                                        <p:cTn id="6" dur="1" fill="hold">
+                                          <p:stCondLst>
+                                            <p:cond delay="0"/>
+                                          </p:stCondLst>
+                                        </p:cTn>
+                                        <p:tgtEl>
+                                          <p:spTgt spid="3">
+                                            <p:txEl>
+                                              <p:pRg st="1" end="1"/>
+                                            </p:txEl>
+                                          </p:spTgt>
+                                        </p:tgtEl>
+                                        <p:attrNameLst>
+                                          <p:attrName>style.visibility</p:attrName>
+                                        </p:attrNameLst>
+                                      </p:cBhvr>
+                                      <p:to>
+                                        <p:strVal val="visible"/>
+                                      </p:to>
+                                    </p:set>
+                                  </p:childTnLst>
+                                </p:cTn>
+                              </p:par>
+                              <p:par>
+                                <p:cTn id="7" presetID="1" presetClass="entr" presetSubtype="0" fill="hold" nodeType="withEffect">
+                                  <p:stCondLst>
+                                    <p:cond delay="0"/>
+                                  </p:stCondLst>
+                                  <p:childTnLst>
+                                    <p:set>
+                                      <p:cBhvr>
+                                        <p:cTn id="8" dur="1" fill="hold">
+                                          <p:stCondLst>
+                                            <p:cond delay="0"/>
+                                          </p:stCondLst>
+                                        </p:cTn>
+                                        <p:tgtEl>
+                                          <p:spTgt spid="3">
+                                            <p:txEl>
+                                              <p:pRg st="2" end="2"/>
+                                            </p:txEl>
+                                          </p:spTgt>
+                                        </p:tgtEl>
+                                        <p:attrNameLst>
+                                          <p:attrName>style.visibility</p:attrName>
+                                        </p:attrNameLst>
+                                      </p:cBhvr>
+                                      <p:to>
+                                        <p:strVal val="visible"/>
+                                      </p:to>
+                                    </p:set>
+                                  </p:childTnLst>
+                                </p:cTn>
+                              </p:par>
+                            </p:childTnLst>
+                          </p:cTn>
+                        </p:par>
+                      </p:childTnLst>
+                    </p:cTn>
+                  </p:par>
+                  <p:par>
+                    <p:cTn id="9" fill="hold">
+                      <p:stCondLst>
+                        <p:cond delay="indefinite"/>
+                      </p:stCondLst>
+                      <p:childTnLst>
+                        <p:par>
+                          <p:cTn id="10" fill="hold">
+                            <p:stCondLst>
+                              <p:cond delay="0"/>
+                            </p:stCondLst>
+                            <p:childTnLst>
+                              <p:par>
+                                <p:cTn id="11" presetID="1" presetClass="entr" presetSubtype="0" fill="hold" nodeType="clickEffect">
+                                  <p:stCondLst>
+                                    <p:cond delay="0"/>
+                                  </p:stCondLst>
+                                  <p:childTnLst>
+                                    <p:set>
+                                      <p:cBhvr>
+                                        <p:cTn id="12" dur="1" fill="hold">
+                                          <p:stCondLst>
+                                            <p:cond delay="0"/>
+                                          </p:stCondLst>
+                                        </p:cTn>
+                                        <p:tgtEl>
+                                          <p:spTgt spid="3">
+                                            <p:txEl>
+                                              <p:pRg st="3" end="3"/>
+                                            </p:txEl>
+                                          </p:spTgt>
+                                        </p:tgtEl>
+                                        <p:attrNameLst>
+                                          <p:attrName>style.visibility</p:attrName>
+                                        </p:attrNameLst>
+                                      </p:cBhvr>
+                                      <p:to>
+                                        <p:strVal val="visible"/>
+                                      </p:to>
+                                    </p:set>
+                                  </p:childTnLst>
+                                </p:cTn>
+                              </p:par>
+                            </p:childTnLst>
+                          </p:cTn>
+                        </p:par>
+                      </p:childTnLst>
+                    </p:cTn>
+                  </p:par>
+                  <p:par>
+                    <p:cTn id="13" fill="hold">
+                      <p:stCondLst>
+                        <p:cond delay="indefinite"/>
+                      </p:stCondLst>
+                      <p:childTnLst>
+                        <p:par>
+                          <p:cTn id="14" fill="hold">
+                            <p:stCondLst>
+                              <p:cond delay="0"/>
+                            </p:stCondLst>
+                            <p:childTnLst>
+                              <p:par>
+                                <p:cTn id="15" presetID="1" presetClass="entr" presetSubtype="0" fill="hold" nodeType="clickEffect">
+                                  <p:stCondLst>
+                                    <p:cond delay="0"/>
+                                  </p:stCondLst>
+                                  <p:childTnLst>
+                                    <p:set>
+                                      <p:cBhvr>
+                                        <p:cTn id="16" dur="1" fill="hold">
+                                          <p:stCondLst>
+                                            <p:cond delay="0"/>
+                                          </p:stCondLst>
+                                        </p:cTn>
+                                        <p:tgtEl>
+                                          <p:spTgt spid="3">
+                                            <p:txEl>
+                                              <p:pRg st="4" end="4"/>
+                                            </p:txEl>
+                                          </p:spTgt>
+                                        </p:tgtEl>
+                                        <p:attrNameLst>
+                                          <p:attrName>style.visibility</p:attrName>
+                                        </p:attrNameLst>
+                                      </p:cBhvr>
+                                      <p:to>
+                                        <p:strVal val="visible"/>
+                                      </p:to>
+                                    </p:set>
+                                  </p:childTnLst>
+                                </p:cTn>
+                              </p:par>
+                            </p:childTnLst>
+                          </p:cTn>
+                        </p:par>
+                      </p:childTnLst>
+                    </p:cTn>
+                  </p:par>
+                </p:childTnLst>
+              </p:cTn>
+              <p:prevCondLst>
+                <p:cond evt="onPrev" delay="0">
+                  <p:tgtEl>
+                    <p:sldTgt/>
+                  </p:tgtEl>
+                </p:cond>
+              </p:prevCondLst>
+              <p:nextCondLst>
+                <p:cond evt="onNext" delay="0">
+                  <p:tgtEl>
+                    <p:sldTgt/>
+                  </p:tgtEl>
+                </p:cond>
+              </p:nextCondLst>
+            </p:seq>
+          </p:childTnLst>
+        </p:cTn>
+      </p:par>
+    </p:tnLst>
+  </p:timing>
 </p:sld>
 </file>
 

--- a/20230201 LH Update.pptx
+++ b/20230201 LH Update.pptx
@@ -3649,8 +3649,8 @@
           </p:txBody>
         </p:sp>
       </p:grpSp>
-      <mc:AlternateContent xmlns:mc="http://schemas.openxmlformats.org/markup-compatibility/2006" xmlns:a14="http://schemas.microsoft.com/office/drawing/2010/main">
-        <mc:Choice Requires="a14">
+      <mc:AlternateContent xmlns:mc="http://schemas.openxmlformats.org/markup-compatibility/2006">
+        <mc:Choice xmlns:a14="http://schemas.microsoft.com/office/drawing/2010/main" Requires="a14">
           <p:sp>
             <p:nvSpPr>
               <p:cNvPr id="7" name="TextBox 6">
@@ -3666,7 +3666,7 @@
             <p:spPr>
               <a:xfrm>
                 <a:off x="645457" y="3523130"/>
-                <a:ext cx="5718553" cy="1711366"/>
+                <a:ext cx="6644640" cy="1710661"/>
               </a:xfrm>
               <a:prstGeom prst="rect">
                 <a:avLst/>
@@ -3755,13 +3755,13 @@
                 </a14:m>
                 <a:r>
                   <a:rPr lang="en-US" dirty="0"/>
-                  <a:t> parameters for each amino acid</a:t>
+                  <a:t> (hydrophobicity) parameters for each amino acid</a:t>
                 </a:r>
               </a:p>
             </p:txBody>
           </p:sp>
         </mc:Choice>
-        <mc:Fallback xmlns="">
+        <mc:Fallback>
           <p:sp>
             <p:nvSpPr>
               <p:cNvPr id="7" name="TextBox 6">
@@ -3779,7 +3779,7 @@
             <p:spPr>
               <a:xfrm>
                 <a:off x="645457" y="3523130"/>
-                <a:ext cx="5718553" cy="1711366"/>
+                <a:ext cx="6644640" cy="1710661"/>
               </a:xfrm>
               <a:prstGeom prst="rect">
                 <a:avLst/>
@@ -3787,7 +3787,7 @@
               <a:blipFill>
                 <a:blip r:embed="rId3"/>
                 <a:stretch>
-                  <a:fillRect l="-959" b="-4626"/>
+                  <a:fillRect l="-826" b="-4626"/>
                 </a:stretch>
               </a:blipFill>
             </p:spPr>

--- a/20230201 LH Update.pptx
+++ b/20230201 LH Update.pptx
@@ -4605,12 +4605,142 @@
           </a:p>
         </p:txBody>
       </p:sp>
+      <p:pic>
+        <p:nvPicPr>
+          <p:cNvPr id="4" name="Picture 8">
+            <a:extLst>
+              <a:ext uri="{FF2B5EF4-FFF2-40B4-BE49-F238E27FC236}">
+                <a16:creationId xmlns:a16="http://schemas.microsoft.com/office/drawing/2014/main" id="{1084F9D1-C928-3C1D-9824-4FE3BCA79C16}"/>
+              </a:ext>
+            </a:extLst>
+          </p:cNvPr>
+          <p:cNvPicPr>
+            <a:picLocks noChangeAspect="1" noChangeArrowheads="1"/>
+          </p:cNvPicPr>
+          <p:nvPr/>
+        </p:nvPicPr>
+        <p:blipFill>
+          <a:blip r:embed="rId2">
+            <a:extLst>
+              <a:ext uri="{28A0092B-C50C-407E-A947-70E740481C1C}">
+                <a14:useLocalDpi xmlns:a14="http://schemas.microsoft.com/office/drawing/2010/main" val="0"/>
+              </a:ext>
+            </a:extLst>
+          </a:blip>
+          <a:srcRect/>
+          <a:stretch>
+            <a:fillRect/>
+          </a:stretch>
+        </p:blipFill>
+        <p:spPr bwMode="auto">
+          <a:xfrm>
+            <a:off x="2250113" y="3949335"/>
+            <a:ext cx="2043695" cy="1360802"/>
+          </a:xfrm>
+          <a:prstGeom prst="rect">
+            <a:avLst/>
+          </a:prstGeom>
+          <a:noFill/>
+          <a:extLst>
+            <a:ext uri="{909E8E84-426E-40DD-AFC4-6F175D3DCCD1}">
+              <a14:hiddenFill xmlns:a14="http://schemas.microsoft.com/office/drawing/2010/main">
+                <a:solidFill>
+                  <a:srgbClr val="FFFFFF"/>
+                </a:solidFill>
+              </a14:hiddenFill>
+            </a:ext>
+          </a:extLst>
+        </p:spPr>
+      </p:pic>
+      <p:pic>
+        <p:nvPicPr>
+          <p:cNvPr id="5" name="Picture 22">
+            <a:extLst>
+              <a:ext uri="{FF2B5EF4-FFF2-40B4-BE49-F238E27FC236}">
+                <a16:creationId xmlns:a16="http://schemas.microsoft.com/office/drawing/2014/main" id="{6310596E-1236-CEF2-6D4F-CE5A89D0C744}"/>
+              </a:ext>
+            </a:extLst>
+          </p:cNvPr>
+          <p:cNvPicPr>
+            <a:picLocks noChangeAspect="1" noChangeArrowheads="1"/>
+          </p:cNvPicPr>
+          <p:nvPr/>
+        </p:nvPicPr>
+        <p:blipFill rotWithShape="1">
+          <a:blip r:embed="rId3">
+            <a:extLst>
+              <a:ext uri="{28A0092B-C50C-407E-A947-70E740481C1C}">
+                <a14:useLocalDpi xmlns:a14="http://schemas.microsoft.com/office/drawing/2010/main" val="0"/>
+              </a:ext>
+            </a:extLst>
+          </a:blip>
+          <a:srcRect l="5437" r="5640"/>
+          <a:stretch/>
+        </p:blipFill>
+        <p:spPr bwMode="auto">
+          <a:xfrm>
+            <a:off x="2287897" y="4254062"/>
+            <a:ext cx="1976657" cy="676677"/>
+          </a:xfrm>
+          <a:prstGeom prst="rect">
+            <a:avLst/>
+          </a:prstGeom>
+          <a:noFill/>
+          <a:extLst>
+            <a:ext uri="{909E8E84-426E-40DD-AFC4-6F175D3DCCD1}">
+              <a14:hiddenFill xmlns:a14="http://schemas.microsoft.com/office/drawing/2010/main">
+                <a:solidFill>
+                  <a:srgbClr val="FFFFFF"/>
+                </a:solidFill>
+              </a14:hiddenFill>
+            </a:ext>
+          </a:extLst>
+        </p:spPr>
+      </p:pic>
+      <p:sp>
+        <p:nvSpPr>
+          <p:cNvPr id="9" name="TextBox 8">
+            <a:extLst>
+              <a:ext uri="{FF2B5EF4-FFF2-40B4-BE49-F238E27FC236}">
+                <a16:creationId xmlns:a16="http://schemas.microsoft.com/office/drawing/2014/main" id="{D87C7B08-5CCF-98F0-1A20-CBD245BCD5D6}"/>
+              </a:ext>
+            </a:extLst>
+          </p:cNvPr>
+          <p:cNvSpPr txBox="1"/>
+          <p:nvPr/>
+        </p:nvSpPr>
+        <p:spPr>
+          <a:xfrm>
+            <a:off x="691299" y="4381566"/>
+            <a:ext cx="1535130" cy="369332"/>
+          </a:xfrm>
+          <a:prstGeom prst="rect">
+            <a:avLst/>
+          </a:prstGeom>
+          <a:solidFill>
+            <a:schemeClr val="bg1"/>
+          </a:solidFill>
+        </p:spPr>
+        <p:txBody>
+          <a:bodyPr wrap="square" rtlCol="0">
+            <a:spAutoFit/>
+          </a:bodyPr>
+          <a:lstStyle/>
+          <a:p>
+            <a:pPr algn="ctr"/>
+            <a:r>
+              <a:rPr lang="en-US" b="1" dirty="0"/>
+              <a:t>NFL, pH 7.44</a:t>
+            </a:r>
+          </a:p>
+        </p:txBody>
+      </p:sp>
       <p:grpSp>
         <p:nvGrpSpPr>
-          <p:cNvPr id="38" name="Group 37">
-            <a:extLst>
-              <a:ext uri="{FF2B5EF4-FFF2-40B4-BE49-F238E27FC236}">
-                <a16:creationId xmlns:a16="http://schemas.microsoft.com/office/drawing/2014/main" id="{E50136E4-E056-94B0-B958-7CF85B41BBD5}"/>
+          <p:cNvPr id="11" name="Group 10">
+            <a:extLst>
+              <a:ext uri="{FF2B5EF4-FFF2-40B4-BE49-F238E27FC236}">
+                <a16:creationId xmlns:a16="http://schemas.microsoft.com/office/drawing/2014/main" id="{4AA14E79-9C75-C1AD-FB53-D80DE5F5B44E}"/>
               </a:ext>
             </a:extLst>
           </p:cNvPr>
@@ -4619,472 +4749,18 @@
         </p:nvGrpSpPr>
         <p:grpSpPr>
           <a:xfrm>
-            <a:off x="691299" y="3818756"/>
-            <a:ext cx="4374637" cy="1491381"/>
-            <a:chOff x="716217" y="4060768"/>
-            <a:chExt cx="4374637" cy="1491381"/>
+            <a:off x="4544449" y="4084121"/>
+            <a:ext cx="521487" cy="997076"/>
+            <a:chOff x="4383741" y="2002095"/>
+            <a:chExt cx="881316" cy="1685063"/>
           </a:xfrm>
         </p:grpSpPr>
-        <p:grpSp>
-          <p:nvGrpSpPr>
-            <p:cNvPr id="3" name="Group 2">
+        <p:sp>
+          <p:nvSpPr>
+            <p:cNvPr id="12" name="Rectangle 11">
               <a:extLst>
                 <a:ext uri="{FF2B5EF4-FFF2-40B4-BE49-F238E27FC236}">
-                  <a16:creationId xmlns:a16="http://schemas.microsoft.com/office/drawing/2014/main" id="{EAD1E99E-D2E5-D3E5-2492-99E86B4E09A5}"/>
-                </a:ext>
-              </a:extLst>
-            </p:cNvPr>
-            <p:cNvGrpSpPr/>
-            <p:nvPr/>
-          </p:nvGrpSpPr>
-          <p:grpSpPr>
-            <a:xfrm>
-              <a:off x="2275031" y="4191347"/>
-              <a:ext cx="2043695" cy="1360802"/>
-              <a:chOff x="4295595" y="3220302"/>
-              <a:chExt cx="4218677" cy="2809021"/>
-            </a:xfrm>
-          </p:grpSpPr>
-          <p:pic>
-            <p:nvPicPr>
-              <p:cNvPr id="4" name="Picture 8">
-                <a:extLst>
-                  <a:ext uri="{FF2B5EF4-FFF2-40B4-BE49-F238E27FC236}">
-                    <a16:creationId xmlns:a16="http://schemas.microsoft.com/office/drawing/2014/main" id="{1084F9D1-C928-3C1D-9824-4FE3BCA79C16}"/>
-                  </a:ext>
-                </a:extLst>
-              </p:cNvPr>
-              <p:cNvPicPr>
-                <a:picLocks noChangeAspect="1" noChangeArrowheads="1"/>
-              </p:cNvPicPr>
-              <p:nvPr/>
-            </p:nvPicPr>
-            <p:blipFill>
-              <a:blip r:embed="rId2">
-                <a:extLst>
-                  <a:ext uri="{28A0092B-C50C-407E-A947-70E740481C1C}">
-                    <a14:useLocalDpi xmlns:a14="http://schemas.microsoft.com/office/drawing/2010/main" val="0"/>
-                  </a:ext>
-                </a:extLst>
-              </a:blip>
-              <a:srcRect/>
-              <a:stretch>
-                <a:fillRect/>
-              </a:stretch>
-            </p:blipFill>
-            <p:spPr bwMode="auto">
-              <a:xfrm>
-                <a:off x="4295595" y="3220302"/>
-                <a:ext cx="4218677" cy="2809021"/>
-              </a:xfrm>
-              <a:prstGeom prst="rect">
-                <a:avLst/>
-              </a:prstGeom>
-              <a:noFill/>
-              <a:extLst>
-                <a:ext uri="{909E8E84-426E-40DD-AFC4-6F175D3DCCD1}">
-                  <a14:hiddenFill xmlns:a14="http://schemas.microsoft.com/office/drawing/2010/main">
-                    <a:solidFill>
-                      <a:srgbClr val="FFFFFF"/>
-                    </a:solidFill>
-                  </a14:hiddenFill>
-                </a:ext>
-              </a:extLst>
-            </p:spPr>
-          </p:pic>
-          <p:pic>
-            <p:nvPicPr>
-              <p:cNvPr id="5" name="Picture 22">
-                <a:extLst>
-                  <a:ext uri="{FF2B5EF4-FFF2-40B4-BE49-F238E27FC236}">
-                    <a16:creationId xmlns:a16="http://schemas.microsoft.com/office/drawing/2014/main" id="{6310596E-1236-CEF2-6D4F-CE5A89D0C744}"/>
-                  </a:ext>
-                </a:extLst>
-              </p:cNvPr>
-              <p:cNvPicPr>
-                <a:picLocks noChangeAspect="1" noChangeArrowheads="1"/>
-              </p:cNvPicPr>
-              <p:nvPr/>
-            </p:nvPicPr>
-            <p:blipFill rotWithShape="1">
-              <a:blip r:embed="rId3">
-                <a:extLst>
-                  <a:ext uri="{28A0092B-C50C-407E-A947-70E740481C1C}">
-                    <a14:useLocalDpi xmlns:a14="http://schemas.microsoft.com/office/drawing/2010/main" val="0"/>
-                  </a:ext>
-                </a:extLst>
-              </a:blip>
-              <a:srcRect l="5437" r="5640"/>
-              <a:stretch/>
-            </p:blipFill>
-            <p:spPr bwMode="auto">
-              <a:xfrm>
-                <a:off x="4373591" y="3849331"/>
-                <a:ext cx="4080295" cy="1396824"/>
-              </a:xfrm>
-              <a:prstGeom prst="rect">
-                <a:avLst/>
-              </a:prstGeom>
-              <a:noFill/>
-              <a:extLst>
-                <a:ext uri="{909E8E84-426E-40DD-AFC4-6F175D3DCCD1}">
-                  <a14:hiddenFill xmlns:a14="http://schemas.microsoft.com/office/drawing/2010/main">
-                    <a:solidFill>
-                      <a:srgbClr val="FFFFFF"/>
-                    </a:solidFill>
-                  </a14:hiddenFill>
-                </a:ext>
-              </a:extLst>
-            </p:spPr>
-          </p:pic>
-        </p:grpSp>
-        <p:sp>
-          <p:nvSpPr>
-            <p:cNvPr id="9" name="TextBox 8">
-              <a:extLst>
-                <a:ext uri="{FF2B5EF4-FFF2-40B4-BE49-F238E27FC236}">
-                  <a16:creationId xmlns:a16="http://schemas.microsoft.com/office/drawing/2014/main" id="{D87C7B08-5CCF-98F0-1A20-CBD245BCD5D6}"/>
-                </a:ext>
-              </a:extLst>
-            </p:cNvPr>
-            <p:cNvSpPr txBox="1"/>
-            <p:nvPr/>
-          </p:nvSpPr>
-          <p:spPr>
-            <a:xfrm>
-              <a:off x="716217" y="4623578"/>
-              <a:ext cx="1535130" cy="369332"/>
-            </a:xfrm>
-            <a:prstGeom prst="rect">
-              <a:avLst/>
-            </a:prstGeom>
-            <a:solidFill>
-              <a:schemeClr val="bg1"/>
-            </a:solidFill>
-          </p:spPr>
-          <p:txBody>
-            <a:bodyPr wrap="square" rtlCol="0">
-              <a:spAutoFit/>
-            </a:bodyPr>
-            <a:lstStyle/>
-            <a:p>
-              <a:pPr algn="ctr"/>
-              <a:r>
-                <a:rPr lang="en-US" b="1" dirty="0"/>
-                <a:t>NFL, pH 7.44</a:t>
-              </a:r>
-            </a:p>
-          </p:txBody>
-        </p:sp>
-        <p:grpSp>
-          <p:nvGrpSpPr>
-            <p:cNvPr id="11" name="Group 10">
-              <a:extLst>
-                <a:ext uri="{FF2B5EF4-FFF2-40B4-BE49-F238E27FC236}">
-                  <a16:creationId xmlns:a16="http://schemas.microsoft.com/office/drawing/2014/main" id="{4AA14E79-9C75-C1AD-FB53-D80DE5F5B44E}"/>
-                </a:ext>
-              </a:extLst>
-            </p:cNvPr>
-            <p:cNvGrpSpPr/>
-            <p:nvPr/>
-          </p:nvGrpSpPr>
-          <p:grpSpPr>
-            <a:xfrm>
-              <a:off x="4569367" y="4326133"/>
-              <a:ext cx="521487" cy="997076"/>
-              <a:chOff x="4383741" y="2002095"/>
-              <a:chExt cx="881316" cy="1685063"/>
-            </a:xfrm>
-          </p:grpSpPr>
-          <p:sp>
-            <p:nvSpPr>
-              <p:cNvPr id="12" name="Rectangle 11">
-                <a:extLst>
-                  <a:ext uri="{FF2B5EF4-FFF2-40B4-BE49-F238E27FC236}">
-                    <a16:creationId xmlns:a16="http://schemas.microsoft.com/office/drawing/2014/main" id="{6B584A60-3ABC-A66F-3EE1-BC443B9CEDFB}"/>
-                  </a:ext>
-                </a:extLst>
-              </p:cNvPr>
-              <p:cNvSpPr/>
-              <p:nvPr/>
-            </p:nvSpPr>
-            <p:spPr>
-              <a:xfrm>
-                <a:off x="4383741" y="2002095"/>
-                <a:ext cx="92945" cy="565898"/>
-              </a:xfrm>
-              <a:prstGeom prst="rect">
-                <a:avLst/>
-              </a:prstGeom>
-              <a:solidFill>
-                <a:srgbClr val="C00000"/>
-              </a:solidFill>
-              <a:ln>
-                <a:solidFill>
-                  <a:schemeClr val="tx1"/>
-                </a:solidFill>
-              </a:ln>
-            </p:spPr>
-            <p:style>
-              <a:lnRef idx="2">
-                <a:schemeClr val="accent1">
-                  <a:shade val="50000"/>
-                </a:schemeClr>
-              </a:lnRef>
-              <a:fillRef idx="1">
-                <a:schemeClr val="accent1"/>
-              </a:fillRef>
-              <a:effectRef idx="0">
-                <a:schemeClr val="accent1"/>
-              </a:effectRef>
-              <a:fontRef idx="minor">
-                <a:schemeClr val="lt1"/>
-              </a:fontRef>
-            </p:style>
-            <p:txBody>
-              <a:bodyPr rtlCol="0" anchor="ctr"/>
-              <a:lstStyle/>
-              <a:p>
-                <a:pPr algn="ctr"/>
-                <a:endParaRPr lang="en-US"/>
-              </a:p>
-            </p:txBody>
-          </p:sp>
-          <p:sp>
-            <p:nvSpPr>
-              <p:cNvPr id="13" name="Rectangle 12">
-                <a:extLst>
-                  <a:ext uri="{FF2B5EF4-FFF2-40B4-BE49-F238E27FC236}">
-                    <a16:creationId xmlns:a16="http://schemas.microsoft.com/office/drawing/2014/main" id="{1939D956-42D2-4053-E684-99841779C72A}"/>
-                  </a:ext>
-                </a:extLst>
-              </p:cNvPr>
-              <p:cNvSpPr/>
-              <p:nvPr/>
-            </p:nvSpPr>
-            <p:spPr>
-              <a:xfrm>
-                <a:off x="4383741" y="2566311"/>
-                <a:ext cx="92945" cy="565898"/>
-              </a:xfrm>
-              <a:prstGeom prst="rect">
-                <a:avLst/>
-              </a:prstGeom>
-              <a:solidFill>
-                <a:schemeClr val="bg1"/>
-              </a:solidFill>
-              <a:ln>
-                <a:solidFill>
-                  <a:schemeClr val="tx1"/>
-                </a:solidFill>
-              </a:ln>
-            </p:spPr>
-            <p:style>
-              <a:lnRef idx="2">
-                <a:schemeClr val="accent1">
-                  <a:shade val="50000"/>
-                </a:schemeClr>
-              </a:lnRef>
-              <a:fillRef idx="1">
-                <a:schemeClr val="accent1"/>
-              </a:fillRef>
-              <a:effectRef idx="0">
-                <a:schemeClr val="accent1"/>
-              </a:effectRef>
-              <a:fontRef idx="minor">
-                <a:schemeClr val="lt1"/>
-              </a:fontRef>
-            </p:style>
-            <p:txBody>
-              <a:bodyPr rtlCol="0" anchor="ctr"/>
-              <a:lstStyle/>
-              <a:p>
-                <a:pPr algn="ctr"/>
-                <a:endParaRPr lang="en-US"/>
-              </a:p>
-            </p:txBody>
-          </p:sp>
-          <p:sp>
-            <p:nvSpPr>
-              <p:cNvPr id="14" name="Rectangle 13">
-                <a:extLst>
-                  <a:ext uri="{FF2B5EF4-FFF2-40B4-BE49-F238E27FC236}">
-                    <a16:creationId xmlns:a16="http://schemas.microsoft.com/office/drawing/2014/main" id="{FED12CCB-2C44-C566-7121-F08C317E02CF}"/>
-                  </a:ext>
-                </a:extLst>
-              </p:cNvPr>
-              <p:cNvSpPr/>
-              <p:nvPr/>
-            </p:nvSpPr>
-            <p:spPr>
-              <a:xfrm>
-                <a:off x="4383741" y="3121260"/>
-                <a:ext cx="92945" cy="565898"/>
-              </a:xfrm>
-              <a:prstGeom prst="rect">
-                <a:avLst/>
-              </a:prstGeom>
-              <a:solidFill>
-                <a:srgbClr val="0070C0"/>
-              </a:solidFill>
-              <a:ln>
-                <a:solidFill>
-                  <a:schemeClr val="tx1"/>
-                </a:solidFill>
-              </a:ln>
-            </p:spPr>
-            <p:style>
-              <a:lnRef idx="2">
-                <a:schemeClr val="accent1">
-                  <a:shade val="50000"/>
-                </a:schemeClr>
-              </a:lnRef>
-              <a:fillRef idx="1">
-                <a:schemeClr val="accent1"/>
-              </a:fillRef>
-              <a:effectRef idx="0">
-                <a:schemeClr val="accent1"/>
-              </a:effectRef>
-              <a:fontRef idx="minor">
-                <a:schemeClr val="lt1"/>
-              </a:fontRef>
-            </p:style>
-            <p:txBody>
-              <a:bodyPr rtlCol="0" anchor="ctr"/>
-              <a:lstStyle/>
-              <a:p>
-                <a:pPr algn="ctr"/>
-                <a:endParaRPr lang="en-US"/>
-              </a:p>
-            </p:txBody>
-          </p:sp>
-          <p:sp>
-            <p:nvSpPr>
-              <p:cNvPr id="15" name="TextBox 14">
-                <a:extLst>
-                  <a:ext uri="{FF2B5EF4-FFF2-40B4-BE49-F238E27FC236}">
-                    <a16:creationId xmlns:a16="http://schemas.microsoft.com/office/drawing/2014/main" id="{35DC3F7C-1B14-9F4B-41D3-319C6926EB0F}"/>
-                  </a:ext>
-                </a:extLst>
-              </p:cNvPr>
-              <p:cNvSpPr txBox="1"/>
-              <p:nvPr/>
-            </p:nvSpPr>
-            <p:spPr>
-              <a:xfrm>
-                <a:off x="4684449" y="2079496"/>
-                <a:ext cx="580608" cy="369332"/>
-              </a:xfrm>
-              <a:prstGeom prst="rect">
-                <a:avLst/>
-              </a:prstGeom>
-              <a:noFill/>
-            </p:spPr>
-            <p:txBody>
-              <a:bodyPr wrap="none" rtlCol="0">
-                <a:spAutoFit/>
-              </a:bodyPr>
-              <a:lstStyle/>
-              <a:p>
-                <a:r>
-                  <a:rPr lang="en-US" dirty="0"/>
-                  <a:t>&gt; 0</a:t>
-                </a:r>
-                <a:r>
-                  <a:rPr lang="en-US" i="1" dirty="0"/>
-                  <a:t>e</a:t>
-                </a:r>
-                <a:endParaRPr lang="en-US" dirty="0"/>
-              </a:p>
-            </p:txBody>
-          </p:sp>
-          <p:sp>
-            <p:nvSpPr>
-              <p:cNvPr id="16" name="TextBox 15">
-                <a:extLst>
-                  <a:ext uri="{FF2B5EF4-FFF2-40B4-BE49-F238E27FC236}">
-                    <a16:creationId xmlns:a16="http://schemas.microsoft.com/office/drawing/2014/main" id="{6D60FED0-9C2B-5431-03DC-F8B027F8335C}"/>
-                  </a:ext>
-                </a:extLst>
-              </p:cNvPr>
-              <p:cNvSpPr txBox="1"/>
-              <p:nvPr/>
-            </p:nvSpPr>
-            <p:spPr>
-              <a:xfrm>
-                <a:off x="4684449" y="2668379"/>
-                <a:ext cx="580608" cy="369332"/>
-              </a:xfrm>
-              <a:prstGeom prst="rect">
-                <a:avLst/>
-              </a:prstGeom>
-              <a:noFill/>
-            </p:spPr>
-            <p:txBody>
-              <a:bodyPr wrap="none" rtlCol="0">
-                <a:spAutoFit/>
-              </a:bodyPr>
-              <a:lstStyle/>
-              <a:p>
-                <a:r>
-                  <a:rPr lang="en-US" dirty="0"/>
-                  <a:t>= 0</a:t>
-                </a:r>
-                <a:r>
-                  <a:rPr lang="en-US" i="1" dirty="0"/>
-                  <a:t>e</a:t>
-                </a:r>
-                <a:endParaRPr lang="en-US" dirty="0"/>
-              </a:p>
-            </p:txBody>
-          </p:sp>
-          <p:sp>
-            <p:nvSpPr>
-              <p:cNvPr id="17" name="TextBox 16">
-                <a:extLst>
-                  <a:ext uri="{FF2B5EF4-FFF2-40B4-BE49-F238E27FC236}">
-                    <a16:creationId xmlns:a16="http://schemas.microsoft.com/office/drawing/2014/main" id="{0677AD1C-BF26-1122-6D43-B72D999209C5}"/>
-                  </a:ext>
-                </a:extLst>
-              </p:cNvPr>
-              <p:cNvSpPr txBox="1"/>
-              <p:nvPr/>
-            </p:nvSpPr>
-            <p:spPr>
-              <a:xfrm>
-                <a:off x="4684449" y="3244334"/>
-                <a:ext cx="580608" cy="369332"/>
-              </a:xfrm>
-              <a:prstGeom prst="rect">
-                <a:avLst/>
-              </a:prstGeom>
-              <a:noFill/>
-            </p:spPr>
-            <p:txBody>
-              <a:bodyPr wrap="none" rtlCol="0">
-                <a:spAutoFit/>
-              </a:bodyPr>
-              <a:lstStyle/>
-              <a:p>
-                <a:r>
-                  <a:rPr lang="en-US" dirty="0"/>
-                  <a:t>&lt; 0</a:t>
-                </a:r>
-                <a:r>
-                  <a:rPr lang="en-US" i="1" dirty="0"/>
-                  <a:t>e</a:t>
-                </a:r>
-                <a:endParaRPr lang="en-US" dirty="0"/>
-              </a:p>
-            </p:txBody>
-          </p:sp>
-        </p:grpSp>
-        <p:sp>
-          <p:nvSpPr>
-            <p:cNvPr id="36" name="Rectangle 35">
-              <a:extLst>
-                <a:ext uri="{FF2B5EF4-FFF2-40B4-BE49-F238E27FC236}">
-                  <a16:creationId xmlns:a16="http://schemas.microsoft.com/office/drawing/2014/main" id="{5B67F721-699E-B7C7-70DC-58B4B685290F}"/>
+                  <a16:creationId xmlns:a16="http://schemas.microsoft.com/office/drawing/2014/main" id="{6B584A60-3ABC-A66F-3EE1-BC443B9CEDFB}"/>
                 </a:ext>
               </a:extLst>
             </p:cNvPr>
@@ -5093,18 +4769,18 @@
           </p:nvSpPr>
           <p:spPr>
             <a:xfrm>
-              <a:off x="2599765" y="4060768"/>
-              <a:ext cx="1407459" cy="271900"/>
+              <a:off x="4383741" y="2002095"/>
+              <a:ext cx="92945" cy="565898"/>
             </a:xfrm>
             <a:prstGeom prst="rect">
               <a:avLst/>
             </a:prstGeom>
             <a:solidFill>
-              <a:schemeClr val="bg1"/>
+              <a:srgbClr val="C00000"/>
             </a:solidFill>
             <a:ln>
               <a:solidFill>
-                <a:schemeClr val="bg1"/>
+                <a:schemeClr val="tx1"/>
               </a:solidFill>
             </a:ln>
           </p:spPr>
@@ -5133,487 +4809,12 @@
             </a:p>
           </p:txBody>
         </p:sp>
-      </p:grpSp>
-      <p:grpSp>
-        <p:nvGrpSpPr>
-          <p:cNvPr id="39" name="Group 38">
-            <a:extLst>
-              <a:ext uri="{FF2B5EF4-FFF2-40B4-BE49-F238E27FC236}">
-                <a16:creationId xmlns:a16="http://schemas.microsoft.com/office/drawing/2014/main" id="{D3B20DF8-5586-E2CE-8195-96FD88C33AFB}"/>
-              </a:ext>
-            </a:extLst>
-          </p:cNvPr>
-          <p:cNvGrpSpPr/>
-          <p:nvPr/>
-        </p:nvGrpSpPr>
-        <p:grpSpPr>
-          <a:xfrm>
-            <a:off x="691299" y="5036373"/>
-            <a:ext cx="10318456" cy="1579580"/>
-            <a:chOff x="745088" y="5278420"/>
-            <a:chExt cx="10318456" cy="1579580"/>
-          </a:xfrm>
-        </p:grpSpPr>
-        <p:grpSp>
-          <p:nvGrpSpPr>
-            <p:cNvPr id="6" name="Group 5">
+        <p:sp>
+          <p:nvSpPr>
+            <p:cNvPr id="13" name="Rectangle 12">
               <a:extLst>
                 <a:ext uri="{FF2B5EF4-FFF2-40B4-BE49-F238E27FC236}">
-                  <a16:creationId xmlns:a16="http://schemas.microsoft.com/office/drawing/2014/main" id="{AB562B32-FF9F-A104-3D96-3A306A3416EA}"/>
-                </a:ext>
-              </a:extLst>
-            </p:cNvPr>
-            <p:cNvGrpSpPr/>
-            <p:nvPr/>
-          </p:nvGrpSpPr>
-          <p:grpSpPr>
-            <a:xfrm>
-              <a:off x="2275031" y="5336157"/>
-              <a:ext cx="8094011" cy="1521843"/>
-              <a:chOff x="396815" y="4224676"/>
-              <a:chExt cx="10748513" cy="2020944"/>
-            </a:xfrm>
-          </p:grpSpPr>
-          <p:pic>
-            <p:nvPicPr>
-              <p:cNvPr id="7" name="Picture 4">
-                <a:extLst>
-                  <a:ext uri="{FF2B5EF4-FFF2-40B4-BE49-F238E27FC236}">
-                    <a16:creationId xmlns:a16="http://schemas.microsoft.com/office/drawing/2014/main" id="{EA2AB2D4-FBBF-4F7B-D3C4-A542E463C815}"/>
-                  </a:ext>
-                </a:extLst>
-              </p:cNvPr>
-              <p:cNvPicPr>
-                <a:picLocks noChangeAspect="1" noChangeArrowheads="1"/>
-              </p:cNvPicPr>
-              <p:nvPr/>
-            </p:nvPicPr>
-            <p:blipFill>
-              <a:blip r:embed="rId4">
-                <a:extLst>
-                  <a:ext uri="{28A0092B-C50C-407E-A947-70E740481C1C}">
-                    <a14:useLocalDpi xmlns:a14="http://schemas.microsoft.com/office/drawing/2010/main" val="0"/>
-                  </a:ext>
-                </a:extLst>
-              </a:blip>
-              <a:srcRect/>
-              <a:stretch>
-                <a:fillRect/>
-              </a:stretch>
-            </p:blipFill>
-            <p:spPr bwMode="auto">
-              <a:xfrm>
-                <a:off x="396815" y="4224676"/>
-                <a:ext cx="10748513" cy="2020944"/>
-              </a:xfrm>
-              <a:prstGeom prst="rect">
-                <a:avLst/>
-              </a:prstGeom>
-              <a:noFill/>
-              <a:extLst>
-                <a:ext uri="{909E8E84-426E-40DD-AFC4-6F175D3DCCD1}">
-                  <a14:hiddenFill xmlns:a14="http://schemas.microsoft.com/office/drawing/2010/main">
-                    <a:solidFill>
-                      <a:srgbClr val="FFFFFF"/>
-                    </a:solidFill>
-                  </a14:hiddenFill>
-                </a:ext>
-              </a:extLst>
-            </p:spPr>
-          </p:pic>
-          <p:pic>
-            <p:nvPicPr>
-              <p:cNvPr id="8" name="Picture 7">
-                <a:extLst>
-                  <a:ext uri="{FF2B5EF4-FFF2-40B4-BE49-F238E27FC236}">
-                    <a16:creationId xmlns:a16="http://schemas.microsoft.com/office/drawing/2014/main" id="{5DB56BE0-E5A6-2D54-009C-F87985FDB5E0}"/>
-                  </a:ext>
-                </a:extLst>
-              </p:cNvPr>
-              <p:cNvPicPr>
-                <a:picLocks noChangeAspect="1" noChangeArrowheads="1"/>
-              </p:cNvPicPr>
-              <p:nvPr/>
-            </p:nvPicPr>
-            <p:blipFill rotWithShape="1">
-              <a:blip r:embed="rId5">
-                <a:extLst>
-                  <a:ext uri="{28A0092B-C50C-407E-A947-70E740481C1C}">
-                    <a14:useLocalDpi xmlns:a14="http://schemas.microsoft.com/office/drawing/2010/main" val="0"/>
-                  </a:ext>
-                </a:extLst>
-              </a:blip>
-              <a:srcRect l="4913" r="4449"/>
-              <a:stretch/>
-            </p:blipFill>
-            <p:spPr bwMode="auto">
-              <a:xfrm>
-                <a:off x="483079" y="4726072"/>
-                <a:ext cx="10662249" cy="941480"/>
-              </a:xfrm>
-              <a:prstGeom prst="rect">
-                <a:avLst/>
-              </a:prstGeom>
-              <a:noFill/>
-              <a:extLst>
-                <a:ext uri="{909E8E84-426E-40DD-AFC4-6F175D3DCCD1}">
-                  <a14:hiddenFill xmlns:a14="http://schemas.microsoft.com/office/drawing/2010/main">
-                    <a:solidFill>
-                      <a:srgbClr val="FFFFFF"/>
-                    </a:solidFill>
-                  </a14:hiddenFill>
-                </a:ext>
-              </a:extLst>
-            </p:spPr>
-          </p:pic>
-        </p:grpSp>
-        <p:sp>
-          <p:nvSpPr>
-            <p:cNvPr id="10" name="TextBox 9">
-              <a:extLst>
-                <a:ext uri="{FF2B5EF4-FFF2-40B4-BE49-F238E27FC236}">
-                  <a16:creationId xmlns:a16="http://schemas.microsoft.com/office/drawing/2014/main" id="{AAB5ABFF-EF1E-8C5D-BDD2-0A921ED54A2C}"/>
-                </a:ext>
-              </a:extLst>
-            </p:cNvPr>
-            <p:cNvSpPr txBox="1"/>
-            <p:nvPr/>
-          </p:nvSpPr>
-          <p:spPr>
-            <a:xfrm>
-              <a:off x="745088" y="5904653"/>
-              <a:ext cx="1535131" cy="369332"/>
-            </a:xfrm>
-            <a:prstGeom prst="rect">
-              <a:avLst/>
-            </a:prstGeom>
-            <a:solidFill>
-              <a:schemeClr val="bg1"/>
-            </a:solidFill>
-          </p:spPr>
-          <p:txBody>
-            <a:bodyPr wrap="square" rtlCol="0">
-              <a:spAutoFit/>
-            </a:bodyPr>
-            <a:lstStyle/>
-            <a:p>
-              <a:pPr algn="ctr"/>
-              <a:r>
-                <a:rPr lang="en-US" b="1" dirty="0"/>
-                <a:t>NFH, pH 7.44</a:t>
-              </a:r>
-            </a:p>
-          </p:txBody>
-        </p:sp>
-        <p:grpSp>
-          <p:nvGrpSpPr>
-            <p:cNvPr id="18" name="Group 17">
-              <a:extLst>
-                <a:ext uri="{FF2B5EF4-FFF2-40B4-BE49-F238E27FC236}">
-                  <a16:creationId xmlns:a16="http://schemas.microsoft.com/office/drawing/2014/main" id="{03D3AF34-66B3-2F46-975A-827AB6113075}"/>
-                </a:ext>
-              </a:extLst>
-            </p:cNvPr>
-            <p:cNvGrpSpPr/>
-            <p:nvPr/>
-          </p:nvGrpSpPr>
-          <p:grpSpPr>
-            <a:xfrm>
-              <a:off x="10542056" y="5550832"/>
-              <a:ext cx="521488" cy="997076"/>
-              <a:chOff x="4383741" y="2002095"/>
-              <a:chExt cx="881316" cy="1685063"/>
-            </a:xfrm>
-          </p:grpSpPr>
-          <p:sp>
-            <p:nvSpPr>
-              <p:cNvPr id="19" name="Rectangle 18">
-                <a:extLst>
-                  <a:ext uri="{FF2B5EF4-FFF2-40B4-BE49-F238E27FC236}">
-                    <a16:creationId xmlns:a16="http://schemas.microsoft.com/office/drawing/2014/main" id="{37CF844A-2CFF-7142-25B4-D4F00BEE1026}"/>
-                  </a:ext>
-                </a:extLst>
-              </p:cNvPr>
-              <p:cNvSpPr/>
-              <p:nvPr/>
-            </p:nvSpPr>
-            <p:spPr>
-              <a:xfrm>
-                <a:off x="4383741" y="2002095"/>
-                <a:ext cx="92945" cy="565898"/>
-              </a:xfrm>
-              <a:prstGeom prst="rect">
-                <a:avLst/>
-              </a:prstGeom>
-              <a:solidFill>
-                <a:srgbClr val="C00000"/>
-              </a:solidFill>
-              <a:ln>
-                <a:solidFill>
-                  <a:schemeClr val="tx1"/>
-                </a:solidFill>
-              </a:ln>
-            </p:spPr>
-            <p:style>
-              <a:lnRef idx="2">
-                <a:schemeClr val="accent1">
-                  <a:shade val="50000"/>
-                </a:schemeClr>
-              </a:lnRef>
-              <a:fillRef idx="1">
-                <a:schemeClr val="accent1"/>
-              </a:fillRef>
-              <a:effectRef idx="0">
-                <a:schemeClr val="accent1"/>
-              </a:effectRef>
-              <a:fontRef idx="minor">
-                <a:schemeClr val="lt1"/>
-              </a:fontRef>
-            </p:style>
-            <p:txBody>
-              <a:bodyPr rtlCol="0" anchor="ctr"/>
-              <a:lstStyle/>
-              <a:p>
-                <a:pPr algn="ctr"/>
-                <a:endParaRPr lang="en-US"/>
-              </a:p>
-            </p:txBody>
-          </p:sp>
-          <p:sp>
-            <p:nvSpPr>
-              <p:cNvPr id="20" name="Rectangle 19">
-                <a:extLst>
-                  <a:ext uri="{FF2B5EF4-FFF2-40B4-BE49-F238E27FC236}">
-                    <a16:creationId xmlns:a16="http://schemas.microsoft.com/office/drawing/2014/main" id="{D33D9FF3-0263-DFA2-C486-21392382DCF4}"/>
-                  </a:ext>
-                </a:extLst>
-              </p:cNvPr>
-              <p:cNvSpPr/>
-              <p:nvPr/>
-            </p:nvSpPr>
-            <p:spPr>
-              <a:xfrm>
-                <a:off x="4383741" y="2566311"/>
-                <a:ext cx="92945" cy="565898"/>
-              </a:xfrm>
-              <a:prstGeom prst="rect">
-                <a:avLst/>
-              </a:prstGeom>
-              <a:solidFill>
-                <a:schemeClr val="bg1"/>
-              </a:solidFill>
-              <a:ln>
-                <a:solidFill>
-                  <a:schemeClr val="tx1"/>
-                </a:solidFill>
-              </a:ln>
-            </p:spPr>
-            <p:style>
-              <a:lnRef idx="2">
-                <a:schemeClr val="accent1">
-                  <a:shade val="50000"/>
-                </a:schemeClr>
-              </a:lnRef>
-              <a:fillRef idx="1">
-                <a:schemeClr val="accent1"/>
-              </a:fillRef>
-              <a:effectRef idx="0">
-                <a:schemeClr val="accent1"/>
-              </a:effectRef>
-              <a:fontRef idx="minor">
-                <a:schemeClr val="lt1"/>
-              </a:fontRef>
-            </p:style>
-            <p:txBody>
-              <a:bodyPr rtlCol="0" anchor="ctr"/>
-              <a:lstStyle/>
-              <a:p>
-                <a:pPr algn="ctr"/>
-                <a:endParaRPr lang="en-US"/>
-              </a:p>
-            </p:txBody>
-          </p:sp>
-          <p:sp>
-            <p:nvSpPr>
-              <p:cNvPr id="21" name="Rectangle 20">
-                <a:extLst>
-                  <a:ext uri="{FF2B5EF4-FFF2-40B4-BE49-F238E27FC236}">
-                    <a16:creationId xmlns:a16="http://schemas.microsoft.com/office/drawing/2014/main" id="{7A059B67-6E77-0A20-A8E6-FB8E9B471DBA}"/>
-                  </a:ext>
-                </a:extLst>
-              </p:cNvPr>
-              <p:cNvSpPr/>
-              <p:nvPr/>
-            </p:nvSpPr>
-            <p:spPr>
-              <a:xfrm>
-                <a:off x="4383741" y="3121260"/>
-                <a:ext cx="92945" cy="565898"/>
-              </a:xfrm>
-              <a:prstGeom prst="rect">
-                <a:avLst/>
-              </a:prstGeom>
-              <a:solidFill>
-                <a:srgbClr val="0070C0"/>
-              </a:solidFill>
-              <a:ln>
-                <a:solidFill>
-                  <a:schemeClr val="tx1"/>
-                </a:solidFill>
-              </a:ln>
-            </p:spPr>
-            <p:style>
-              <a:lnRef idx="2">
-                <a:schemeClr val="accent1">
-                  <a:shade val="50000"/>
-                </a:schemeClr>
-              </a:lnRef>
-              <a:fillRef idx="1">
-                <a:schemeClr val="accent1"/>
-              </a:fillRef>
-              <a:effectRef idx="0">
-                <a:schemeClr val="accent1"/>
-              </a:effectRef>
-              <a:fontRef idx="minor">
-                <a:schemeClr val="lt1"/>
-              </a:fontRef>
-            </p:style>
-            <p:txBody>
-              <a:bodyPr rtlCol="0" anchor="ctr"/>
-              <a:lstStyle/>
-              <a:p>
-                <a:pPr algn="ctr"/>
-                <a:endParaRPr lang="en-US"/>
-              </a:p>
-            </p:txBody>
-          </p:sp>
-          <p:sp>
-            <p:nvSpPr>
-              <p:cNvPr id="22" name="TextBox 21">
-                <a:extLst>
-                  <a:ext uri="{FF2B5EF4-FFF2-40B4-BE49-F238E27FC236}">
-                    <a16:creationId xmlns:a16="http://schemas.microsoft.com/office/drawing/2014/main" id="{58344487-4760-E3CD-0666-1E59039E9A9D}"/>
-                  </a:ext>
-                </a:extLst>
-              </p:cNvPr>
-              <p:cNvSpPr txBox="1"/>
-              <p:nvPr/>
-            </p:nvSpPr>
-            <p:spPr>
-              <a:xfrm>
-                <a:off x="4684449" y="2079496"/>
-                <a:ext cx="580608" cy="369332"/>
-              </a:xfrm>
-              <a:prstGeom prst="rect">
-                <a:avLst/>
-              </a:prstGeom>
-              <a:noFill/>
-            </p:spPr>
-            <p:txBody>
-              <a:bodyPr wrap="none" rtlCol="0">
-                <a:spAutoFit/>
-              </a:bodyPr>
-              <a:lstStyle/>
-              <a:p>
-                <a:r>
-                  <a:rPr lang="en-US" dirty="0"/>
-                  <a:t>&gt; 0</a:t>
-                </a:r>
-                <a:r>
-                  <a:rPr lang="en-US" i="1" dirty="0"/>
-                  <a:t>e</a:t>
-                </a:r>
-                <a:endParaRPr lang="en-US" dirty="0"/>
-              </a:p>
-            </p:txBody>
-          </p:sp>
-          <p:sp>
-            <p:nvSpPr>
-              <p:cNvPr id="23" name="TextBox 22">
-                <a:extLst>
-                  <a:ext uri="{FF2B5EF4-FFF2-40B4-BE49-F238E27FC236}">
-                    <a16:creationId xmlns:a16="http://schemas.microsoft.com/office/drawing/2014/main" id="{859A014F-9A2D-854B-26D4-4E76EB2E7F74}"/>
-                  </a:ext>
-                </a:extLst>
-              </p:cNvPr>
-              <p:cNvSpPr txBox="1"/>
-              <p:nvPr/>
-            </p:nvSpPr>
-            <p:spPr>
-              <a:xfrm>
-                <a:off x="4684449" y="2668379"/>
-                <a:ext cx="580608" cy="369332"/>
-              </a:xfrm>
-              <a:prstGeom prst="rect">
-                <a:avLst/>
-              </a:prstGeom>
-              <a:noFill/>
-            </p:spPr>
-            <p:txBody>
-              <a:bodyPr wrap="none" rtlCol="0">
-                <a:spAutoFit/>
-              </a:bodyPr>
-              <a:lstStyle/>
-              <a:p>
-                <a:r>
-                  <a:rPr lang="en-US" dirty="0"/>
-                  <a:t>= 0</a:t>
-                </a:r>
-                <a:r>
-                  <a:rPr lang="en-US" i="1" dirty="0"/>
-                  <a:t>e</a:t>
-                </a:r>
-                <a:endParaRPr lang="en-US" dirty="0"/>
-              </a:p>
-            </p:txBody>
-          </p:sp>
-          <p:sp>
-            <p:nvSpPr>
-              <p:cNvPr id="24" name="TextBox 23">
-                <a:extLst>
-                  <a:ext uri="{FF2B5EF4-FFF2-40B4-BE49-F238E27FC236}">
-                    <a16:creationId xmlns:a16="http://schemas.microsoft.com/office/drawing/2014/main" id="{C2843518-57CF-32EF-9980-05DB504D06EA}"/>
-                  </a:ext>
-                </a:extLst>
-              </p:cNvPr>
-              <p:cNvSpPr txBox="1"/>
-              <p:nvPr/>
-            </p:nvSpPr>
-            <p:spPr>
-              <a:xfrm>
-                <a:off x="4684449" y="3244334"/>
-                <a:ext cx="580608" cy="369332"/>
-              </a:xfrm>
-              <a:prstGeom prst="rect">
-                <a:avLst/>
-              </a:prstGeom>
-              <a:noFill/>
-            </p:spPr>
-            <p:txBody>
-              <a:bodyPr wrap="none" rtlCol="0">
-                <a:spAutoFit/>
-              </a:bodyPr>
-              <a:lstStyle/>
-              <a:p>
-                <a:r>
-                  <a:rPr lang="en-US" dirty="0"/>
-                  <a:t>&lt; 0</a:t>
-                </a:r>
-                <a:r>
-                  <a:rPr lang="en-US" i="1" dirty="0"/>
-                  <a:t>e</a:t>
-                </a:r>
-                <a:endParaRPr lang="en-US" dirty="0"/>
-              </a:p>
-            </p:txBody>
-          </p:sp>
-        </p:grpSp>
-        <p:sp>
-          <p:nvSpPr>
-            <p:cNvPr id="37" name="Rectangle 36">
-              <a:extLst>
-                <a:ext uri="{FF2B5EF4-FFF2-40B4-BE49-F238E27FC236}">
-                  <a16:creationId xmlns:a16="http://schemas.microsoft.com/office/drawing/2014/main" id="{124C4773-E957-81CE-8A94-910DEFEB47A8}"/>
+                  <a16:creationId xmlns:a16="http://schemas.microsoft.com/office/drawing/2014/main" id="{1939D956-42D2-4053-E684-99841779C72A}"/>
                 </a:ext>
               </a:extLst>
             </p:cNvPr>
@@ -5622,8 +4823,8 @@
           </p:nvSpPr>
           <p:spPr>
             <a:xfrm>
-              <a:off x="5593976" y="5278420"/>
-              <a:ext cx="1464269" cy="271900"/>
+              <a:off x="4383741" y="2566311"/>
+              <a:ext cx="92945" cy="565898"/>
             </a:xfrm>
             <a:prstGeom prst="rect">
               <a:avLst/>
@@ -5633,7 +4834,7 @@
             </a:solidFill>
             <a:ln>
               <a:solidFill>
-                <a:schemeClr val="bg1"/>
+                <a:schemeClr val="tx1"/>
               </a:solidFill>
             </a:ln>
           </p:spPr>
@@ -5662,7 +4863,722 @@
             </a:p>
           </p:txBody>
         </p:sp>
+        <p:sp>
+          <p:nvSpPr>
+            <p:cNvPr id="14" name="Rectangle 13">
+              <a:extLst>
+                <a:ext uri="{FF2B5EF4-FFF2-40B4-BE49-F238E27FC236}">
+                  <a16:creationId xmlns:a16="http://schemas.microsoft.com/office/drawing/2014/main" id="{FED12CCB-2C44-C566-7121-F08C317E02CF}"/>
+                </a:ext>
+              </a:extLst>
+            </p:cNvPr>
+            <p:cNvSpPr/>
+            <p:nvPr/>
+          </p:nvSpPr>
+          <p:spPr>
+            <a:xfrm>
+              <a:off x="4383741" y="3121260"/>
+              <a:ext cx="92945" cy="565898"/>
+            </a:xfrm>
+            <a:prstGeom prst="rect">
+              <a:avLst/>
+            </a:prstGeom>
+            <a:solidFill>
+              <a:srgbClr val="0070C0"/>
+            </a:solidFill>
+            <a:ln>
+              <a:solidFill>
+                <a:schemeClr val="tx1"/>
+              </a:solidFill>
+            </a:ln>
+          </p:spPr>
+          <p:style>
+            <a:lnRef idx="2">
+              <a:schemeClr val="accent1">
+                <a:shade val="50000"/>
+              </a:schemeClr>
+            </a:lnRef>
+            <a:fillRef idx="1">
+              <a:schemeClr val="accent1"/>
+            </a:fillRef>
+            <a:effectRef idx="0">
+              <a:schemeClr val="accent1"/>
+            </a:effectRef>
+            <a:fontRef idx="minor">
+              <a:schemeClr val="lt1"/>
+            </a:fontRef>
+          </p:style>
+          <p:txBody>
+            <a:bodyPr rtlCol="0" anchor="ctr"/>
+            <a:lstStyle/>
+            <a:p>
+              <a:pPr algn="ctr"/>
+              <a:endParaRPr lang="en-US"/>
+            </a:p>
+          </p:txBody>
+        </p:sp>
+        <p:sp>
+          <p:nvSpPr>
+            <p:cNvPr id="15" name="TextBox 14">
+              <a:extLst>
+                <a:ext uri="{FF2B5EF4-FFF2-40B4-BE49-F238E27FC236}">
+                  <a16:creationId xmlns:a16="http://schemas.microsoft.com/office/drawing/2014/main" id="{35DC3F7C-1B14-9F4B-41D3-319C6926EB0F}"/>
+                </a:ext>
+              </a:extLst>
+            </p:cNvPr>
+            <p:cNvSpPr txBox="1"/>
+            <p:nvPr/>
+          </p:nvSpPr>
+          <p:spPr>
+            <a:xfrm>
+              <a:off x="4684449" y="2079496"/>
+              <a:ext cx="580608" cy="369332"/>
+            </a:xfrm>
+            <a:prstGeom prst="rect">
+              <a:avLst/>
+            </a:prstGeom>
+            <a:noFill/>
+          </p:spPr>
+          <p:txBody>
+            <a:bodyPr wrap="none" rtlCol="0">
+              <a:spAutoFit/>
+            </a:bodyPr>
+            <a:lstStyle/>
+            <a:p>
+              <a:r>
+                <a:rPr lang="en-US" dirty="0"/>
+                <a:t>&gt; 0</a:t>
+              </a:r>
+              <a:r>
+                <a:rPr lang="en-US" i="1" dirty="0"/>
+                <a:t>e</a:t>
+              </a:r>
+              <a:endParaRPr lang="en-US" dirty="0"/>
+            </a:p>
+          </p:txBody>
+        </p:sp>
+        <p:sp>
+          <p:nvSpPr>
+            <p:cNvPr id="16" name="TextBox 15">
+              <a:extLst>
+                <a:ext uri="{FF2B5EF4-FFF2-40B4-BE49-F238E27FC236}">
+                  <a16:creationId xmlns:a16="http://schemas.microsoft.com/office/drawing/2014/main" id="{6D60FED0-9C2B-5431-03DC-F8B027F8335C}"/>
+                </a:ext>
+              </a:extLst>
+            </p:cNvPr>
+            <p:cNvSpPr txBox="1"/>
+            <p:nvPr/>
+          </p:nvSpPr>
+          <p:spPr>
+            <a:xfrm>
+              <a:off x="4684449" y="2668379"/>
+              <a:ext cx="580608" cy="369332"/>
+            </a:xfrm>
+            <a:prstGeom prst="rect">
+              <a:avLst/>
+            </a:prstGeom>
+            <a:noFill/>
+          </p:spPr>
+          <p:txBody>
+            <a:bodyPr wrap="none" rtlCol="0">
+              <a:spAutoFit/>
+            </a:bodyPr>
+            <a:lstStyle/>
+            <a:p>
+              <a:r>
+                <a:rPr lang="en-US" dirty="0"/>
+                <a:t>= 0</a:t>
+              </a:r>
+              <a:r>
+                <a:rPr lang="en-US" i="1" dirty="0"/>
+                <a:t>e</a:t>
+              </a:r>
+              <a:endParaRPr lang="en-US" dirty="0"/>
+            </a:p>
+          </p:txBody>
+        </p:sp>
+        <p:sp>
+          <p:nvSpPr>
+            <p:cNvPr id="17" name="TextBox 16">
+              <a:extLst>
+                <a:ext uri="{FF2B5EF4-FFF2-40B4-BE49-F238E27FC236}">
+                  <a16:creationId xmlns:a16="http://schemas.microsoft.com/office/drawing/2014/main" id="{0677AD1C-BF26-1122-6D43-B72D999209C5}"/>
+                </a:ext>
+              </a:extLst>
+            </p:cNvPr>
+            <p:cNvSpPr txBox="1"/>
+            <p:nvPr/>
+          </p:nvSpPr>
+          <p:spPr>
+            <a:xfrm>
+              <a:off x="4684449" y="3244334"/>
+              <a:ext cx="580608" cy="369332"/>
+            </a:xfrm>
+            <a:prstGeom prst="rect">
+              <a:avLst/>
+            </a:prstGeom>
+            <a:noFill/>
+          </p:spPr>
+          <p:txBody>
+            <a:bodyPr wrap="none" rtlCol="0">
+              <a:spAutoFit/>
+            </a:bodyPr>
+            <a:lstStyle/>
+            <a:p>
+              <a:r>
+                <a:rPr lang="en-US" dirty="0"/>
+                <a:t>&lt; 0</a:t>
+              </a:r>
+              <a:r>
+                <a:rPr lang="en-US" i="1" dirty="0"/>
+                <a:t>e</a:t>
+              </a:r>
+              <a:endParaRPr lang="en-US" dirty="0"/>
+            </a:p>
+          </p:txBody>
+        </p:sp>
       </p:grpSp>
+      <p:sp>
+        <p:nvSpPr>
+          <p:cNvPr id="36" name="Rectangle 35">
+            <a:extLst>
+              <a:ext uri="{FF2B5EF4-FFF2-40B4-BE49-F238E27FC236}">
+                <a16:creationId xmlns:a16="http://schemas.microsoft.com/office/drawing/2014/main" id="{5B67F721-699E-B7C7-70DC-58B4B685290F}"/>
+              </a:ext>
+            </a:extLst>
+          </p:cNvPr>
+          <p:cNvSpPr/>
+          <p:nvPr/>
+        </p:nvSpPr>
+        <p:spPr>
+          <a:xfrm>
+            <a:off x="2574847" y="3818756"/>
+            <a:ext cx="1407459" cy="271900"/>
+          </a:xfrm>
+          <a:prstGeom prst="rect">
+            <a:avLst/>
+          </a:prstGeom>
+          <a:solidFill>
+            <a:schemeClr val="bg1"/>
+          </a:solidFill>
+          <a:ln>
+            <a:solidFill>
+              <a:schemeClr val="bg1"/>
+            </a:solidFill>
+          </a:ln>
+        </p:spPr>
+        <p:style>
+          <a:lnRef idx="2">
+            <a:schemeClr val="accent1">
+              <a:shade val="50000"/>
+            </a:schemeClr>
+          </a:lnRef>
+          <a:fillRef idx="1">
+            <a:schemeClr val="accent1"/>
+          </a:fillRef>
+          <a:effectRef idx="0">
+            <a:schemeClr val="accent1"/>
+          </a:effectRef>
+          <a:fontRef idx="minor">
+            <a:schemeClr val="lt1"/>
+          </a:fontRef>
+        </p:style>
+        <p:txBody>
+          <a:bodyPr rtlCol="0" anchor="ctr"/>
+          <a:lstStyle/>
+          <a:p>
+            <a:pPr algn="ctr"/>
+            <a:endParaRPr lang="en-US"/>
+          </a:p>
+        </p:txBody>
+      </p:sp>
+      <p:pic>
+        <p:nvPicPr>
+          <p:cNvPr id="7" name="Picture 4">
+            <a:extLst>
+              <a:ext uri="{FF2B5EF4-FFF2-40B4-BE49-F238E27FC236}">
+                <a16:creationId xmlns:a16="http://schemas.microsoft.com/office/drawing/2014/main" id="{EA2AB2D4-FBBF-4F7B-D3C4-A542E463C815}"/>
+              </a:ext>
+            </a:extLst>
+          </p:cNvPr>
+          <p:cNvPicPr>
+            <a:picLocks noChangeAspect="1" noChangeArrowheads="1"/>
+          </p:cNvPicPr>
+          <p:nvPr/>
+        </p:nvPicPr>
+        <p:blipFill>
+          <a:blip r:embed="rId4">
+            <a:extLst>
+              <a:ext uri="{28A0092B-C50C-407E-A947-70E740481C1C}">
+                <a14:useLocalDpi xmlns:a14="http://schemas.microsoft.com/office/drawing/2010/main" val="0"/>
+              </a:ext>
+            </a:extLst>
+          </a:blip>
+          <a:srcRect/>
+          <a:stretch>
+            <a:fillRect/>
+          </a:stretch>
+        </p:blipFill>
+        <p:spPr bwMode="auto">
+          <a:xfrm>
+            <a:off x="2221242" y="5094110"/>
+            <a:ext cx="8094011" cy="1521843"/>
+          </a:xfrm>
+          <a:prstGeom prst="rect">
+            <a:avLst/>
+          </a:prstGeom>
+          <a:noFill/>
+          <a:extLst>
+            <a:ext uri="{909E8E84-426E-40DD-AFC4-6F175D3DCCD1}">
+              <a14:hiddenFill xmlns:a14="http://schemas.microsoft.com/office/drawing/2010/main">
+                <a:solidFill>
+                  <a:srgbClr val="FFFFFF"/>
+                </a:solidFill>
+              </a14:hiddenFill>
+            </a:ext>
+          </a:extLst>
+        </p:spPr>
+      </p:pic>
+      <p:pic>
+        <p:nvPicPr>
+          <p:cNvPr id="8" name="Picture 7">
+            <a:extLst>
+              <a:ext uri="{FF2B5EF4-FFF2-40B4-BE49-F238E27FC236}">
+                <a16:creationId xmlns:a16="http://schemas.microsoft.com/office/drawing/2014/main" id="{5DB56BE0-E5A6-2D54-009C-F87985FDB5E0}"/>
+              </a:ext>
+            </a:extLst>
+          </p:cNvPr>
+          <p:cNvPicPr>
+            <a:picLocks noChangeAspect="1" noChangeArrowheads="1"/>
+          </p:cNvPicPr>
+          <p:nvPr/>
+        </p:nvPicPr>
+        <p:blipFill rotWithShape="1">
+          <a:blip r:embed="rId5">
+            <a:extLst>
+              <a:ext uri="{28A0092B-C50C-407E-A947-70E740481C1C}">
+                <a14:useLocalDpi xmlns:a14="http://schemas.microsoft.com/office/drawing/2010/main" val="0"/>
+              </a:ext>
+            </a:extLst>
+          </a:blip>
+          <a:srcRect l="4913" r="4449"/>
+          <a:stretch/>
+        </p:blipFill>
+        <p:spPr bwMode="auto">
+          <a:xfrm>
+            <a:off x="2286202" y="5471679"/>
+            <a:ext cx="8029051" cy="708968"/>
+          </a:xfrm>
+          <a:prstGeom prst="rect">
+            <a:avLst/>
+          </a:prstGeom>
+          <a:noFill/>
+          <a:extLst>
+            <a:ext uri="{909E8E84-426E-40DD-AFC4-6F175D3DCCD1}">
+              <a14:hiddenFill xmlns:a14="http://schemas.microsoft.com/office/drawing/2010/main">
+                <a:solidFill>
+                  <a:srgbClr val="FFFFFF"/>
+                </a:solidFill>
+              </a14:hiddenFill>
+            </a:ext>
+          </a:extLst>
+        </p:spPr>
+      </p:pic>
+      <p:sp>
+        <p:nvSpPr>
+          <p:cNvPr id="10" name="TextBox 9">
+            <a:extLst>
+              <a:ext uri="{FF2B5EF4-FFF2-40B4-BE49-F238E27FC236}">
+                <a16:creationId xmlns:a16="http://schemas.microsoft.com/office/drawing/2014/main" id="{AAB5ABFF-EF1E-8C5D-BDD2-0A921ED54A2C}"/>
+              </a:ext>
+            </a:extLst>
+          </p:cNvPr>
+          <p:cNvSpPr txBox="1"/>
+          <p:nvPr/>
+        </p:nvSpPr>
+        <p:spPr>
+          <a:xfrm>
+            <a:off x="691299" y="5662606"/>
+            <a:ext cx="1535131" cy="369332"/>
+          </a:xfrm>
+          <a:prstGeom prst="rect">
+            <a:avLst/>
+          </a:prstGeom>
+          <a:solidFill>
+            <a:schemeClr val="bg1"/>
+          </a:solidFill>
+        </p:spPr>
+        <p:txBody>
+          <a:bodyPr wrap="square" rtlCol="0">
+            <a:spAutoFit/>
+          </a:bodyPr>
+          <a:lstStyle/>
+          <a:p>
+            <a:pPr algn="ctr"/>
+            <a:r>
+              <a:rPr lang="en-US" b="1" dirty="0"/>
+              <a:t>NFH, pH 7.44</a:t>
+            </a:r>
+          </a:p>
+        </p:txBody>
+      </p:sp>
+      <p:grpSp>
+        <p:nvGrpSpPr>
+          <p:cNvPr id="18" name="Group 17">
+            <a:extLst>
+              <a:ext uri="{FF2B5EF4-FFF2-40B4-BE49-F238E27FC236}">
+                <a16:creationId xmlns:a16="http://schemas.microsoft.com/office/drawing/2014/main" id="{03D3AF34-66B3-2F46-975A-827AB6113075}"/>
+              </a:ext>
+            </a:extLst>
+          </p:cNvPr>
+          <p:cNvGrpSpPr/>
+          <p:nvPr/>
+        </p:nvGrpSpPr>
+        <p:grpSpPr>
+          <a:xfrm>
+            <a:off x="10488267" y="5308785"/>
+            <a:ext cx="521488" cy="997076"/>
+            <a:chOff x="4383741" y="2002095"/>
+            <a:chExt cx="881316" cy="1685063"/>
+          </a:xfrm>
+        </p:grpSpPr>
+        <p:sp>
+          <p:nvSpPr>
+            <p:cNvPr id="19" name="Rectangle 18">
+              <a:extLst>
+                <a:ext uri="{FF2B5EF4-FFF2-40B4-BE49-F238E27FC236}">
+                  <a16:creationId xmlns:a16="http://schemas.microsoft.com/office/drawing/2014/main" id="{37CF844A-2CFF-7142-25B4-D4F00BEE1026}"/>
+                </a:ext>
+              </a:extLst>
+            </p:cNvPr>
+            <p:cNvSpPr/>
+            <p:nvPr/>
+          </p:nvSpPr>
+          <p:spPr>
+            <a:xfrm>
+              <a:off x="4383741" y="2002095"/>
+              <a:ext cx="92945" cy="565898"/>
+            </a:xfrm>
+            <a:prstGeom prst="rect">
+              <a:avLst/>
+            </a:prstGeom>
+            <a:solidFill>
+              <a:srgbClr val="C00000"/>
+            </a:solidFill>
+            <a:ln>
+              <a:solidFill>
+                <a:schemeClr val="tx1"/>
+              </a:solidFill>
+            </a:ln>
+          </p:spPr>
+          <p:style>
+            <a:lnRef idx="2">
+              <a:schemeClr val="accent1">
+                <a:shade val="50000"/>
+              </a:schemeClr>
+            </a:lnRef>
+            <a:fillRef idx="1">
+              <a:schemeClr val="accent1"/>
+            </a:fillRef>
+            <a:effectRef idx="0">
+              <a:schemeClr val="accent1"/>
+            </a:effectRef>
+            <a:fontRef idx="minor">
+              <a:schemeClr val="lt1"/>
+            </a:fontRef>
+          </p:style>
+          <p:txBody>
+            <a:bodyPr rtlCol="0" anchor="ctr"/>
+            <a:lstStyle/>
+            <a:p>
+              <a:pPr algn="ctr"/>
+              <a:endParaRPr lang="en-US"/>
+            </a:p>
+          </p:txBody>
+        </p:sp>
+        <p:sp>
+          <p:nvSpPr>
+            <p:cNvPr id="20" name="Rectangle 19">
+              <a:extLst>
+                <a:ext uri="{FF2B5EF4-FFF2-40B4-BE49-F238E27FC236}">
+                  <a16:creationId xmlns:a16="http://schemas.microsoft.com/office/drawing/2014/main" id="{D33D9FF3-0263-DFA2-C486-21392382DCF4}"/>
+                </a:ext>
+              </a:extLst>
+            </p:cNvPr>
+            <p:cNvSpPr/>
+            <p:nvPr/>
+          </p:nvSpPr>
+          <p:spPr>
+            <a:xfrm>
+              <a:off x="4383741" y="2566311"/>
+              <a:ext cx="92945" cy="565898"/>
+            </a:xfrm>
+            <a:prstGeom prst="rect">
+              <a:avLst/>
+            </a:prstGeom>
+            <a:solidFill>
+              <a:schemeClr val="bg1"/>
+            </a:solidFill>
+            <a:ln>
+              <a:solidFill>
+                <a:schemeClr val="tx1"/>
+              </a:solidFill>
+            </a:ln>
+          </p:spPr>
+          <p:style>
+            <a:lnRef idx="2">
+              <a:schemeClr val="accent1">
+                <a:shade val="50000"/>
+              </a:schemeClr>
+            </a:lnRef>
+            <a:fillRef idx="1">
+              <a:schemeClr val="accent1"/>
+            </a:fillRef>
+            <a:effectRef idx="0">
+              <a:schemeClr val="accent1"/>
+            </a:effectRef>
+            <a:fontRef idx="minor">
+              <a:schemeClr val="lt1"/>
+            </a:fontRef>
+          </p:style>
+          <p:txBody>
+            <a:bodyPr rtlCol="0" anchor="ctr"/>
+            <a:lstStyle/>
+            <a:p>
+              <a:pPr algn="ctr"/>
+              <a:endParaRPr lang="en-US"/>
+            </a:p>
+          </p:txBody>
+        </p:sp>
+        <p:sp>
+          <p:nvSpPr>
+            <p:cNvPr id="21" name="Rectangle 20">
+              <a:extLst>
+                <a:ext uri="{FF2B5EF4-FFF2-40B4-BE49-F238E27FC236}">
+                  <a16:creationId xmlns:a16="http://schemas.microsoft.com/office/drawing/2014/main" id="{7A059B67-6E77-0A20-A8E6-FB8E9B471DBA}"/>
+                </a:ext>
+              </a:extLst>
+            </p:cNvPr>
+            <p:cNvSpPr/>
+            <p:nvPr/>
+          </p:nvSpPr>
+          <p:spPr>
+            <a:xfrm>
+              <a:off x="4383741" y="3121260"/>
+              <a:ext cx="92945" cy="565898"/>
+            </a:xfrm>
+            <a:prstGeom prst="rect">
+              <a:avLst/>
+            </a:prstGeom>
+            <a:solidFill>
+              <a:srgbClr val="0070C0"/>
+            </a:solidFill>
+            <a:ln>
+              <a:solidFill>
+                <a:schemeClr val="tx1"/>
+              </a:solidFill>
+            </a:ln>
+          </p:spPr>
+          <p:style>
+            <a:lnRef idx="2">
+              <a:schemeClr val="accent1">
+                <a:shade val="50000"/>
+              </a:schemeClr>
+            </a:lnRef>
+            <a:fillRef idx="1">
+              <a:schemeClr val="accent1"/>
+            </a:fillRef>
+            <a:effectRef idx="0">
+              <a:schemeClr val="accent1"/>
+            </a:effectRef>
+            <a:fontRef idx="minor">
+              <a:schemeClr val="lt1"/>
+            </a:fontRef>
+          </p:style>
+          <p:txBody>
+            <a:bodyPr rtlCol="0" anchor="ctr"/>
+            <a:lstStyle/>
+            <a:p>
+              <a:pPr algn="ctr"/>
+              <a:endParaRPr lang="en-US"/>
+            </a:p>
+          </p:txBody>
+        </p:sp>
+        <p:sp>
+          <p:nvSpPr>
+            <p:cNvPr id="22" name="TextBox 21">
+              <a:extLst>
+                <a:ext uri="{FF2B5EF4-FFF2-40B4-BE49-F238E27FC236}">
+                  <a16:creationId xmlns:a16="http://schemas.microsoft.com/office/drawing/2014/main" id="{58344487-4760-E3CD-0666-1E59039E9A9D}"/>
+                </a:ext>
+              </a:extLst>
+            </p:cNvPr>
+            <p:cNvSpPr txBox="1"/>
+            <p:nvPr/>
+          </p:nvSpPr>
+          <p:spPr>
+            <a:xfrm>
+              <a:off x="4684449" y="2079496"/>
+              <a:ext cx="580608" cy="369332"/>
+            </a:xfrm>
+            <a:prstGeom prst="rect">
+              <a:avLst/>
+            </a:prstGeom>
+            <a:noFill/>
+          </p:spPr>
+          <p:txBody>
+            <a:bodyPr wrap="none" rtlCol="0">
+              <a:spAutoFit/>
+            </a:bodyPr>
+            <a:lstStyle/>
+            <a:p>
+              <a:r>
+                <a:rPr lang="en-US" dirty="0"/>
+                <a:t>&gt; 0</a:t>
+              </a:r>
+              <a:r>
+                <a:rPr lang="en-US" i="1" dirty="0"/>
+                <a:t>e</a:t>
+              </a:r>
+              <a:endParaRPr lang="en-US" dirty="0"/>
+            </a:p>
+          </p:txBody>
+        </p:sp>
+        <p:sp>
+          <p:nvSpPr>
+            <p:cNvPr id="23" name="TextBox 22">
+              <a:extLst>
+                <a:ext uri="{FF2B5EF4-FFF2-40B4-BE49-F238E27FC236}">
+                  <a16:creationId xmlns:a16="http://schemas.microsoft.com/office/drawing/2014/main" id="{859A014F-9A2D-854B-26D4-4E76EB2E7F74}"/>
+                </a:ext>
+              </a:extLst>
+            </p:cNvPr>
+            <p:cNvSpPr txBox="1"/>
+            <p:nvPr/>
+          </p:nvSpPr>
+          <p:spPr>
+            <a:xfrm>
+              <a:off x="4684449" y="2668379"/>
+              <a:ext cx="580608" cy="369332"/>
+            </a:xfrm>
+            <a:prstGeom prst="rect">
+              <a:avLst/>
+            </a:prstGeom>
+            <a:noFill/>
+          </p:spPr>
+          <p:txBody>
+            <a:bodyPr wrap="none" rtlCol="0">
+              <a:spAutoFit/>
+            </a:bodyPr>
+            <a:lstStyle/>
+            <a:p>
+              <a:r>
+                <a:rPr lang="en-US" dirty="0"/>
+                <a:t>= 0</a:t>
+              </a:r>
+              <a:r>
+                <a:rPr lang="en-US" i="1" dirty="0"/>
+                <a:t>e</a:t>
+              </a:r>
+              <a:endParaRPr lang="en-US" dirty="0"/>
+            </a:p>
+          </p:txBody>
+        </p:sp>
+        <p:sp>
+          <p:nvSpPr>
+            <p:cNvPr id="24" name="TextBox 23">
+              <a:extLst>
+                <a:ext uri="{FF2B5EF4-FFF2-40B4-BE49-F238E27FC236}">
+                  <a16:creationId xmlns:a16="http://schemas.microsoft.com/office/drawing/2014/main" id="{C2843518-57CF-32EF-9980-05DB504D06EA}"/>
+                </a:ext>
+              </a:extLst>
+            </p:cNvPr>
+            <p:cNvSpPr txBox="1"/>
+            <p:nvPr/>
+          </p:nvSpPr>
+          <p:spPr>
+            <a:xfrm>
+              <a:off x="4684449" y="3244334"/>
+              <a:ext cx="580608" cy="369332"/>
+            </a:xfrm>
+            <a:prstGeom prst="rect">
+              <a:avLst/>
+            </a:prstGeom>
+            <a:noFill/>
+          </p:spPr>
+          <p:txBody>
+            <a:bodyPr wrap="none" rtlCol="0">
+              <a:spAutoFit/>
+            </a:bodyPr>
+            <a:lstStyle/>
+            <a:p>
+              <a:r>
+                <a:rPr lang="en-US" dirty="0"/>
+                <a:t>&lt; 0</a:t>
+              </a:r>
+              <a:r>
+                <a:rPr lang="en-US" i="1" dirty="0"/>
+                <a:t>e</a:t>
+              </a:r>
+              <a:endParaRPr lang="en-US" dirty="0"/>
+            </a:p>
+          </p:txBody>
+        </p:sp>
+      </p:grpSp>
+      <p:sp>
+        <p:nvSpPr>
+          <p:cNvPr id="37" name="Rectangle 36">
+            <a:extLst>
+              <a:ext uri="{FF2B5EF4-FFF2-40B4-BE49-F238E27FC236}">
+                <a16:creationId xmlns:a16="http://schemas.microsoft.com/office/drawing/2014/main" id="{124C4773-E957-81CE-8A94-910DEFEB47A8}"/>
+              </a:ext>
+            </a:extLst>
+          </p:cNvPr>
+          <p:cNvSpPr/>
+          <p:nvPr/>
+        </p:nvSpPr>
+        <p:spPr>
+          <a:xfrm>
+            <a:off x="5540187" y="5036373"/>
+            <a:ext cx="1464269" cy="271900"/>
+          </a:xfrm>
+          <a:prstGeom prst="rect">
+            <a:avLst/>
+          </a:prstGeom>
+          <a:solidFill>
+            <a:schemeClr val="bg1"/>
+          </a:solidFill>
+          <a:ln>
+            <a:solidFill>
+              <a:schemeClr val="bg1"/>
+            </a:solidFill>
+          </a:ln>
+        </p:spPr>
+        <p:style>
+          <a:lnRef idx="2">
+            <a:schemeClr val="accent1">
+              <a:shade val="50000"/>
+            </a:schemeClr>
+          </a:lnRef>
+          <a:fillRef idx="1">
+            <a:schemeClr val="accent1"/>
+          </a:fillRef>
+          <a:effectRef idx="0">
+            <a:schemeClr val="accent1"/>
+          </a:effectRef>
+          <a:fontRef idx="minor">
+            <a:schemeClr val="lt1"/>
+          </a:fontRef>
+        </p:style>
+        <p:txBody>
+          <a:bodyPr rtlCol="0" anchor="ctr"/>
+          <a:lstStyle/>
+          <a:p>
+            <a:pPr algn="ctr"/>
+            <a:endParaRPr lang="en-US"/>
+          </a:p>
+        </p:txBody>
+      </p:sp>
       <p:grpSp>
         <p:nvGrpSpPr>
           <p:cNvPr id="27" name="Group 26">
@@ -5896,7 +5812,7 @@
                             </p:stCondLst>
                             <p:childTnLst>
                               <p:par>
-                                <p:cTn id="5" presetID="1" presetClass="entr" presetSubtype="0" fill="hold" nodeType="clickEffect">
+                                <p:cTn id="5" presetID="1" presetClass="entr" presetSubtype="0" fill="hold" grpId="0" nodeType="clickEffect">
                                   <p:stCondLst>
                                     <p:cond delay="0"/>
                                   </p:stCondLst>
@@ -5909,7 +5825,7 @@
                                           </p:stCondLst>
                                         </p:cTn>
                                         <p:tgtEl>
-                                          <p:spTgt spid="38"/>
+                                          <p:spTgt spid="9"/>
                                         </p:tgtEl>
                                         <p:attrNameLst>
                                           <p:attrName>style.visibility</p:attrName>
@@ -5936,7 +5852,187 @@
                                           </p:stCondLst>
                                         </p:cTn>
                                         <p:tgtEl>
-                                          <p:spTgt spid="39"/>
+                                          <p:spTgt spid="4"/>
+                                        </p:tgtEl>
+                                        <p:attrNameLst>
+                                          <p:attrName>style.visibility</p:attrName>
+                                        </p:attrNameLst>
+                                      </p:cBhvr>
+                                      <p:to>
+                                        <p:strVal val="visible"/>
+                                      </p:to>
+                                    </p:set>
+                                  </p:childTnLst>
+                                </p:cTn>
+                              </p:par>
+                              <p:par>
+                                <p:cTn id="9" presetID="1" presetClass="entr" presetSubtype="0" fill="hold" nodeType="withEffect">
+                                  <p:stCondLst>
+                                    <p:cond delay="0"/>
+                                  </p:stCondLst>
+                                  <p:childTnLst>
+                                    <p:set>
+                                      <p:cBhvr>
+                                        <p:cTn id="10" dur="1" fill="hold">
+                                          <p:stCondLst>
+                                            <p:cond delay="0"/>
+                                          </p:stCondLst>
+                                        </p:cTn>
+                                        <p:tgtEl>
+                                          <p:spTgt spid="11"/>
+                                        </p:tgtEl>
+                                        <p:attrNameLst>
+                                          <p:attrName>style.visibility</p:attrName>
+                                        </p:attrNameLst>
+                                      </p:cBhvr>
+                                      <p:to>
+                                        <p:strVal val="visible"/>
+                                      </p:to>
+                                    </p:set>
+                                  </p:childTnLst>
+                                </p:cTn>
+                              </p:par>
+                              <p:par>
+                                <p:cTn id="11" presetID="1" presetClass="entr" presetSubtype="0" fill="hold" grpId="0" nodeType="withEffect">
+                                  <p:stCondLst>
+                                    <p:cond delay="0"/>
+                                  </p:stCondLst>
+                                  <p:childTnLst>
+                                    <p:set>
+                                      <p:cBhvr>
+                                        <p:cTn id="12" dur="1" fill="hold">
+                                          <p:stCondLst>
+                                            <p:cond delay="0"/>
+                                          </p:stCondLst>
+                                        </p:cTn>
+                                        <p:tgtEl>
+                                          <p:spTgt spid="10"/>
+                                        </p:tgtEl>
+                                        <p:attrNameLst>
+                                          <p:attrName>style.visibility</p:attrName>
+                                        </p:attrNameLst>
+                                      </p:cBhvr>
+                                      <p:to>
+                                        <p:strVal val="visible"/>
+                                      </p:to>
+                                    </p:set>
+                                  </p:childTnLst>
+                                </p:cTn>
+                              </p:par>
+                              <p:par>
+                                <p:cTn id="13" presetID="1" presetClass="entr" presetSubtype="0" fill="hold" nodeType="withEffect">
+                                  <p:stCondLst>
+                                    <p:cond delay="0"/>
+                                  </p:stCondLst>
+                                  <p:childTnLst>
+                                    <p:set>
+                                      <p:cBhvr>
+                                        <p:cTn id="14" dur="1" fill="hold">
+                                          <p:stCondLst>
+                                            <p:cond delay="0"/>
+                                          </p:stCondLst>
+                                        </p:cTn>
+                                        <p:tgtEl>
+                                          <p:spTgt spid="7"/>
+                                        </p:tgtEl>
+                                        <p:attrNameLst>
+                                          <p:attrName>style.visibility</p:attrName>
+                                        </p:attrNameLst>
+                                      </p:cBhvr>
+                                      <p:to>
+                                        <p:strVal val="visible"/>
+                                      </p:to>
+                                    </p:set>
+                                  </p:childTnLst>
+                                </p:cTn>
+                              </p:par>
+                              <p:par>
+                                <p:cTn id="15" presetID="1" presetClass="entr" presetSubtype="0" fill="hold" nodeType="withEffect">
+                                  <p:stCondLst>
+                                    <p:cond delay="0"/>
+                                  </p:stCondLst>
+                                  <p:childTnLst>
+                                    <p:set>
+                                      <p:cBhvr>
+                                        <p:cTn id="16" dur="1" fill="hold">
+                                          <p:stCondLst>
+                                            <p:cond delay="0"/>
+                                          </p:stCondLst>
+                                        </p:cTn>
+                                        <p:tgtEl>
+                                          <p:spTgt spid="18"/>
+                                        </p:tgtEl>
+                                        <p:attrNameLst>
+                                          <p:attrName>style.visibility</p:attrName>
+                                        </p:attrNameLst>
+                                      </p:cBhvr>
+                                      <p:to>
+                                        <p:strVal val="visible"/>
+                                      </p:to>
+                                    </p:set>
+                                  </p:childTnLst>
+                                </p:cTn>
+                              </p:par>
+                            </p:childTnLst>
+                          </p:cTn>
+                        </p:par>
+                      </p:childTnLst>
+                    </p:cTn>
+                  </p:par>
+                  <p:par>
+                    <p:cTn id="17" fill="hold">
+                      <p:stCondLst>
+                        <p:cond delay="indefinite"/>
+                      </p:stCondLst>
+                      <p:childTnLst>
+                        <p:par>
+                          <p:cTn id="18" fill="hold">
+                            <p:stCondLst>
+                              <p:cond delay="0"/>
+                            </p:stCondLst>
+                            <p:childTnLst>
+                              <p:par>
+                                <p:cTn id="19" presetID="1" presetClass="entr" presetSubtype="0" fill="hold" nodeType="clickEffect">
+                                  <p:stCondLst>
+                                    <p:cond delay="0"/>
+                                  </p:stCondLst>
+                                  <p:childTnLst>
+                                    <p:set>
+                                      <p:cBhvr>
+                                        <p:cTn id="20" dur="1" fill="hold">
+                                          <p:stCondLst>
+                                            <p:cond delay="0"/>
+                                          </p:stCondLst>
+                                        </p:cTn>
+                                        <p:tgtEl>
+                                          <p:spTgt spid="5"/>
+                                        </p:tgtEl>
+                                        <p:attrNameLst>
+                                          <p:attrName>style.visibility</p:attrName>
+                                        </p:attrNameLst>
+                                      </p:cBhvr>
+                                      <p:to>
+                                        <p:strVal val="visible"/>
+                                      </p:to>
+                                    </p:set>
+                                  </p:childTnLst>
+                                </p:cTn>
+                              </p:par>
+                              <p:par>
+                                <p:cTn id="21" presetID="1" presetClass="entr" presetSubtype="0" fill="hold" nodeType="withEffect">
+                                  <p:stCondLst>
+                                    <p:cond delay="0"/>
+                                  </p:stCondLst>
+                                  <p:childTnLst>
+                                    <p:set>
+                                      <p:cBhvr>
+                                        <p:cTn id="22" dur="1" fill="hold">
+                                          <p:stCondLst>
+                                            <p:cond delay="0"/>
+                                          </p:stCondLst>
+                                        </p:cTn>
+                                        <p:tgtEl>
+                                          <p:spTgt spid="8"/>
                                         </p:tgtEl>
                                         <p:attrNameLst>
                                           <p:attrName>style.visibility</p:attrName>
@@ -5976,6 +6072,10 @@
         </p:cTn>
       </p:par>
     </p:tnLst>
+    <p:bldLst>
+      <p:bldP spid="9" grpId="0" animBg="1"/>
+      <p:bldP spid="10" grpId="0" animBg="1"/>
+    </p:bldLst>
   </p:timing>
 </p:sld>
 </file>
@@ -6015,7 +6115,7 @@
         </p:nvSpPr>
         <p:spPr>
           <a:xfrm>
-            <a:off x="201706" y="0"/>
+            <a:off x="201706" y="85282"/>
             <a:ext cx="10515600" cy="1325563"/>
           </a:xfrm>
         </p:spPr>
@@ -6025,7 +6125,14 @@
           <a:p>
             <a:r>
               <a:rPr lang="en-US" dirty="0"/>
-              <a:t>Pure NFH Summary (Srinivasan 2014)</a:t>
+              <a:t>Summary of Model Capabilities </a:t>
+            </a:r>
+            <a:br>
+              <a:rPr lang="en-US" dirty="0"/>
+            </a:br>
+            <a:r>
+              <a:rPr lang="en-US" sz="3600" dirty="0"/>
+              <a:t>(Srinivasan 2014)</a:t>
             </a:r>
           </a:p>
         </p:txBody>
@@ -6059,7 +6166,7 @@
         </p:blipFill>
         <p:spPr bwMode="auto">
           <a:xfrm>
-            <a:off x="1014030" y="3009899"/>
+            <a:off x="1014030" y="3081616"/>
             <a:ext cx="4634790" cy="3781425"/>
           </a:xfrm>
           <a:prstGeom prst="rect">
@@ -6091,7 +6198,7 @@
         </p:nvGrpSpPr>
         <p:grpSpPr>
           <a:xfrm>
-            <a:off x="1954696" y="1294178"/>
+            <a:off x="1954696" y="1435410"/>
             <a:ext cx="8282608" cy="1534656"/>
             <a:chOff x="3554185" y="5134619"/>
             <a:chExt cx="8564336" cy="1586856"/>
@@ -6219,7 +6326,7 @@
         </p:blipFill>
         <p:spPr bwMode="auto">
           <a:xfrm>
-            <a:off x="5764801" y="3011602"/>
+            <a:off x="5764801" y="3083319"/>
             <a:ext cx="5077830" cy="3698479"/>
           </a:xfrm>
           <a:prstGeom prst="rect">
@@ -6265,7 +6372,7 @@
         </p:blipFill>
         <p:spPr>
           <a:xfrm>
-            <a:off x="7780704" y="3737097"/>
+            <a:off x="7780704" y="3808814"/>
             <a:ext cx="1757010" cy="1080420"/>
           </a:xfrm>
           <a:prstGeom prst="rect">
@@ -6301,7 +6408,7 @@
         </p:blipFill>
         <p:spPr>
           <a:xfrm>
-            <a:off x="8762877" y="4801945"/>
+            <a:off x="8762877" y="4873662"/>
             <a:ext cx="1757011" cy="1108759"/>
           </a:xfrm>
           <a:prstGeom prst="rect">
@@ -6337,7 +6444,7 @@
         </p:blipFill>
         <p:spPr>
           <a:xfrm>
-            <a:off x="6926447" y="3210647"/>
+            <a:off x="6926447" y="3282364"/>
             <a:ext cx="1742187" cy="600633"/>
           </a:xfrm>
           <a:prstGeom prst="rect">
@@ -6402,15 +6509,33 @@
                                   </p:childTnLst>
                                 </p:cTn>
                               </p:par>
+                            </p:childTnLst>
+                          </p:cTn>
+                        </p:par>
+                      </p:childTnLst>
+                    </p:cTn>
+                  </p:par>
+                  <p:par>
+                    <p:cTn id="7" fill="hold">
+                      <p:stCondLst>
+                        <p:cond delay="indefinite"/>
+                      </p:stCondLst>
+                      <p:childTnLst>
+                        <p:par>
+                          <p:cTn id="8" fill="hold">
+                            <p:stCondLst>
+                              <p:cond delay="0"/>
+                            </p:stCondLst>
+                            <p:childTnLst>
                               <p:par>
-                                <p:cTn id="7" presetID="1" presetClass="entr" presetSubtype="0" fill="hold" nodeType="withEffect">
+                                <p:cTn id="9" presetID="1" presetClass="entr" presetSubtype="0" fill="hold" nodeType="clickEffect">
                                   <p:stCondLst>
                                     <p:cond delay="0"/>
                                   </p:stCondLst>
                                   <p:childTnLst>
                                     <p:set>
                                       <p:cBhvr>
-                                        <p:cTn id="8" dur="1" fill="hold">
+                                        <p:cTn id="10" dur="1" fill="hold">
                                           <p:stCondLst>
                                             <p:cond delay="0"/>
                                           </p:stCondLst>
@@ -6436,46 +6561,19 @@
                     </p:cTn>
                   </p:par>
                   <p:par>
-                    <p:cTn id="9" fill="hold">
+                    <p:cTn id="11" fill="hold">
                       <p:stCondLst>
                         <p:cond delay="indefinite"/>
                       </p:stCondLst>
                       <p:childTnLst>
                         <p:par>
-                          <p:cTn id="10" fill="hold">
+                          <p:cTn id="12" fill="hold">
                             <p:stCondLst>
                               <p:cond delay="0"/>
                             </p:stCondLst>
                             <p:childTnLst>
                               <p:par>
-                                <p:cTn id="11" presetID="1" presetClass="entr" presetSubtype="0" fill="hold" nodeType="clickEffect">
-                                  <p:stCondLst>
-                                    <p:cond delay="0"/>
-                                  </p:stCondLst>
-                                  <p:childTnLst>
-                                    <p:set>
-                                      <p:cBhvr>
-                                        <p:cTn id="12" dur="1" fill="hold">
-                                          <p:stCondLst>
-                                            <p:cond delay="0"/>
-                                          </p:stCondLst>
-                                        </p:cTn>
-                                        <p:tgtEl>
-                                          <p:spTgt spid="27"/>
-                                        </p:tgtEl>
-                                        <p:attrNameLst>
-                                          <p:attrName>style.visibility</p:attrName>
-                                        </p:attrNameLst>
-                                      </p:cBhvr>
-                                      <p:to>
-                                        <p:strVal val="visible"/>
-                                      </p:to>
-                                    </p:set>
-                                  </p:childTnLst>
-                                </p:cTn>
-                              </p:par>
-                              <p:par>
-                                <p:cTn id="13" presetID="1" presetClass="entr" presetSubtype="0" fill="hold" nodeType="withEffect">
+                                <p:cTn id="13" presetID="1" presetClass="entr" presetSubtype="0" fill="hold" nodeType="clickEffect">
                                   <p:stCondLst>
                                     <p:cond delay="0"/>
                                   </p:stCondLst>
@@ -6488,7 +6586,7 @@
                                           </p:stCondLst>
                                         </p:cTn>
                                         <p:tgtEl>
-                                          <p:spTgt spid="23"/>
+                                          <p:spTgt spid="27"/>
                                         </p:tgtEl>
                                         <p:attrNameLst>
                                           <p:attrName>style.visibility</p:attrName>
@@ -6510,6 +6608,33 @@
                                     <p:set>
                                       <p:cBhvr>
                                         <p:cTn id="16" dur="1" fill="hold">
+                                          <p:stCondLst>
+                                            <p:cond delay="0"/>
+                                          </p:stCondLst>
+                                        </p:cTn>
+                                        <p:tgtEl>
+                                          <p:spTgt spid="23"/>
+                                        </p:tgtEl>
+                                        <p:attrNameLst>
+                                          <p:attrName>style.visibility</p:attrName>
+                                        </p:attrNameLst>
+                                      </p:cBhvr>
+                                      <p:to>
+                                        <p:strVal val="visible"/>
+                                      </p:to>
+                                    </p:set>
+                                  </p:childTnLst>
+                                </p:cTn>
+                              </p:par>
+                              <p:par>
+                                <p:cTn id="17" presetID="1" presetClass="entr" presetSubtype="0" fill="hold" nodeType="withEffect">
+                                  <p:stCondLst>
+                                    <p:cond delay="0"/>
+                                  </p:stCondLst>
+                                  <p:childTnLst>
+                                    <p:set>
+                                      <p:cBhvr>
+                                        <p:cTn id="18" dur="1" fill="hold">
                                           <p:stCondLst>
                                             <p:cond delay="0"/>
                                           </p:stCondLst>
@@ -8752,12 +8877,185 @@
           </a:p>
         </p:txBody>
       </p:sp>
+      <p:grpSp>
+        <p:nvGrpSpPr>
+          <p:cNvPr id="5" name="Group 4">
+            <a:extLst>
+              <a:ext uri="{FF2B5EF4-FFF2-40B4-BE49-F238E27FC236}">
+                <a16:creationId xmlns:a16="http://schemas.microsoft.com/office/drawing/2014/main" id="{7433EF0A-E6F9-E578-7FBA-1F14ABFC9A2A}"/>
+              </a:ext>
+            </a:extLst>
+          </p:cNvPr>
+          <p:cNvGrpSpPr/>
+          <p:nvPr/>
+        </p:nvGrpSpPr>
+        <p:grpSpPr>
+          <a:xfrm>
+            <a:off x="1650334" y="1773251"/>
+            <a:ext cx="5997118" cy="634810"/>
+            <a:chOff x="2125463" y="2794190"/>
+            <a:chExt cx="5997118" cy="634810"/>
+          </a:xfrm>
+        </p:grpSpPr>
+        <p:pic>
+          <p:nvPicPr>
+            <p:cNvPr id="3" name="Picture 2">
+              <a:extLst>
+                <a:ext uri="{FF2B5EF4-FFF2-40B4-BE49-F238E27FC236}">
+                  <a16:creationId xmlns:a16="http://schemas.microsoft.com/office/drawing/2014/main" id="{8A549156-0E02-F310-3DCA-586085041DE7}"/>
+                </a:ext>
+              </a:extLst>
+            </p:cNvPr>
+            <p:cNvPicPr>
+              <a:picLocks noChangeAspect="1"/>
+            </p:cNvPicPr>
+            <p:nvPr/>
+          </p:nvPicPr>
+          <p:blipFill>
+            <a:blip r:embed="rId2"/>
+            <a:stretch>
+              <a:fillRect/>
+            </a:stretch>
+          </p:blipFill>
+          <p:spPr>
+            <a:xfrm>
+              <a:off x="2125463" y="2794190"/>
+              <a:ext cx="3456952" cy="634810"/>
+            </a:xfrm>
+            <a:prstGeom prst="rect">
+              <a:avLst/>
+            </a:prstGeom>
+          </p:spPr>
+        </p:pic>
+        <p:pic>
+          <p:nvPicPr>
+            <p:cNvPr id="4" name="Picture 3">
+              <a:extLst>
+                <a:ext uri="{FF2B5EF4-FFF2-40B4-BE49-F238E27FC236}">
+                  <a16:creationId xmlns:a16="http://schemas.microsoft.com/office/drawing/2014/main" id="{CC3046FF-4BB8-81C3-A1A4-37F9556C2EDC}"/>
+                </a:ext>
+              </a:extLst>
+            </p:cNvPr>
+            <p:cNvPicPr>
+              <a:picLocks noChangeAspect="1"/>
+            </p:cNvPicPr>
+            <p:nvPr/>
+          </p:nvPicPr>
+          <p:blipFill>
+            <a:blip r:embed="rId3"/>
+            <a:stretch>
+              <a:fillRect/>
+            </a:stretch>
+          </p:blipFill>
+          <p:spPr>
+            <a:xfrm>
+              <a:off x="5783624" y="2841715"/>
+              <a:ext cx="2338957" cy="539760"/>
+            </a:xfrm>
+            <a:prstGeom prst="rect">
+              <a:avLst/>
+            </a:prstGeom>
+          </p:spPr>
+        </p:pic>
+      </p:grpSp>
+      <p:grpSp>
+        <p:nvGrpSpPr>
+          <p:cNvPr id="6" name="Group 5">
+            <a:extLst>
+              <a:ext uri="{FF2B5EF4-FFF2-40B4-BE49-F238E27FC236}">
+                <a16:creationId xmlns:a16="http://schemas.microsoft.com/office/drawing/2014/main" id="{733ECB86-1EC4-4A30-D14C-6E0F51F1800C}"/>
+              </a:ext>
+            </a:extLst>
+          </p:cNvPr>
+          <p:cNvGrpSpPr/>
+          <p:nvPr/>
+        </p:nvGrpSpPr>
+        <p:grpSpPr>
+          <a:xfrm>
+            <a:off x="1610111" y="5685087"/>
+            <a:ext cx="4939818" cy="860672"/>
+            <a:chOff x="2811009" y="3812733"/>
+            <a:chExt cx="4391599" cy="765155"/>
+          </a:xfrm>
+        </p:grpSpPr>
+        <p:pic>
+          <p:nvPicPr>
+            <p:cNvPr id="7" name="Picture 6">
+              <a:extLst>
+                <a:ext uri="{FF2B5EF4-FFF2-40B4-BE49-F238E27FC236}">
+                  <a16:creationId xmlns:a16="http://schemas.microsoft.com/office/drawing/2014/main" id="{413ED7A9-B1B0-9836-D731-F652FEC194ED}"/>
+                </a:ext>
+              </a:extLst>
+            </p:cNvPr>
+            <p:cNvPicPr>
+              <a:picLocks noChangeAspect="1"/>
+            </p:cNvPicPr>
+            <p:nvPr/>
+          </p:nvPicPr>
+          <p:blipFill>
+            <a:blip r:embed="rId4"/>
+            <a:stretch>
+              <a:fillRect/>
+            </a:stretch>
+          </p:blipFill>
+          <p:spPr>
+            <a:xfrm>
+              <a:off x="2811009" y="3812733"/>
+              <a:ext cx="4391599" cy="765155"/>
+            </a:xfrm>
+            <a:prstGeom prst="rect">
+              <a:avLst/>
+            </a:prstGeom>
+          </p:spPr>
+        </p:pic>
+        <p:cxnSp>
+          <p:nvCxnSpPr>
+            <p:cNvPr id="8" name="Straight Connector 7">
+              <a:extLst>
+                <a:ext uri="{FF2B5EF4-FFF2-40B4-BE49-F238E27FC236}">
+                  <a16:creationId xmlns:a16="http://schemas.microsoft.com/office/drawing/2014/main" id="{A997870A-1950-D137-A924-9CE47A5EF459}"/>
+                </a:ext>
+              </a:extLst>
+            </p:cNvPr>
+            <p:cNvCxnSpPr/>
+            <p:nvPr/>
+          </p:nvCxnSpPr>
+          <p:spPr>
+            <a:xfrm>
+              <a:off x="5710517" y="4428380"/>
+              <a:ext cx="385483" cy="0"/>
+            </a:xfrm>
+            <a:prstGeom prst="line">
+              <a:avLst/>
+            </a:prstGeom>
+            <a:ln w="28575">
+              <a:solidFill>
+                <a:schemeClr val="accent2"/>
+              </a:solidFill>
+            </a:ln>
+          </p:spPr>
+          <p:style>
+            <a:lnRef idx="1">
+              <a:schemeClr val="accent1"/>
+            </a:lnRef>
+            <a:fillRef idx="0">
+              <a:schemeClr val="accent1"/>
+            </a:fillRef>
+            <a:effectRef idx="0">
+              <a:schemeClr val="accent1"/>
+            </a:effectRef>
+            <a:fontRef idx="minor">
+              <a:schemeClr val="tx1"/>
+            </a:fontRef>
+          </p:style>
+        </p:cxnSp>
+      </p:grpSp>
       <p:pic>
         <p:nvPicPr>
-          <p:cNvPr id="3" name="Picture 2">
-            <a:extLst>
-              <a:ext uri="{FF2B5EF4-FFF2-40B4-BE49-F238E27FC236}">
-                <a16:creationId xmlns:a16="http://schemas.microsoft.com/office/drawing/2014/main" id="{8A549156-0E02-F310-3DCA-586085041DE7}"/>
+          <p:cNvPr id="9" name="Picture 8">
+            <a:extLst>
+              <a:ext uri="{FF2B5EF4-FFF2-40B4-BE49-F238E27FC236}">
+                <a16:creationId xmlns:a16="http://schemas.microsoft.com/office/drawing/2014/main" id="{3248047A-CF1B-9F5E-6348-6B364B27A955}"/>
               </a:ext>
             </a:extLst>
           </p:cNvPr>
@@ -8767,15 +9065,15 @@
           <p:nvPr/>
         </p:nvPicPr>
         <p:blipFill>
-          <a:blip r:embed="rId2"/>
+          <a:blip r:embed="rId5"/>
           <a:stretch>
             <a:fillRect/>
           </a:stretch>
         </p:blipFill>
         <p:spPr>
           <a:xfrm>
-            <a:off x="1999957" y="1738356"/>
-            <a:ext cx="3456952" cy="634810"/>
+            <a:off x="1610111" y="2568329"/>
+            <a:ext cx="3882879" cy="860671"/>
           </a:xfrm>
           <a:prstGeom prst="rect">
             <a:avLst/>
@@ -8784,10 +9082,10 @@
       </p:pic>
       <p:pic>
         <p:nvPicPr>
-          <p:cNvPr id="4" name="Picture 3">
-            <a:extLst>
-              <a:ext uri="{FF2B5EF4-FFF2-40B4-BE49-F238E27FC236}">
-                <a16:creationId xmlns:a16="http://schemas.microsoft.com/office/drawing/2014/main" id="{CC3046FF-4BB8-81C3-A1A4-37F9556C2EDC}"/>
+          <p:cNvPr id="10" name="Picture 9">
+            <a:extLst>
+              <a:ext uri="{FF2B5EF4-FFF2-40B4-BE49-F238E27FC236}">
+                <a16:creationId xmlns:a16="http://schemas.microsoft.com/office/drawing/2014/main" id="{5C30FC60-C8A4-BD94-26A4-D32EF26FB868}"/>
               </a:ext>
             </a:extLst>
           </p:cNvPr>
@@ -8797,15 +9095,44 @@
           <p:nvPr/>
         </p:nvPicPr>
         <p:blipFill>
-          <a:blip r:embed="rId3"/>
+          <a:blip r:embed="rId6"/>
           <a:stretch>
             <a:fillRect/>
           </a:stretch>
         </p:blipFill>
         <p:spPr>
           <a:xfrm>
-            <a:off x="5658118" y="1785881"/>
-            <a:ext cx="2338957" cy="539760"/>
+            <a:off x="1650334" y="3718259"/>
+            <a:ext cx="5670578" cy="653292"/>
+          </a:xfrm>
+          <a:prstGeom prst="rect">
+            <a:avLst/>
+          </a:prstGeom>
+        </p:spPr>
+      </p:pic>
+      <p:pic>
+        <p:nvPicPr>
+          <p:cNvPr id="11" name="Picture 10">
+            <a:extLst>
+              <a:ext uri="{FF2B5EF4-FFF2-40B4-BE49-F238E27FC236}">
+                <a16:creationId xmlns:a16="http://schemas.microsoft.com/office/drawing/2014/main" id="{FF637ED4-ED26-03F1-A707-5DB619736436}"/>
+              </a:ext>
+            </a:extLst>
+          </p:cNvPr>
+          <p:cNvPicPr>
+            <a:picLocks noChangeAspect="1"/>
+          </p:cNvPicPr>
+          <p:nvPr/>
+        </p:nvPicPr>
+        <p:blipFill rotWithShape="1">
+          <a:blip r:embed="rId7"/>
+          <a:srcRect r="45057" b="70760"/>
+          <a:stretch/>
+        </p:blipFill>
+        <p:spPr>
+          <a:xfrm>
+            <a:off x="1650334" y="4643718"/>
+            <a:ext cx="3360806" cy="769202"/>
           </a:xfrm>
           <a:prstGeom prst="rect">
             <a:avLst/>
@@ -8822,6 +9149,183 @@
   <p:clrMapOvr>
     <a:masterClrMapping/>
   </p:clrMapOvr>
+  <p:timing>
+    <p:tnLst>
+      <p:par>
+        <p:cTn id="1" dur="indefinite" restart="never" nodeType="tmRoot">
+          <p:childTnLst>
+            <p:seq concurrent="1" nextAc="seek">
+              <p:cTn id="2" dur="indefinite" nodeType="mainSeq">
+                <p:childTnLst>
+                  <p:par>
+                    <p:cTn id="3" fill="hold">
+                      <p:stCondLst>
+                        <p:cond delay="indefinite"/>
+                        <p:cond evt="onBegin" delay="0">
+                          <p:tn val="2"/>
+                        </p:cond>
+                      </p:stCondLst>
+                      <p:childTnLst>
+                        <p:par>
+                          <p:cTn id="4" fill="hold">
+                            <p:stCondLst>
+                              <p:cond delay="0"/>
+                            </p:stCondLst>
+                            <p:childTnLst>
+                              <p:par>
+                                <p:cTn id="5" presetID="1" presetClass="entr" presetSubtype="0" fill="hold" nodeType="withEffect">
+                                  <p:stCondLst>
+                                    <p:cond delay="0"/>
+                                  </p:stCondLst>
+                                  <p:childTnLst>
+                                    <p:set>
+                                      <p:cBhvr>
+                                        <p:cTn id="6" dur="1" fill="hold">
+                                          <p:stCondLst>
+                                            <p:cond delay="0"/>
+                                          </p:stCondLst>
+                                        </p:cTn>
+                                        <p:tgtEl>
+                                          <p:spTgt spid="6"/>
+                                        </p:tgtEl>
+                                        <p:attrNameLst>
+                                          <p:attrName>style.visibility</p:attrName>
+                                        </p:attrNameLst>
+                                      </p:cBhvr>
+                                      <p:to>
+                                        <p:strVal val="visible"/>
+                                      </p:to>
+                                    </p:set>
+                                  </p:childTnLst>
+                                </p:cTn>
+                              </p:par>
+                            </p:childTnLst>
+                          </p:cTn>
+                        </p:par>
+                      </p:childTnLst>
+                    </p:cTn>
+                  </p:par>
+                  <p:par>
+                    <p:cTn id="7" fill="hold">
+                      <p:stCondLst>
+                        <p:cond delay="indefinite"/>
+                      </p:stCondLst>
+                      <p:childTnLst>
+                        <p:par>
+                          <p:cTn id="8" fill="hold">
+                            <p:stCondLst>
+                              <p:cond delay="0"/>
+                            </p:stCondLst>
+                            <p:childTnLst>
+                              <p:par>
+                                <p:cTn id="9" presetID="1" presetClass="entr" presetSubtype="0" fill="hold" nodeType="clickEffect">
+                                  <p:stCondLst>
+                                    <p:cond delay="0"/>
+                                  </p:stCondLst>
+                                  <p:childTnLst>
+                                    <p:set>
+                                      <p:cBhvr>
+                                        <p:cTn id="10" dur="1" fill="hold">
+                                          <p:stCondLst>
+                                            <p:cond delay="0"/>
+                                          </p:stCondLst>
+                                        </p:cTn>
+                                        <p:tgtEl>
+                                          <p:spTgt spid="9"/>
+                                        </p:tgtEl>
+                                        <p:attrNameLst>
+                                          <p:attrName>style.visibility</p:attrName>
+                                        </p:attrNameLst>
+                                      </p:cBhvr>
+                                      <p:to>
+                                        <p:strVal val="visible"/>
+                                      </p:to>
+                                    </p:set>
+                                  </p:childTnLst>
+                                </p:cTn>
+                              </p:par>
+                              <p:par>
+                                <p:cTn id="11" presetID="1" presetClass="entr" presetSubtype="0" fill="hold" nodeType="withEffect">
+                                  <p:stCondLst>
+                                    <p:cond delay="0"/>
+                                  </p:stCondLst>
+                                  <p:childTnLst>
+                                    <p:set>
+                                      <p:cBhvr>
+                                        <p:cTn id="12" dur="1" fill="hold">
+                                          <p:stCondLst>
+                                            <p:cond delay="0"/>
+                                          </p:stCondLst>
+                                        </p:cTn>
+                                        <p:tgtEl>
+                                          <p:spTgt spid="10"/>
+                                        </p:tgtEl>
+                                        <p:attrNameLst>
+                                          <p:attrName>style.visibility</p:attrName>
+                                        </p:attrNameLst>
+                                      </p:cBhvr>
+                                      <p:to>
+                                        <p:strVal val="visible"/>
+                                      </p:to>
+                                    </p:set>
+                                  </p:childTnLst>
+                                </p:cTn>
+                              </p:par>
+                              <p:par>
+                                <p:cTn id="13" presetID="1" presetClass="entr" presetSubtype="0" fill="hold" nodeType="withEffect">
+                                  <p:stCondLst>
+                                    <p:cond delay="0"/>
+                                  </p:stCondLst>
+                                  <p:childTnLst>
+                                    <p:set>
+                                      <p:cBhvr>
+                                        <p:cTn id="14" dur="1" fill="hold">
+                                          <p:stCondLst>
+                                            <p:cond delay="0"/>
+                                          </p:stCondLst>
+                                        </p:cTn>
+                                        <p:tgtEl>
+                                          <p:spTgt spid="11"/>
+                                        </p:tgtEl>
+                                        <p:attrNameLst>
+                                          <p:attrName>style.visibility</p:attrName>
+                                        </p:attrNameLst>
+                                      </p:cBhvr>
+                                      <p:to>
+                                        <p:strVal val="visible"/>
+                                      </p:to>
+                                    </p:set>
+                                  </p:childTnLst>
+                                </p:cTn>
+                              </p:par>
+                            </p:childTnLst>
+                          </p:cTn>
+                        </p:par>
+                      </p:childTnLst>
+                    </p:cTn>
+                  </p:par>
+                </p:childTnLst>
+              </p:cTn>
+              <p:prevCondLst>
+                <p:cond evt="onPrev" delay="0">
+                  <p:tgtEl>
+                    <p:sldTgt/>
+                  </p:tgtEl>
+                </p:cond>
+              </p:prevCondLst>
+              <p:nextCondLst>
+                <p:cond evt="onNext" delay="0">
+                  <p:tgtEl>
+                    <p:sldTgt/>
+                  </p:tgtEl>
+                </p:cond>
+              </p:nextCondLst>
+            </p:seq>
+          </p:childTnLst>
+        </p:cTn>
+      </p:par>
+    </p:tnLst>
+  </p:timing>
 </p:sld>
 </file>
 

--- a/20230201 LH Update.pptx
+++ b/20230201 LH Update.pptx
@@ -8465,6 +8465,42 @@
           </a:p>
         </p:txBody>
       </p:sp>
+      <p:sp>
+        <p:nvSpPr>
+          <p:cNvPr id="11" name="TextBox 10">
+            <a:extLst>
+              <a:ext uri="{FF2B5EF4-FFF2-40B4-BE49-F238E27FC236}">
+                <a16:creationId xmlns:a16="http://schemas.microsoft.com/office/drawing/2014/main" id="{08EB6726-41BE-4527-9A13-20BAFF379DB2}"/>
+              </a:ext>
+            </a:extLst>
+          </p:cNvPr>
+          <p:cNvSpPr txBox="1"/>
+          <p:nvPr/>
+        </p:nvSpPr>
+        <p:spPr>
+          <a:xfrm>
+            <a:off x="3998259" y="6436659"/>
+            <a:ext cx="3783106" cy="369332"/>
+          </a:xfrm>
+          <a:prstGeom prst="rect">
+            <a:avLst/>
+          </a:prstGeom>
+          <a:noFill/>
+        </p:spPr>
+        <p:txBody>
+          <a:bodyPr wrap="square" rtlCol="0">
+            <a:spAutoFit/>
+          </a:bodyPr>
+          <a:lstStyle/>
+          <a:p>
+            <a:pPr algn="ctr"/>
+            <a:r>
+              <a:rPr lang="en-US" dirty="0"/>
+              <a:t>(Preliminary data)</a:t>
+            </a:r>
+          </a:p>
+        </p:txBody>
+      </p:sp>
     </p:spTree>
     <p:extLst>
       <p:ext uri="{BB962C8B-B14F-4D97-AF65-F5344CB8AC3E}">
@@ -9149,183 +9185,6 @@
   <p:clrMapOvr>
     <a:masterClrMapping/>
   </p:clrMapOvr>
-  <p:timing>
-    <p:tnLst>
-      <p:par>
-        <p:cTn id="1" dur="indefinite" restart="never" nodeType="tmRoot">
-          <p:childTnLst>
-            <p:seq concurrent="1" nextAc="seek">
-              <p:cTn id="2" dur="indefinite" nodeType="mainSeq">
-                <p:childTnLst>
-                  <p:par>
-                    <p:cTn id="3" fill="hold">
-                      <p:stCondLst>
-                        <p:cond delay="indefinite"/>
-                        <p:cond evt="onBegin" delay="0">
-                          <p:tn val="2"/>
-                        </p:cond>
-                      </p:stCondLst>
-                      <p:childTnLst>
-                        <p:par>
-                          <p:cTn id="4" fill="hold">
-                            <p:stCondLst>
-                              <p:cond delay="0"/>
-                            </p:stCondLst>
-                            <p:childTnLst>
-                              <p:par>
-                                <p:cTn id="5" presetID="1" presetClass="entr" presetSubtype="0" fill="hold" nodeType="withEffect">
-                                  <p:stCondLst>
-                                    <p:cond delay="0"/>
-                                  </p:stCondLst>
-                                  <p:childTnLst>
-                                    <p:set>
-                                      <p:cBhvr>
-                                        <p:cTn id="6" dur="1" fill="hold">
-                                          <p:stCondLst>
-                                            <p:cond delay="0"/>
-                                          </p:stCondLst>
-                                        </p:cTn>
-                                        <p:tgtEl>
-                                          <p:spTgt spid="6"/>
-                                        </p:tgtEl>
-                                        <p:attrNameLst>
-                                          <p:attrName>style.visibility</p:attrName>
-                                        </p:attrNameLst>
-                                      </p:cBhvr>
-                                      <p:to>
-                                        <p:strVal val="visible"/>
-                                      </p:to>
-                                    </p:set>
-                                  </p:childTnLst>
-                                </p:cTn>
-                              </p:par>
-                            </p:childTnLst>
-                          </p:cTn>
-                        </p:par>
-                      </p:childTnLst>
-                    </p:cTn>
-                  </p:par>
-                  <p:par>
-                    <p:cTn id="7" fill="hold">
-                      <p:stCondLst>
-                        <p:cond delay="indefinite"/>
-                      </p:stCondLst>
-                      <p:childTnLst>
-                        <p:par>
-                          <p:cTn id="8" fill="hold">
-                            <p:stCondLst>
-                              <p:cond delay="0"/>
-                            </p:stCondLst>
-                            <p:childTnLst>
-                              <p:par>
-                                <p:cTn id="9" presetID="1" presetClass="entr" presetSubtype="0" fill="hold" nodeType="clickEffect">
-                                  <p:stCondLst>
-                                    <p:cond delay="0"/>
-                                  </p:stCondLst>
-                                  <p:childTnLst>
-                                    <p:set>
-                                      <p:cBhvr>
-                                        <p:cTn id="10" dur="1" fill="hold">
-                                          <p:stCondLst>
-                                            <p:cond delay="0"/>
-                                          </p:stCondLst>
-                                        </p:cTn>
-                                        <p:tgtEl>
-                                          <p:spTgt spid="9"/>
-                                        </p:tgtEl>
-                                        <p:attrNameLst>
-                                          <p:attrName>style.visibility</p:attrName>
-                                        </p:attrNameLst>
-                                      </p:cBhvr>
-                                      <p:to>
-                                        <p:strVal val="visible"/>
-                                      </p:to>
-                                    </p:set>
-                                  </p:childTnLst>
-                                </p:cTn>
-                              </p:par>
-                              <p:par>
-                                <p:cTn id="11" presetID="1" presetClass="entr" presetSubtype="0" fill="hold" nodeType="withEffect">
-                                  <p:stCondLst>
-                                    <p:cond delay="0"/>
-                                  </p:stCondLst>
-                                  <p:childTnLst>
-                                    <p:set>
-                                      <p:cBhvr>
-                                        <p:cTn id="12" dur="1" fill="hold">
-                                          <p:stCondLst>
-                                            <p:cond delay="0"/>
-                                          </p:stCondLst>
-                                        </p:cTn>
-                                        <p:tgtEl>
-                                          <p:spTgt spid="10"/>
-                                        </p:tgtEl>
-                                        <p:attrNameLst>
-                                          <p:attrName>style.visibility</p:attrName>
-                                        </p:attrNameLst>
-                                      </p:cBhvr>
-                                      <p:to>
-                                        <p:strVal val="visible"/>
-                                      </p:to>
-                                    </p:set>
-                                  </p:childTnLst>
-                                </p:cTn>
-                              </p:par>
-                              <p:par>
-                                <p:cTn id="13" presetID="1" presetClass="entr" presetSubtype="0" fill="hold" nodeType="withEffect">
-                                  <p:stCondLst>
-                                    <p:cond delay="0"/>
-                                  </p:stCondLst>
-                                  <p:childTnLst>
-                                    <p:set>
-                                      <p:cBhvr>
-                                        <p:cTn id="14" dur="1" fill="hold">
-                                          <p:stCondLst>
-                                            <p:cond delay="0"/>
-                                          </p:stCondLst>
-                                        </p:cTn>
-                                        <p:tgtEl>
-                                          <p:spTgt spid="11"/>
-                                        </p:tgtEl>
-                                        <p:attrNameLst>
-                                          <p:attrName>style.visibility</p:attrName>
-                                        </p:attrNameLst>
-                                      </p:cBhvr>
-                                      <p:to>
-                                        <p:strVal val="visible"/>
-                                      </p:to>
-                                    </p:set>
-                                  </p:childTnLst>
-                                </p:cTn>
-                              </p:par>
-                            </p:childTnLst>
-                          </p:cTn>
-                        </p:par>
-                      </p:childTnLst>
-                    </p:cTn>
-                  </p:par>
-                </p:childTnLst>
-              </p:cTn>
-              <p:prevCondLst>
-                <p:cond evt="onPrev" delay="0">
-                  <p:tgtEl>
-                    <p:sldTgt/>
-                  </p:tgtEl>
-                </p:cond>
-              </p:prevCondLst>
-              <p:nextCondLst>
-                <p:cond evt="onNext" delay="0">
-                  <p:tgtEl>
-                    <p:sldTgt/>
-                  </p:tgtEl>
-                </p:cond>
-              </p:nextCondLst>
-            </p:seq>
-          </p:childTnLst>
-        </p:cTn>
-      </p:par>
-    </p:tnLst>
-  </p:timing>
 </p:sld>
 </file>
 

--- a/20230201 LH Update.pptx
+++ b/20230201 LH Update.pptx
@@ -8901,7 +8901,12 @@
             <p:ph type="title"/>
           </p:nvPr>
         </p:nvSpPr>
-        <p:spPr/>
+        <p:spPr>
+          <a:xfrm>
+            <a:off x="838200" y="218005"/>
+            <a:ext cx="10515600" cy="1325563"/>
+          </a:xfrm>
+        </p:spPr>
         <p:txBody>
           <a:bodyPr/>
           <a:lstStyle/>
@@ -8927,7 +8932,7 @@
         </p:nvGrpSpPr>
         <p:grpSpPr>
           <a:xfrm>
-            <a:off x="1650334" y="1773251"/>
+            <a:off x="1650334" y="1591667"/>
             <a:ext cx="5997118" cy="634810"/>
             <a:chOff x="2125463" y="2794190"/>
             <a:chExt cx="5997118" cy="634810"/>
@@ -9008,7 +9013,7 @@
         </p:nvGrpSpPr>
         <p:grpSpPr>
           <a:xfrm>
-            <a:off x="1610111" y="5685087"/>
+            <a:off x="1610111" y="5487864"/>
             <a:ext cx="4939818" cy="860672"/>
             <a:chOff x="2811009" y="3812733"/>
             <a:chExt cx="4391599" cy="765155"/>
@@ -9108,7 +9113,7 @@
         </p:blipFill>
         <p:spPr>
           <a:xfrm>
-            <a:off x="1610111" y="2568329"/>
+            <a:off x="1535982" y="2357688"/>
             <a:ext cx="3882879" cy="860671"/>
           </a:xfrm>
           <a:prstGeom prst="rect">
@@ -9138,7 +9143,7 @@
         </p:blipFill>
         <p:spPr>
           <a:xfrm>
-            <a:off x="1650334" y="3718259"/>
+            <a:off x="1650334" y="3521036"/>
             <a:ext cx="5670578" cy="653292"/>
           </a:xfrm>
           <a:prstGeom prst="rect">
@@ -9167,7 +9172,7 @@
         </p:blipFill>
         <p:spPr>
           <a:xfrm>
-            <a:off x="1650334" y="4643718"/>
+            <a:off x="1650334" y="4446495"/>
             <a:ext cx="3360806" cy="769202"/>
           </a:xfrm>
           <a:prstGeom prst="rect">

--- a/20230201 LH Update.pptx
+++ b/20230201 LH Update.pptx
@@ -3649,8 +3649,8 @@
           </p:txBody>
         </p:sp>
       </p:grpSp>
-      <mc:AlternateContent xmlns:mc="http://schemas.openxmlformats.org/markup-compatibility/2006">
-        <mc:Choice xmlns:a14="http://schemas.microsoft.com/office/drawing/2010/main" Requires="a14">
+      <mc:AlternateContent xmlns:mc="http://schemas.openxmlformats.org/markup-compatibility/2006" xmlns:a14="http://schemas.microsoft.com/office/drawing/2010/main">
+        <mc:Choice Requires="a14">
           <p:sp>
             <p:nvSpPr>
               <p:cNvPr id="7" name="TextBox 6">
@@ -3761,7 +3761,7 @@
             </p:txBody>
           </p:sp>
         </mc:Choice>
-        <mc:Fallback>
+        <mc:Fallback xmlns="">
           <p:sp>
             <p:nvSpPr>
               <p:cNvPr id="7" name="TextBox 6">
@@ -8496,7 +8496,7 @@
             <a:pPr algn="ctr"/>
             <a:r>
               <a:rPr lang="en-US" dirty="0"/>
-              <a:t>(Preliminary data)</a:t>
+              <a:t>(Preliminary results)</a:t>
             </a:r>
           </a:p>
         </p:txBody>
@@ -9180,6 +9180,88 @@
           </a:prstGeom>
         </p:spPr>
       </p:pic>
+      <p:cxnSp>
+        <p:nvCxnSpPr>
+          <p:cNvPr id="13" name="Straight Connector 12">
+            <a:extLst>
+              <a:ext uri="{FF2B5EF4-FFF2-40B4-BE49-F238E27FC236}">
+                <a16:creationId xmlns:a16="http://schemas.microsoft.com/office/drawing/2014/main" id="{5CDE550F-6180-E0C3-6583-36102C1BECFC}"/>
+              </a:ext>
+            </a:extLst>
+          </p:cNvPr>
+          <p:cNvCxnSpPr/>
+          <p:nvPr/>
+        </p:nvCxnSpPr>
+        <p:spPr>
+          <a:xfrm>
+            <a:off x="591671" y="3290076"/>
+            <a:ext cx="10309412" cy="0"/>
+          </a:xfrm>
+          <a:prstGeom prst="line">
+            <a:avLst/>
+          </a:prstGeom>
+          <a:ln w="28575">
+            <a:solidFill>
+              <a:schemeClr val="tx1"/>
+            </a:solidFill>
+          </a:ln>
+        </p:spPr>
+        <p:style>
+          <a:lnRef idx="1">
+            <a:schemeClr val="accent1"/>
+          </a:lnRef>
+          <a:fillRef idx="0">
+            <a:schemeClr val="accent1"/>
+          </a:fillRef>
+          <a:effectRef idx="0">
+            <a:schemeClr val="accent1"/>
+          </a:effectRef>
+          <a:fontRef idx="minor">
+            <a:schemeClr val="tx1"/>
+          </a:fontRef>
+        </p:style>
+      </p:cxnSp>
+      <p:cxnSp>
+        <p:nvCxnSpPr>
+          <p:cNvPr id="14" name="Straight Connector 13">
+            <a:extLst>
+              <a:ext uri="{FF2B5EF4-FFF2-40B4-BE49-F238E27FC236}">
+                <a16:creationId xmlns:a16="http://schemas.microsoft.com/office/drawing/2014/main" id="{DE619AF5-FAC6-86A8-6014-5F909B1E2A81}"/>
+              </a:ext>
+            </a:extLst>
+          </p:cNvPr>
+          <p:cNvCxnSpPr/>
+          <p:nvPr/>
+        </p:nvCxnSpPr>
+        <p:spPr>
+          <a:xfrm>
+            <a:off x="591671" y="5351958"/>
+            <a:ext cx="10309412" cy="0"/>
+          </a:xfrm>
+          <a:prstGeom prst="line">
+            <a:avLst/>
+          </a:prstGeom>
+          <a:ln w="28575">
+            <a:solidFill>
+              <a:schemeClr val="tx1"/>
+            </a:solidFill>
+          </a:ln>
+        </p:spPr>
+        <p:style>
+          <a:lnRef idx="1">
+            <a:schemeClr val="accent1"/>
+          </a:lnRef>
+          <a:fillRef idx="0">
+            <a:schemeClr val="accent1"/>
+          </a:fillRef>
+          <a:effectRef idx="0">
+            <a:schemeClr val="accent1"/>
+          </a:effectRef>
+          <a:fontRef idx="minor">
+            <a:schemeClr val="tx1"/>
+          </a:fontRef>
+        </p:style>
+      </p:cxnSp>
     </p:spTree>
     <p:extLst>
       <p:ext uri="{BB962C8B-B14F-4D97-AF65-F5344CB8AC3E}">

--- a/20230201 LH Update.pptx
+++ b/20230201 LH Update.pptx
@@ -9,11 +9,12 @@
     <p:sldId id="259" r:id="rId3"/>
     <p:sldId id="260" r:id="rId4"/>
     <p:sldId id="265" r:id="rId5"/>
-    <p:sldId id="264" r:id="rId6"/>
-    <p:sldId id="261" r:id="rId7"/>
-    <p:sldId id="262" r:id="rId8"/>
-    <p:sldId id="263" r:id="rId9"/>
-    <p:sldId id="267" r:id="rId10"/>
+    <p:sldId id="268" r:id="rId6"/>
+    <p:sldId id="264" r:id="rId7"/>
+    <p:sldId id="261" r:id="rId8"/>
+    <p:sldId id="262" r:id="rId9"/>
+    <p:sldId id="263" r:id="rId10"/>
+    <p:sldId id="267" r:id="rId11"/>
   </p:sldIdLst>
   <p:sldSz cx="12192000" cy="6858000"/>
   <p:notesSz cx="6858000" cy="9144000"/>
@@ -267,7 +268,7 @@
           <a:p>
             <a:fld id="{C9B537F1-131F-4959-B21B-EB4A4AF2726E}" type="datetimeFigureOut">
               <a:rPr lang="en-US" smtClean="0"/>
-              <a:t>2/1/2023</a:t>
+              <a:t>2/20/2023</a:t>
             </a:fld>
             <a:endParaRPr lang="en-US"/>
           </a:p>
@@ -465,7 +466,7 @@
           <a:p>
             <a:fld id="{C9B537F1-131F-4959-B21B-EB4A4AF2726E}" type="datetimeFigureOut">
               <a:rPr lang="en-US" smtClean="0"/>
-              <a:t>2/1/2023</a:t>
+              <a:t>2/20/2023</a:t>
             </a:fld>
             <a:endParaRPr lang="en-US"/>
           </a:p>
@@ -673,7 +674,7 @@
           <a:p>
             <a:fld id="{C9B537F1-131F-4959-B21B-EB4A4AF2726E}" type="datetimeFigureOut">
               <a:rPr lang="en-US" smtClean="0"/>
-              <a:t>2/1/2023</a:t>
+              <a:t>2/20/2023</a:t>
             </a:fld>
             <a:endParaRPr lang="en-US"/>
           </a:p>
@@ -871,7 +872,7 @@
           <a:p>
             <a:fld id="{C9B537F1-131F-4959-B21B-EB4A4AF2726E}" type="datetimeFigureOut">
               <a:rPr lang="en-US" smtClean="0"/>
-              <a:t>2/1/2023</a:t>
+              <a:t>2/20/2023</a:t>
             </a:fld>
             <a:endParaRPr lang="en-US"/>
           </a:p>
@@ -1146,7 +1147,7 @@
           <a:p>
             <a:fld id="{C9B537F1-131F-4959-B21B-EB4A4AF2726E}" type="datetimeFigureOut">
               <a:rPr lang="en-US" smtClean="0"/>
-              <a:t>2/1/2023</a:t>
+              <a:t>2/20/2023</a:t>
             </a:fld>
             <a:endParaRPr lang="en-US"/>
           </a:p>
@@ -1411,7 +1412,7 @@
           <a:p>
             <a:fld id="{C9B537F1-131F-4959-B21B-EB4A4AF2726E}" type="datetimeFigureOut">
               <a:rPr lang="en-US" smtClean="0"/>
-              <a:t>2/1/2023</a:t>
+              <a:t>2/20/2023</a:t>
             </a:fld>
             <a:endParaRPr lang="en-US"/>
           </a:p>
@@ -1823,7 +1824,7 @@
           <a:p>
             <a:fld id="{C9B537F1-131F-4959-B21B-EB4A4AF2726E}" type="datetimeFigureOut">
               <a:rPr lang="en-US" smtClean="0"/>
-              <a:t>2/1/2023</a:t>
+              <a:t>2/20/2023</a:t>
             </a:fld>
             <a:endParaRPr lang="en-US"/>
           </a:p>
@@ -1964,7 +1965,7 @@
           <a:p>
             <a:fld id="{C9B537F1-131F-4959-B21B-EB4A4AF2726E}" type="datetimeFigureOut">
               <a:rPr lang="en-US" smtClean="0"/>
-              <a:t>2/1/2023</a:t>
+              <a:t>2/20/2023</a:t>
             </a:fld>
             <a:endParaRPr lang="en-US"/>
           </a:p>
@@ -2077,7 +2078,7 @@
           <a:p>
             <a:fld id="{C9B537F1-131F-4959-B21B-EB4A4AF2726E}" type="datetimeFigureOut">
               <a:rPr lang="en-US" smtClean="0"/>
-              <a:t>2/1/2023</a:t>
+              <a:t>2/20/2023</a:t>
             </a:fld>
             <a:endParaRPr lang="en-US"/>
           </a:p>
@@ -2388,7 +2389,7 @@
           <a:p>
             <a:fld id="{C9B537F1-131F-4959-B21B-EB4A4AF2726E}" type="datetimeFigureOut">
               <a:rPr lang="en-US" smtClean="0"/>
-              <a:t>2/1/2023</a:t>
+              <a:t>2/20/2023</a:t>
             </a:fld>
             <a:endParaRPr lang="en-US"/>
           </a:p>
@@ -2676,7 +2677,7 @@
           <a:p>
             <a:fld id="{C9B537F1-131F-4959-B21B-EB4A4AF2726E}" type="datetimeFigureOut">
               <a:rPr lang="en-US" smtClean="0"/>
-              <a:t>2/1/2023</a:t>
+              <a:t>2/20/2023</a:t>
             </a:fld>
             <a:endParaRPr lang="en-US"/>
           </a:p>
@@ -2917,7 +2918,7 @@
           <a:p>
             <a:fld id="{C9B537F1-131F-4959-B21B-EB4A4AF2726E}" type="datetimeFigureOut">
               <a:rPr lang="en-US" smtClean="0"/>
-              <a:t>2/1/2023</a:t>
+              <a:t>2/20/2023</a:t>
             </a:fld>
             <a:endParaRPr lang="en-US"/>
           </a:p>
@@ -3429,6 +3430,413 @@
     <p:extLst>
       <p:ext uri="{BB962C8B-B14F-4D97-AF65-F5344CB8AC3E}">
         <p14:creationId xmlns:p14="http://schemas.microsoft.com/office/powerpoint/2010/main" val="3667463580"/>
+      </p:ext>
+    </p:extLst>
+  </p:cSld>
+  <p:clrMapOvr>
+    <a:masterClrMapping/>
+  </p:clrMapOvr>
+</p:sld>
+</file>
+
+<file path=ppt/slides/slide10.xml><?xml version="1.0" encoding="utf-8"?>
+<p:sld xmlns:a="http://schemas.openxmlformats.org/drawingml/2006/main" xmlns:r="http://schemas.openxmlformats.org/officeDocument/2006/relationships" xmlns:p="http://schemas.openxmlformats.org/presentationml/2006/main">
+  <p:cSld>
+    <p:spTree>
+      <p:nvGrpSpPr>
+        <p:cNvPr id="1" name=""/>
+        <p:cNvGrpSpPr/>
+        <p:nvPr/>
+      </p:nvGrpSpPr>
+      <p:grpSpPr>
+        <a:xfrm>
+          <a:off x="0" y="0"/>
+          <a:ext cx="0" cy="0"/>
+          <a:chOff x="0" y="0"/>
+          <a:chExt cx="0" cy="0"/>
+        </a:xfrm>
+      </p:grpSpPr>
+      <p:sp>
+        <p:nvSpPr>
+          <p:cNvPr id="2" name="Title 1">
+            <a:extLst>
+              <a:ext uri="{FF2B5EF4-FFF2-40B4-BE49-F238E27FC236}">
+                <a16:creationId xmlns:a16="http://schemas.microsoft.com/office/drawing/2014/main" id="{866CE761-0CA1-AF68-50B2-F5BE093D92DC}"/>
+              </a:ext>
+            </a:extLst>
+          </p:cNvPr>
+          <p:cNvSpPr>
+            <a:spLocks noGrp="1"/>
+          </p:cNvSpPr>
+          <p:nvPr>
+            <p:ph type="title"/>
+          </p:nvPr>
+        </p:nvSpPr>
+        <p:spPr>
+          <a:xfrm>
+            <a:off x="838200" y="218005"/>
+            <a:ext cx="10515600" cy="1325563"/>
+          </a:xfrm>
+        </p:spPr>
+        <p:txBody>
+          <a:bodyPr/>
+          <a:lstStyle/>
+          <a:p>
+            <a:r>
+              <a:rPr lang="en-US" dirty="0"/>
+              <a:t>Equations</a:t>
+            </a:r>
+          </a:p>
+        </p:txBody>
+      </p:sp>
+      <p:grpSp>
+        <p:nvGrpSpPr>
+          <p:cNvPr id="5" name="Group 4">
+            <a:extLst>
+              <a:ext uri="{FF2B5EF4-FFF2-40B4-BE49-F238E27FC236}">
+                <a16:creationId xmlns:a16="http://schemas.microsoft.com/office/drawing/2014/main" id="{7433EF0A-E6F9-E578-7FBA-1F14ABFC9A2A}"/>
+              </a:ext>
+            </a:extLst>
+          </p:cNvPr>
+          <p:cNvGrpSpPr/>
+          <p:nvPr/>
+        </p:nvGrpSpPr>
+        <p:grpSpPr>
+          <a:xfrm>
+            <a:off x="1650334" y="1591667"/>
+            <a:ext cx="5997118" cy="634810"/>
+            <a:chOff x="2125463" y="2794190"/>
+            <a:chExt cx="5997118" cy="634810"/>
+          </a:xfrm>
+        </p:grpSpPr>
+        <p:pic>
+          <p:nvPicPr>
+            <p:cNvPr id="3" name="Picture 2">
+              <a:extLst>
+                <a:ext uri="{FF2B5EF4-FFF2-40B4-BE49-F238E27FC236}">
+                  <a16:creationId xmlns:a16="http://schemas.microsoft.com/office/drawing/2014/main" id="{8A549156-0E02-F310-3DCA-586085041DE7}"/>
+                </a:ext>
+              </a:extLst>
+            </p:cNvPr>
+            <p:cNvPicPr>
+              <a:picLocks noChangeAspect="1"/>
+            </p:cNvPicPr>
+            <p:nvPr/>
+          </p:nvPicPr>
+          <p:blipFill>
+            <a:blip r:embed="rId2"/>
+            <a:stretch>
+              <a:fillRect/>
+            </a:stretch>
+          </p:blipFill>
+          <p:spPr>
+            <a:xfrm>
+              <a:off x="2125463" y="2794190"/>
+              <a:ext cx="3456952" cy="634810"/>
+            </a:xfrm>
+            <a:prstGeom prst="rect">
+              <a:avLst/>
+            </a:prstGeom>
+          </p:spPr>
+        </p:pic>
+        <p:pic>
+          <p:nvPicPr>
+            <p:cNvPr id="4" name="Picture 3">
+              <a:extLst>
+                <a:ext uri="{FF2B5EF4-FFF2-40B4-BE49-F238E27FC236}">
+                  <a16:creationId xmlns:a16="http://schemas.microsoft.com/office/drawing/2014/main" id="{CC3046FF-4BB8-81C3-A1A4-37F9556C2EDC}"/>
+                </a:ext>
+              </a:extLst>
+            </p:cNvPr>
+            <p:cNvPicPr>
+              <a:picLocks noChangeAspect="1"/>
+            </p:cNvPicPr>
+            <p:nvPr/>
+          </p:nvPicPr>
+          <p:blipFill>
+            <a:blip r:embed="rId3"/>
+            <a:stretch>
+              <a:fillRect/>
+            </a:stretch>
+          </p:blipFill>
+          <p:spPr>
+            <a:xfrm>
+              <a:off x="5783624" y="2841715"/>
+              <a:ext cx="2338957" cy="539760"/>
+            </a:xfrm>
+            <a:prstGeom prst="rect">
+              <a:avLst/>
+            </a:prstGeom>
+          </p:spPr>
+        </p:pic>
+      </p:grpSp>
+      <p:grpSp>
+        <p:nvGrpSpPr>
+          <p:cNvPr id="6" name="Group 5">
+            <a:extLst>
+              <a:ext uri="{FF2B5EF4-FFF2-40B4-BE49-F238E27FC236}">
+                <a16:creationId xmlns:a16="http://schemas.microsoft.com/office/drawing/2014/main" id="{733ECB86-1EC4-4A30-D14C-6E0F51F1800C}"/>
+              </a:ext>
+            </a:extLst>
+          </p:cNvPr>
+          <p:cNvGrpSpPr/>
+          <p:nvPr/>
+        </p:nvGrpSpPr>
+        <p:grpSpPr>
+          <a:xfrm>
+            <a:off x="1610111" y="5487864"/>
+            <a:ext cx="4939818" cy="860672"/>
+            <a:chOff x="2811009" y="3812733"/>
+            <a:chExt cx="4391599" cy="765155"/>
+          </a:xfrm>
+        </p:grpSpPr>
+        <p:pic>
+          <p:nvPicPr>
+            <p:cNvPr id="7" name="Picture 6">
+              <a:extLst>
+                <a:ext uri="{FF2B5EF4-FFF2-40B4-BE49-F238E27FC236}">
+                  <a16:creationId xmlns:a16="http://schemas.microsoft.com/office/drawing/2014/main" id="{413ED7A9-B1B0-9836-D731-F652FEC194ED}"/>
+                </a:ext>
+              </a:extLst>
+            </p:cNvPr>
+            <p:cNvPicPr>
+              <a:picLocks noChangeAspect="1"/>
+            </p:cNvPicPr>
+            <p:nvPr/>
+          </p:nvPicPr>
+          <p:blipFill>
+            <a:blip r:embed="rId4"/>
+            <a:stretch>
+              <a:fillRect/>
+            </a:stretch>
+          </p:blipFill>
+          <p:spPr>
+            <a:xfrm>
+              <a:off x="2811009" y="3812733"/>
+              <a:ext cx="4391599" cy="765155"/>
+            </a:xfrm>
+            <a:prstGeom prst="rect">
+              <a:avLst/>
+            </a:prstGeom>
+          </p:spPr>
+        </p:pic>
+        <p:cxnSp>
+          <p:nvCxnSpPr>
+            <p:cNvPr id="8" name="Straight Connector 7">
+              <a:extLst>
+                <a:ext uri="{FF2B5EF4-FFF2-40B4-BE49-F238E27FC236}">
+                  <a16:creationId xmlns:a16="http://schemas.microsoft.com/office/drawing/2014/main" id="{A997870A-1950-D137-A924-9CE47A5EF459}"/>
+                </a:ext>
+              </a:extLst>
+            </p:cNvPr>
+            <p:cNvCxnSpPr/>
+            <p:nvPr/>
+          </p:nvCxnSpPr>
+          <p:spPr>
+            <a:xfrm>
+              <a:off x="5710517" y="4428380"/>
+              <a:ext cx="385483" cy="0"/>
+            </a:xfrm>
+            <a:prstGeom prst="line">
+              <a:avLst/>
+            </a:prstGeom>
+            <a:ln w="28575">
+              <a:solidFill>
+                <a:schemeClr val="accent2"/>
+              </a:solidFill>
+            </a:ln>
+          </p:spPr>
+          <p:style>
+            <a:lnRef idx="1">
+              <a:schemeClr val="accent1"/>
+            </a:lnRef>
+            <a:fillRef idx="0">
+              <a:schemeClr val="accent1"/>
+            </a:fillRef>
+            <a:effectRef idx="0">
+              <a:schemeClr val="accent1"/>
+            </a:effectRef>
+            <a:fontRef idx="minor">
+              <a:schemeClr val="tx1"/>
+            </a:fontRef>
+          </p:style>
+        </p:cxnSp>
+      </p:grpSp>
+      <p:pic>
+        <p:nvPicPr>
+          <p:cNvPr id="9" name="Picture 8">
+            <a:extLst>
+              <a:ext uri="{FF2B5EF4-FFF2-40B4-BE49-F238E27FC236}">
+                <a16:creationId xmlns:a16="http://schemas.microsoft.com/office/drawing/2014/main" id="{3248047A-CF1B-9F5E-6348-6B364B27A955}"/>
+              </a:ext>
+            </a:extLst>
+          </p:cNvPr>
+          <p:cNvPicPr>
+            <a:picLocks noChangeAspect="1"/>
+          </p:cNvPicPr>
+          <p:nvPr/>
+        </p:nvPicPr>
+        <p:blipFill>
+          <a:blip r:embed="rId5"/>
+          <a:stretch>
+            <a:fillRect/>
+          </a:stretch>
+        </p:blipFill>
+        <p:spPr>
+          <a:xfrm>
+            <a:off x="1535982" y="2357688"/>
+            <a:ext cx="3882879" cy="860671"/>
+          </a:xfrm>
+          <a:prstGeom prst="rect">
+            <a:avLst/>
+          </a:prstGeom>
+        </p:spPr>
+      </p:pic>
+      <p:pic>
+        <p:nvPicPr>
+          <p:cNvPr id="10" name="Picture 9">
+            <a:extLst>
+              <a:ext uri="{FF2B5EF4-FFF2-40B4-BE49-F238E27FC236}">
+                <a16:creationId xmlns:a16="http://schemas.microsoft.com/office/drawing/2014/main" id="{5C30FC60-C8A4-BD94-26A4-D32EF26FB868}"/>
+              </a:ext>
+            </a:extLst>
+          </p:cNvPr>
+          <p:cNvPicPr>
+            <a:picLocks noChangeAspect="1"/>
+          </p:cNvPicPr>
+          <p:nvPr/>
+        </p:nvPicPr>
+        <p:blipFill>
+          <a:blip r:embed="rId6"/>
+          <a:stretch>
+            <a:fillRect/>
+          </a:stretch>
+        </p:blipFill>
+        <p:spPr>
+          <a:xfrm>
+            <a:off x="1650334" y="3521036"/>
+            <a:ext cx="5670578" cy="653292"/>
+          </a:xfrm>
+          <a:prstGeom prst="rect">
+            <a:avLst/>
+          </a:prstGeom>
+        </p:spPr>
+      </p:pic>
+      <p:pic>
+        <p:nvPicPr>
+          <p:cNvPr id="11" name="Picture 10">
+            <a:extLst>
+              <a:ext uri="{FF2B5EF4-FFF2-40B4-BE49-F238E27FC236}">
+                <a16:creationId xmlns:a16="http://schemas.microsoft.com/office/drawing/2014/main" id="{FF637ED4-ED26-03F1-A707-5DB619736436}"/>
+              </a:ext>
+            </a:extLst>
+          </p:cNvPr>
+          <p:cNvPicPr>
+            <a:picLocks noChangeAspect="1"/>
+          </p:cNvPicPr>
+          <p:nvPr/>
+        </p:nvPicPr>
+        <p:blipFill rotWithShape="1">
+          <a:blip r:embed="rId7"/>
+          <a:srcRect r="45057" b="70760"/>
+          <a:stretch/>
+        </p:blipFill>
+        <p:spPr>
+          <a:xfrm>
+            <a:off x="1650334" y="4446495"/>
+            <a:ext cx="3360806" cy="769202"/>
+          </a:xfrm>
+          <a:prstGeom prst="rect">
+            <a:avLst/>
+          </a:prstGeom>
+        </p:spPr>
+      </p:pic>
+      <p:cxnSp>
+        <p:nvCxnSpPr>
+          <p:cNvPr id="13" name="Straight Connector 12">
+            <a:extLst>
+              <a:ext uri="{FF2B5EF4-FFF2-40B4-BE49-F238E27FC236}">
+                <a16:creationId xmlns:a16="http://schemas.microsoft.com/office/drawing/2014/main" id="{5CDE550F-6180-E0C3-6583-36102C1BECFC}"/>
+              </a:ext>
+            </a:extLst>
+          </p:cNvPr>
+          <p:cNvCxnSpPr/>
+          <p:nvPr/>
+        </p:nvCxnSpPr>
+        <p:spPr>
+          <a:xfrm>
+            <a:off x="591671" y="3290076"/>
+            <a:ext cx="10309412" cy="0"/>
+          </a:xfrm>
+          <a:prstGeom prst="line">
+            <a:avLst/>
+          </a:prstGeom>
+          <a:ln w="28575">
+            <a:solidFill>
+              <a:schemeClr val="tx1"/>
+            </a:solidFill>
+          </a:ln>
+        </p:spPr>
+        <p:style>
+          <a:lnRef idx="1">
+            <a:schemeClr val="accent1"/>
+          </a:lnRef>
+          <a:fillRef idx="0">
+            <a:schemeClr val="accent1"/>
+          </a:fillRef>
+          <a:effectRef idx="0">
+            <a:schemeClr val="accent1"/>
+          </a:effectRef>
+          <a:fontRef idx="minor">
+            <a:schemeClr val="tx1"/>
+          </a:fontRef>
+        </p:style>
+      </p:cxnSp>
+      <p:cxnSp>
+        <p:nvCxnSpPr>
+          <p:cNvPr id="14" name="Straight Connector 13">
+            <a:extLst>
+              <a:ext uri="{FF2B5EF4-FFF2-40B4-BE49-F238E27FC236}">
+                <a16:creationId xmlns:a16="http://schemas.microsoft.com/office/drawing/2014/main" id="{DE619AF5-FAC6-86A8-6014-5F909B1E2A81}"/>
+              </a:ext>
+            </a:extLst>
+          </p:cNvPr>
+          <p:cNvCxnSpPr/>
+          <p:nvPr/>
+        </p:nvCxnSpPr>
+        <p:spPr>
+          <a:xfrm>
+            <a:off x="591671" y="5351958"/>
+            <a:ext cx="10309412" cy="0"/>
+          </a:xfrm>
+          <a:prstGeom prst="line">
+            <a:avLst/>
+          </a:prstGeom>
+          <a:ln w="28575">
+            <a:solidFill>
+              <a:schemeClr val="tx1"/>
+            </a:solidFill>
+          </a:ln>
+        </p:spPr>
+        <p:style>
+          <a:lnRef idx="1">
+            <a:schemeClr val="accent1"/>
+          </a:lnRef>
+          <a:fillRef idx="0">
+            <a:schemeClr val="accent1"/>
+          </a:fillRef>
+          <a:effectRef idx="0">
+            <a:schemeClr val="accent1"/>
+          </a:effectRef>
+          <a:fontRef idx="minor">
+            <a:schemeClr val="tx1"/>
+          </a:fontRef>
+        </p:style>
+      </p:cxnSp>
+    </p:spTree>
+    <p:extLst>
+      <p:ext uri="{BB962C8B-B14F-4D97-AF65-F5344CB8AC3E}">
+        <p14:creationId xmlns:p14="http://schemas.microsoft.com/office/powerpoint/2010/main" val="137498380"/>
       </p:ext>
     </p:extLst>
   </p:cSld>
@@ -6097,6 +6505,53 @@
           <a:chExt cx="0" cy="0"/>
         </a:xfrm>
       </p:grpSpPr>
+      <p:pic>
+        <p:nvPicPr>
+          <p:cNvPr id="8" name="Picture 2">
+            <a:extLst>
+              <a:ext uri="{FF2B5EF4-FFF2-40B4-BE49-F238E27FC236}">
+                <a16:creationId xmlns:a16="http://schemas.microsoft.com/office/drawing/2014/main" id="{9F617071-0FCE-CF72-6EB9-8703451041C1}"/>
+              </a:ext>
+            </a:extLst>
+          </p:cNvPr>
+          <p:cNvPicPr>
+            <a:picLocks noChangeAspect="1" noChangeArrowheads="1"/>
+          </p:cNvPicPr>
+          <p:nvPr/>
+        </p:nvPicPr>
+        <p:blipFill>
+          <a:blip r:embed="rId2">
+            <a:extLst>
+              <a:ext uri="{28A0092B-C50C-407E-A947-70E740481C1C}">
+                <a14:useLocalDpi xmlns:a14="http://schemas.microsoft.com/office/drawing/2010/main" val="0"/>
+              </a:ext>
+            </a:extLst>
+          </a:blip>
+          <a:srcRect/>
+          <a:stretch>
+            <a:fillRect/>
+          </a:stretch>
+        </p:blipFill>
+        <p:spPr bwMode="auto">
+          <a:xfrm>
+            <a:off x="5791238" y="3081616"/>
+            <a:ext cx="5031664" cy="3664854"/>
+          </a:xfrm>
+          <a:prstGeom prst="rect">
+            <a:avLst/>
+          </a:prstGeom>
+          <a:noFill/>
+          <a:extLst>
+            <a:ext uri="{909E8E84-426E-40DD-AFC4-6F175D3DCCD1}">
+              <a14:hiddenFill xmlns:a14="http://schemas.microsoft.com/office/drawing/2010/main">
+                <a:solidFill>
+                  <a:srgbClr val="FFFFFF"/>
+                </a:solidFill>
+              </a14:hiddenFill>
+            </a:ext>
+          </a:extLst>
+        </p:spPr>
+      </p:pic>
       <p:sp>
         <p:nvSpPr>
           <p:cNvPr id="2" name="Title 1">
@@ -6152,7 +6607,7 @@
           <p:nvPr/>
         </p:nvPicPr>
         <p:blipFill>
-          <a:blip r:embed="rId2">
+          <a:blip r:embed="rId3">
             <a:extLst>
               <a:ext uri="{28A0092B-C50C-407E-A947-70E740481C1C}">
                 <a14:useLocalDpi xmlns:a14="http://schemas.microsoft.com/office/drawing/2010/main" val="0"/>
@@ -6219,7 +6674,7 @@
             <p:nvPr/>
           </p:nvPicPr>
           <p:blipFill>
-            <a:blip r:embed="rId3">
+            <a:blip r:embed="rId4">
               <a:extLst>
                 <a:ext uri="{28A0092B-C50C-407E-A947-70E740481C1C}">
                   <a14:useLocalDpi xmlns:a14="http://schemas.microsoft.com/office/drawing/2010/main" val="0"/>
@@ -6266,7 +6721,7 @@
             <p:nvPr/>
           </p:nvPicPr>
           <p:blipFill rotWithShape="1">
-            <a:blip r:embed="rId4">
+            <a:blip r:embed="rId5">
               <a:extLst>
                 <a:ext uri="{28A0092B-C50C-407E-A947-70E740481C1C}">
                   <a14:useLocalDpi xmlns:a14="http://schemas.microsoft.com/office/drawing/2010/main" val="0"/>
@@ -6299,53 +6754,6 @@
       </p:grpSp>
       <p:pic>
         <p:nvPicPr>
-          <p:cNvPr id="1026" name="Picture 2">
-            <a:extLst>
-              <a:ext uri="{FF2B5EF4-FFF2-40B4-BE49-F238E27FC236}">
-                <a16:creationId xmlns:a16="http://schemas.microsoft.com/office/drawing/2014/main" id="{52EF11DF-C173-9B8B-0B62-A0235E7D17FC}"/>
-              </a:ext>
-            </a:extLst>
-          </p:cNvPr>
-          <p:cNvPicPr>
-            <a:picLocks noChangeAspect="1" noChangeArrowheads="1"/>
-          </p:cNvPicPr>
-          <p:nvPr/>
-        </p:nvPicPr>
-        <p:blipFill>
-          <a:blip r:embed="rId5">
-            <a:extLst>
-              <a:ext uri="{28A0092B-C50C-407E-A947-70E740481C1C}">
-                <a14:useLocalDpi xmlns:a14="http://schemas.microsoft.com/office/drawing/2010/main" val="0"/>
-              </a:ext>
-            </a:extLst>
-          </a:blip>
-          <a:srcRect/>
-          <a:stretch>
-            <a:fillRect/>
-          </a:stretch>
-        </p:blipFill>
-        <p:spPr bwMode="auto">
-          <a:xfrm>
-            <a:off x="5764801" y="3083319"/>
-            <a:ext cx="5077830" cy="3698479"/>
-          </a:xfrm>
-          <a:prstGeom prst="rect">
-            <a:avLst/>
-          </a:prstGeom>
-          <a:noFill/>
-          <a:extLst>
-            <a:ext uri="{909E8E84-426E-40DD-AFC4-6F175D3DCCD1}">
-              <a14:hiddenFill xmlns:a14="http://schemas.microsoft.com/office/drawing/2010/main">
-                <a:solidFill>
-                  <a:srgbClr val="FFFFFF"/>
-                </a:solidFill>
-              </a14:hiddenFill>
-            </a:ext>
-          </a:extLst>
-        </p:spPr>
-      </p:pic>
-      <p:pic>
-        <p:nvPicPr>
           <p:cNvPr id="23" name="Graphic 22">
             <a:extLst>
               <a:ext uri="{FF2B5EF4-FFF2-40B4-BE49-F238E27FC236}">
@@ -6372,7 +6780,7 @@
         </p:blipFill>
         <p:spPr>
           <a:xfrm>
-            <a:off x="7780704" y="3808814"/>
+            <a:off x="7637266" y="3880534"/>
             <a:ext cx="1757010" cy="1080420"/>
           </a:xfrm>
           <a:prstGeom prst="rect">
@@ -6408,7 +6816,7 @@
         </p:blipFill>
         <p:spPr>
           <a:xfrm>
-            <a:off x="8762877" y="4873662"/>
+            <a:off x="8753912" y="4873662"/>
             <a:ext cx="1757011" cy="1108759"/>
           </a:xfrm>
           <a:prstGeom prst="rect">
@@ -6541,51 +6949,6 @@
                                           </p:stCondLst>
                                         </p:cTn>
                                         <p:tgtEl>
-                                          <p:spTgt spid="1026"/>
-                                        </p:tgtEl>
-                                        <p:attrNameLst>
-                                          <p:attrName>style.visibility</p:attrName>
-                                        </p:attrNameLst>
-                                      </p:cBhvr>
-                                      <p:to>
-                                        <p:strVal val="visible"/>
-                                      </p:to>
-                                    </p:set>
-                                  </p:childTnLst>
-                                </p:cTn>
-                              </p:par>
-                            </p:childTnLst>
-                          </p:cTn>
-                        </p:par>
-                      </p:childTnLst>
-                    </p:cTn>
-                  </p:par>
-                  <p:par>
-                    <p:cTn id="11" fill="hold">
-                      <p:stCondLst>
-                        <p:cond delay="indefinite"/>
-                      </p:stCondLst>
-                      <p:childTnLst>
-                        <p:par>
-                          <p:cTn id="12" fill="hold">
-                            <p:stCondLst>
-                              <p:cond delay="0"/>
-                            </p:stCondLst>
-                            <p:childTnLst>
-                              <p:par>
-                                <p:cTn id="13" presetID="1" presetClass="entr" presetSubtype="0" fill="hold" nodeType="clickEffect">
-                                  <p:stCondLst>
-                                    <p:cond delay="0"/>
-                                  </p:stCondLst>
-                                  <p:childTnLst>
-                                    <p:set>
-                                      <p:cBhvr>
-                                        <p:cTn id="14" dur="1" fill="hold">
-                                          <p:stCondLst>
-                                            <p:cond delay="0"/>
-                                          </p:stCondLst>
-                                        </p:cTn>
-                                        <p:tgtEl>
                                           <p:spTgt spid="27"/>
                                         </p:tgtEl>
                                         <p:attrNameLst>
@@ -6600,14 +6963,14 @@
                                 </p:cTn>
                               </p:par>
                               <p:par>
-                                <p:cTn id="15" presetID="1" presetClass="entr" presetSubtype="0" fill="hold" nodeType="withEffect">
+                                <p:cTn id="11" presetID="1" presetClass="entr" presetSubtype="0" fill="hold" nodeType="withEffect">
                                   <p:stCondLst>
                                     <p:cond delay="0"/>
                                   </p:stCondLst>
                                   <p:childTnLst>
                                     <p:set>
                                       <p:cBhvr>
-                                        <p:cTn id="16" dur="1" fill="hold">
+                                        <p:cTn id="12" dur="1" fill="hold">
                                           <p:stCondLst>
                                             <p:cond delay="0"/>
                                           </p:stCondLst>
@@ -6627,14 +6990,14 @@
                                 </p:cTn>
                               </p:par>
                               <p:par>
-                                <p:cTn id="17" presetID="1" presetClass="entr" presetSubtype="0" fill="hold" nodeType="withEffect">
+                                <p:cTn id="13" presetID="1" presetClass="entr" presetSubtype="0" fill="hold" nodeType="withEffect">
                                   <p:stCondLst>
                                     <p:cond delay="0"/>
                                   </p:stCondLst>
                                   <p:childTnLst>
                                     <p:set>
                                       <p:cBhvr>
-                                        <p:cTn id="18" dur="1" fill="hold">
+                                        <p:cTn id="14" dur="1" fill="hold">
                                           <p:stCondLst>
                                             <p:cond delay="0"/>
                                           </p:stCondLst>
@@ -6685,6 +7048,191 @@
 </file>
 
 <file path=ppt/slides/slide5.xml><?xml version="1.0" encoding="utf-8"?>
+<p:sld xmlns:a="http://schemas.openxmlformats.org/drawingml/2006/main" xmlns:r="http://schemas.openxmlformats.org/officeDocument/2006/relationships" xmlns:p="http://schemas.openxmlformats.org/presentationml/2006/main">
+  <p:cSld>
+    <p:spTree>
+      <p:nvGrpSpPr>
+        <p:cNvPr id="1" name=""/>
+        <p:cNvGrpSpPr/>
+        <p:nvPr/>
+      </p:nvGrpSpPr>
+      <p:grpSpPr>
+        <a:xfrm>
+          <a:off x="0" y="0"/>
+          <a:ext cx="0" cy="0"/>
+          <a:chOff x="0" y="0"/>
+          <a:chExt cx="0" cy="0"/>
+        </a:xfrm>
+      </p:grpSpPr>
+      <p:pic>
+        <p:nvPicPr>
+          <p:cNvPr id="2050" name="Picture 2">
+            <a:extLst>
+              <a:ext uri="{FF2B5EF4-FFF2-40B4-BE49-F238E27FC236}">
+                <a16:creationId xmlns:a16="http://schemas.microsoft.com/office/drawing/2014/main" id="{278685EF-C31B-EA48-4586-03D427043A19}"/>
+              </a:ext>
+            </a:extLst>
+          </p:cNvPr>
+          <p:cNvPicPr>
+            <a:picLocks noChangeAspect="1" noChangeArrowheads="1"/>
+          </p:cNvPicPr>
+          <p:nvPr/>
+        </p:nvPicPr>
+        <p:blipFill>
+          <a:blip r:embed="rId2">
+            <a:extLst>
+              <a:ext uri="{28A0092B-C50C-407E-A947-70E740481C1C}">
+                <a14:useLocalDpi xmlns:a14="http://schemas.microsoft.com/office/drawing/2010/main" val="0"/>
+              </a:ext>
+            </a:extLst>
+          </a:blip>
+          <a:srcRect/>
+          <a:stretch>
+            <a:fillRect/>
+          </a:stretch>
+        </p:blipFill>
+        <p:spPr bwMode="auto">
+          <a:xfrm>
+            <a:off x="3102348" y="699247"/>
+            <a:ext cx="6381750" cy="4648200"/>
+          </a:xfrm>
+          <a:prstGeom prst="rect">
+            <a:avLst/>
+          </a:prstGeom>
+          <a:noFill/>
+          <a:extLst>
+            <a:ext uri="{909E8E84-426E-40DD-AFC4-6F175D3DCCD1}">
+              <a14:hiddenFill xmlns:a14="http://schemas.microsoft.com/office/drawing/2010/main">
+                <a:solidFill>
+                  <a:srgbClr val="FFFFFF"/>
+                </a:solidFill>
+              </a14:hiddenFill>
+            </a:ext>
+          </a:extLst>
+        </p:spPr>
+      </p:pic>
+      <p:pic>
+        <p:nvPicPr>
+          <p:cNvPr id="3" name="Graphic 2">
+            <a:extLst>
+              <a:ext uri="{FF2B5EF4-FFF2-40B4-BE49-F238E27FC236}">
+                <a16:creationId xmlns:a16="http://schemas.microsoft.com/office/drawing/2014/main" id="{8A8111A2-39BB-10DB-0F12-704B879FCBC4}"/>
+              </a:ext>
+            </a:extLst>
+          </p:cNvPr>
+          <p:cNvPicPr>
+            <a:picLocks noChangeAspect="1"/>
+          </p:cNvPicPr>
+          <p:nvPr/>
+        </p:nvPicPr>
+        <p:blipFill>
+          <a:blip r:embed="rId3">
+            <a:extLst>
+              <a:ext uri="{96DAC541-7B7A-43D3-8B79-37D633B846F1}">
+                <asvg:svgBlip xmlns:asvg="http://schemas.microsoft.com/office/drawing/2016/SVG/main" r:embed="rId4"/>
+              </a:ext>
+            </a:extLst>
+          </a:blip>
+          <a:stretch>
+            <a:fillRect/>
+          </a:stretch>
+        </p:blipFill>
+        <p:spPr>
+          <a:xfrm>
+            <a:off x="4482911" y="980216"/>
+            <a:ext cx="2249687" cy="775597"/>
+          </a:xfrm>
+          <a:prstGeom prst="rect">
+            <a:avLst/>
+          </a:prstGeom>
+        </p:spPr>
+      </p:pic>
+      <p:pic>
+        <p:nvPicPr>
+          <p:cNvPr id="5" name="Graphic 4">
+            <a:extLst>
+              <a:ext uri="{FF2B5EF4-FFF2-40B4-BE49-F238E27FC236}">
+                <a16:creationId xmlns:a16="http://schemas.microsoft.com/office/drawing/2014/main" id="{3D1E819C-6C92-EE39-DB9A-098E15FE74AE}"/>
+              </a:ext>
+            </a:extLst>
+          </p:cNvPr>
+          <p:cNvPicPr>
+            <a:picLocks noChangeAspect="1"/>
+          </p:cNvPicPr>
+          <p:nvPr/>
+        </p:nvPicPr>
+        <p:blipFill>
+          <a:blip r:embed="rId5">
+            <a:extLst>
+              <a:ext uri="{96DAC541-7B7A-43D3-8B79-37D633B846F1}">
+                <asvg:svgBlip xmlns:asvg="http://schemas.microsoft.com/office/drawing/2016/SVG/main" r:embed="rId6"/>
+              </a:ext>
+            </a:extLst>
+          </a:blip>
+          <a:stretch>
+            <a:fillRect/>
+          </a:stretch>
+        </p:blipFill>
+        <p:spPr>
+          <a:xfrm>
+            <a:off x="5416468" y="1736763"/>
+            <a:ext cx="2249687" cy="1383376"/>
+          </a:xfrm>
+          <a:prstGeom prst="rect">
+            <a:avLst/>
+          </a:prstGeom>
+        </p:spPr>
+      </p:pic>
+      <p:pic>
+        <p:nvPicPr>
+          <p:cNvPr id="7" name="Graphic 6">
+            <a:extLst>
+              <a:ext uri="{FF2B5EF4-FFF2-40B4-BE49-F238E27FC236}">
+                <a16:creationId xmlns:a16="http://schemas.microsoft.com/office/drawing/2014/main" id="{915451DF-37DE-50BD-7530-7F4883690659}"/>
+              </a:ext>
+            </a:extLst>
+          </p:cNvPr>
+          <p:cNvPicPr>
+            <a:picLocks noChangeAspect="1"/>
+          </p:cNvPicPr>
+          <p:nvPr/>
+        </p:nvPicPr>
+        <p:blipFill>
+          <a:blip r:embed="rId7">
+            <a:extLst>
+              <a:ext uri="{96DAC541-7B7A-43D3-8B79-37D633B846F1}">
+                <asvg:svgBlip xmlns:asvg="http://schemas.microsoft.com/office/drawing/2016/SVG/main" r:embed="rId8"/>
+              </a:ext>
+            </a:extLst>
+          </a:blip>
+          <a:stretch>
+            <a:fillRect/>
+          </a:stretch>
+        </p:blipFill>
+        <p:spPr>
+          <a:xfrm>
+            <a:off x="6907043" y="2987226"/>
+            <a:ext cx="2249424" cy="1419496"/>
+          </a:xfrm>
+          <a:prstGeom prst="rect">
+            <a:avLst/>
+          </a:prstGeom>
+        </p:spPr>
+      </p:pic>
+    </p:spTree>
+    <p:extLst>
+      <p:ext uri="{BB962C8B-B14F-4D97-AF65-F5344CB8AC3E}">
+        <p14:creationId xmlns:p14="http://schemas.microsoft.com/office/powerpoint/2010/main" val="1749928737"/>
+      </p:ext>
+    </p:extLst>
+  </p:cSld>
+  <p:clrMapOvr>
+    <a:masterClrMapping/>
+  </p:clrMapOvr>
+</p:sld>
+</file>
+
+<file path=ppt/slides/slide6.xml><?xml version="1.0" encoding="utf-8"?>
 <p:sld xmlns:a="http://schemas.openxmlformats.org/drawingml/2006/main" xmlns:r="http://schemas.openxmlformats.org/officeDocument/2006/relationships" xmlns:p="http://schemas.openxmlformats.org/presentationml/2006/main">
   <p:cSld>
     <p:spTree>
@@ -7251,7 +7799,7 @@
 </p:sld>
 </file>
 
-<file path=ppt/slides/slide6.xml><?xml version="1.0" encoding="utf-8"?>
+<file path=ppt/slides/slide7.xml><?xml version="1.0" encoding="utf-8"?>
 <p:sld xmlns:a="http://schemas.openxmlformats.org/drawingml/2006/main" xmlns:r="http://schemas.openxmlformats.org/officeDocument/2006/relationships" xmlns:p="http://schemas.openxmlformats.org/presentationml/2006/main">
   <p:cSld>
     <p:spTree>
@@ -8038,7 +8586,7 @@
 </p:sld>
 </file>
 
-<file path=ppt/slides/slide7.xml><?xml version="1.0" encoding="utf-8"?>
+<file path=ppt/slides/slide8.xml><?xml version="1.0" encoding="utf-8"?>
 <p:sld xmlns:a="http://schemas.openxmlformats.org/drawingml/2006/main" xmlns:r="http://schemas.openxmlformats.org/officeDocument/2006/relationships" xmlns:p="http://schemas.openxmlformats.org/presentationml/2006/main">
   <p:cSld>
     <p:spTree>
@@ -8514,7 +9062,7 @@
 </p:sld>
 </file>
 
-<file path=ppt/slides/slide8.xml><?xml version="1.0" encoding="utf-8"?>
+<file path=ppt/slides/slide9.xml><?xml version="1.0" encoding="utf-8"?>
 <p:sld xmlns:a="http://schemas.openxmlformats.org/drawingml/2006/main" xmlns:r="http://schemas.openxmlformats.org/officeDocument/2006/relationships" xmlns:p="http://schemas.openxmlformats.org/presentationml/2006/main">
   <p:cSld>
     <p:spTree>
@@ -8865,413 +9413,6 @@
       </p:par>
     </p:tnLst>
   </p:timing>
-</p:sld>
-</file>
-
-<file path=ppt/slides/slide9.xml><?xml version="1.0" encoding="utf-8"?>
-<p:sld xmlns:a="http://schemas.openxmlformats.org/drawingml/2006/main" xmlns:r="http://schemas.openxmlformats.org/officeDocument/2006/relationships" xmlns:p="http://schemas.openxmlformats.org/presentationml/2006/main">
-  <p:cSld>
-    <p:spTree>
-      <p:nvGrpSpPr>
-        <p:cNvPr id="1" name=""/>
-        <p:cNvGrpSpPr/>
-        <p:nvPr/>
-      </p:nvGrpSpPr>
-      <p:grpSpPr>
-        <a:xfrm>
-          <a:off x="0" y="0"/>
-          <a:ext cx="0" cy="0"/>
-          <a:chOff x="0" y="0"/>
-          <a:chExt cx="0" cy="0"/>
-        </a:xfrm>
-      </p:grpSpPr>
-      <p:sp>
-        <p:nvSpPr>
-          <p:cNvPr id="2" name="Title 1">
-            <a:extLst>
-              <a:ext uri="{FF2B5EF4-FFF2-40B4-BE49-F238E27FC236}">
-                <a16:creationId xmlns:a16="http://schemas.microsoft.com/office/drawing/2014/main" id="{866CE761-0CA1-AF68-50B2-F5BE093D92DC}"/>
-              </a:ext>
-            </a:extLst>
-          </p:cNvPr>
-          <p:cNvSpPr>
-            <a:spLocks noGrp="1"/>
-          </p:cNvSpPr>
-          <p:nvPr>
-            <p:ph type="title"/>
-          </p:nvPr>
-        </p:nvSpPr>
-        <p:spPr>
-          <a:xfrm>
-            <a:off x="838200" y="218005"/>
-            <a:ext cx="10515600" cy="1325563"/>
-          </a:xfrm>
-        </p:spPr>
-        <p:txBody>
-          <a:bodyPr/>
-          <a:lstStyle/>
-          <a:p>
-            <a:r>
-              <a:rPr lang="en-US" dirty="0"/>
-              <a:t>Equations</a:t>
-            </a:r>
-          </a:p>
-        </p:txBody>
-      </p:sp>
-      <p:grpSp>
-        <p:nvGrpSpPr>
-          <p:cNvPr id="5" name="Group 4">
-            <a:extLst>
-              <a:ext uri="{FF2B5EF4-FFF2-40B4-BE49-F238E27FC236}">
-                <a16:creationId xmlns:a16="http://schemas.microsoft.com/office/drawing/2014/main" id="{7433EF0A-E6F9-E578-7FBA-1F14ABFC9A2A}"/>
-              </a:ext>
-            </a:extLst>
-          </p:cNvPr>
-          <p:cNvGrpSpPr/>
-          <p:nvPr/>
-        </p:nvGrpSpPr>
-        <p:grpSpPr>
-          <a:xfrm>
-            <a:off x="1650334" y="1591667"/>
-            <a:ext cx="5997118" cy="634810"/>
-            <a:chOff x="2125463" y="2794190"/>
-            <a:chExt cx="5997118" cy="634810"/>
-          </a:xfrm>
-        </p:grpSpPr>
-        <p:pic>
-          <p:nvPicPr>
-            <p:cNvPr id="3" name="Picture 2">
-              <a:extLst>
-                <a:ext uri="{FF2B5EF4-FFF2-40B4-BE49-F238E27FC236}">
-                  <a16:creationId xmlns:a16="http://schemas.microsoft.com/office/drawing/2014/main" id="{8A549156-0E02-F310-3DCA-586085041DE7}"/>
-                </a:ext>
-              </a:extLst>
-            </p:cNvPr>
-            <p:cNvPicPr>
-              <a:picLocks noChangeAspect="1"/>
-            </p:cNvPicPr>
-            <p:nvPr/>
-          </p:nvPicPr>
-          <p:blipFill>
-            <a:blip r:embed="rId2"/>
-            <a:stretch>
-              <a:fillRect/>
-            </a:stretch>
-          </p:blipFill>
-          <p:spPr>
-            <a:xfrm>
-              <a:off x="2125463" y="2794190"/>
-              <a:ext cx="3456952" cy="634810"/>
-            </a:xfrm>
-            <a:prstGeom prst="rect">
-              <a:avLst/>
-            </a:prstGeom>
-          </p:spPr>
-        </p:pic>
-        <p:pic>
-          <p:nvPicPr>
-            <p:cNvPr id="4" name="Picture 3">
-              <a:extLst>
-                <a:ext uri="{FF2B5EF4-FFF2-40B4-BE49-F238E27FC236}">
-                  <a16:creationId xmlns:a16="http://schemas.microsoft.com/office/drawing/2014/main" id="{CC3046FF-4BB8-81C3-A1A4-37F9556C2EDC}"/>
-                </a:ext>
-              </a:extLst>
-            </p:cNvPr>
-            <p:cNvPicPr>
-              <a:picLocks noChangeAspect="1"/>
-            </p:cNvPicPr>
-            <p:nvPr/>
-          </p:nvPicPr>
-          <p:blipFill>
-            <a:blip r:embed="rId3"/>
-            <a:stretch>
-              <a:fillRect/>
-            </a:stretch>
-          </p:blipFill>
-          <p:spPr>
-            <a:xfrm>
-              <a:off x="5783624" y="2841715"/>
-              <a:ext cx="2338957" cy="539760"/>
-            </a:xfrm>
-            <a:prstGeom prst="rect">
-              <a:avLst/>
-            </a:prstGeom>
-          </p:spPr>
-        </p:pic>
-      </p:grpSp>
-      <p:grpSp>
-        <p:nvGrpSpPr>
-          <p:cNvPr id="6" name="Group 5">
-            <a:extLst>
-              <a:ext uri="{FF2B5EF4-FFF2-40B4-BE49-F238E27FC236}">
-                <a16:creationId xmlns:a16="http://schemas.microsoft.com/office/drawing/2014/main" id="{733ECB86-1EC4-4A30-D14C-6E0F51F1800C}"/>
-              </a:ext>
-            </a:extLst>
-          </p:cNvPr>
-          <p:cNvGrpSpPr/>
-          <p:nvPr/>
-        </p:nvGrpSpPr>
-        <p:grpSpPr>
-          <a:xfrm>
-            <a:off x="1610111" y="5487864"/>
-            <a:ext cx="4939818" cy="860672"/>
-            <a:chOff x="2811009" y="3812733"/>
-            <a:chExt cx="4391599" cy="765155"/>
-          </a:xfrm>
-        </p:grpSpPr>
-        <p:pic>
-          <p:nvPicPr>
-            <p:cNvPr id="7" name="Picture 6">
-              <a:extLst>
-                <a:ext uri="{FF2B5EF4-FFF2-40B4-BE49-F238E27FC236}">
-                  <a16:creationId xmlns:a16="http://schemas.microsoft.com/office/drawing/2014/main" id="{413ED7A9-B1B0-9836-D731-F652FEC194ED}"/>
-                </a:ext>
-              </a:extLst>
-            </p:cNvPr>
-            <p:cNvPicPr>
-              <a:picLocks noChangeAspect="1"/>
-            </p:cNvPicPr>
-            <p:nvPr/>
-          </p:nvPicPr>
-          <p:blipFill>
-            <a:blip r:embed="rId4"/>
-            <a:stretch>
-              <a:fillRect/>
-            </a:stretch>
-          </p:blipFill>
-          <p:spPr>
-            <a:xfrm>
-              <a:off x="2811009" y="3812733"/>
-              <a:ext cx="4391599" cy="765155"/>
-            </a:xfrm>
-            <a:prstGeom prst="rect">
-              <a:avLst/>
-            </a:prstGeom>
-          </p:spPr>
-        </p:pic>
-        <p:cxnSp>
-          <p:nvCxnSpPr>
-            <p:cNvPr id="8" name="Straight Connector 7">
-              <a:extLst>
-                <a:ext uri="{FF2B5EF4-FFF2-40B4-BE49-F238E27FC236}">
-                  <a16:creationId xmlns:a16="http://schemas.microsoft.com/office/drawing/2014/main" id="{A997870A-1950-D137-A924-9CE47A5EF459}"/>
-                </a:ext>
-              </a:extLst>
-            </p:cNvPr>
-            <p:cNvCxnSpPr/>
-            <p:nvPr/>
-          </p:nvCxnSpPr>
-          <p:spPr>
-            <a:xfrm>
-              <a:off x="5710517" y="4428380"/>
-              <a:ext cx="385483" cy="0"/>
-            </a:xfrm>
-            <a:prstGeom prst="line">
-              <a:avLst/>
-            </a:prstGeom>
-            <a:ln w="28575">
-              <a:solidFill>
-                <a:schemeClr val="accent2"/>
-              </a:solidFill>
-            </a:ln>
-          </p:spPr>
-          <p:style>
-            <a:lnRef idx="1">
-              <a:schemeClr val="accent1"/>
-            </a:lnRef>
-            <a:fillRef idx="0">
-              <a:schemeClr val="accent1"/>
-            </a:fillRef>
-            <a:effectRef idx="0">
-              <a:schemeClr val="accent1"/>
-            </a:effectRef>
-            <a:fontRef idx="minor">
-              <a:schemeClr val="tx1"/>
-            </a:fontRef>
-          </p:style>
-        </p:cxnSp>
-      </p:grpSp>
-      <p:pic>
-        <p:nvPicPr>
-          <p:cNvPr id="9" name="Picture 8">
-            <a:extLst>
-              <a:ext uri="{FF2B5EF4-FFF2-40B4-BE49-F238E27FC236}">
-                <a16:creationId xmlns:a16="http://schemas.microsoft.com/office/drawing/2014/main" id="{3248047A-CF1B-9F5E-6348-6B364B27A955}"/>
-              </a:ext>
-            </a:extLst>
-          </p:cNvPr>
-          <p:cNvPicPr>
-            <a:picLocks noChangeAspect="1"/>
-          </p:cNvPicPr>
-          <p:nvPr/>
-        </p:nvPicPr>
-        <p:blipFill>
-          <a:blip r:embed="rId5"/>
-          <a:stretch>
-            <a:fillRect/>
-          </a:stretch>
-        </p:blipFill>
-        <p:spPr>
-          <a:xfrm>
-            <a:off x="1535982" y="2357688"/>
-            <a:ext cx="3882879" cy="860671"/>
-          </a:xfrm>
-          <a:prstGeom prst="rect">
-            <a:avLst/>
-          </a:prstGeom>
-        </p:spPr>
-      </p:pic>
-      <p:pic>
-        <p:nvPicPr>
-          <p:cNvPr id="10" name="Picture 9">
-            <a:extLst>
-              <a:ext uri="{FF2B5EF4-FFF2-40B4-BE49-F238E27FC236}">
-                <a16:creationId xmlns:a16="http://schemas.microsoft.com/office/drawing/2014/main" id="{5C30FC60-C8A4-BD94-26A4-D32EF26FB868}"/>
-              </a:ext>
-            </a:extLst>
-          </p:cNvPr>
-          <p:cNvPicPr>
-            <a:picLocks noChangeAspect="1"/>
-          </p:cNvPicPr>
-          <p:nvPr/>
-        </p:nvPicPr>
-        <p:blipFill>
-          <a:blip r:embed="rId6"/>
-          <a:stretch>
-            <a:fillRect/>
-          </a:stretch>
-        </p:blipFill>
-        <p:spPr>
-          <a:xfrm>
-            <a:off x="1650334" y="3521036"/>
-            <a:ext cx="5670578" cy="653292"/>
-          </a:xfrm>
-          <a:prstGeom prst="rect">
-            <a:avLst/>
-          </a:prstGeom>
-        </p:spPr>
-      </p:pic>
-      <p:pic>
-        <p:nvPicPr>
-          <p:cNvPr id="11" name="Picture 10">
-            <a:extLst>
-              <a:ext uri="{FF2B5EF4-FFF2-40B4-BE49-F238E27FC236}">
-                <a16:creationId xmlns:a16="http://schemas.microsoft.com/office/drawing/2014/main" id="{FF637ED4-ED26-03F1-A707-5DB619736436}"/>
-              </a:ext>
-            </a:extLst>
-          </p:cNvPr>
-          <p:cNvPicPr>
-            <a:picLocks noChangeAspect="1"/>
-          </p:cNvPicPr>
-          <p:nvPr/>
-        </p:nvPicPr>
-        <p:blipFill rotWithShape="1">
-          <a:blip r:embed="rId7"/>
-          <a:srcRect r="45057" b="70760"/>
-          <a:stretch/>
-        </p:blipFill>
-        <p:spPr>
-          <a:xfrm>
-            <a:off x="1650334" y="4446495"/>
-            <a:ext cx="3360806" cy="769202"/>
-          </a:xfrm>
-          <a:prstGeom prst="rect">
-            <a:avLst/>
-          </a:prstGeom>
-        </p:spPr>
-      </p:pic>
-      <p:cxnSp>
-        <p:nvCxnSpPr>
-          <p:cNvPr id="13" name="Straight Connector 12">
-            <a:extLst>
-              <a:ext uri="{FF2B5EF4-FFF2-40B4-BE49-F238E27FC236}">
-                <a16:creationId xmlns:a16="http://schemas.microsoft.com/office/drawing/2014/main" id="{5CDE550F-6180-E0C3-6583-36102C1BECFC}"/>
-              </a:ext>
-            </a:extLst>
-          </p:cNvPr>
-          <p:cNvCxnSpPr/>
-          <p:nvPr/>
-        </p:nvCxnSpPr>
-        <p:spPr>
-          <a:xfrm>
-            <a:off x="591671" y="3290076"/>
-            <a:ext cx="10309412" cy="0"/>
-          </a:xfrm>
-          <a:prstGeom prst="line">
-            <a:avLst/>
-          </a:prstGeom>
-          <a:ln w="28575">
-            <a:solidFill>
-              <a:schemeClr val="tx1"/>
-            </a:solidFill>
-          </a:ln>
-        </p:spPr>
-        <p:style>
-          <a:lnRef idx="1">
-            <a:schemeClr val="accent1"/>
-          </a:lnRef>
-          <a:fillRef idx="0">
-            <a:schemeClr val="accent1"/>
-          </a:fillRef>
-          <a:effectRef idx="0">
-            <a:schemeClr val="accent1"/>
-          </a:effectRef>
-          <a:fontRef idx="minor">
-            <a:schemeClr val="tx1"/>
-          </a:fontRef>
-        </p:style>
-      </p:cxnSp>
-      <p:cxnSp>
-        <p:nvCxnSpPr>
-          <p:cNvPr id="14" name="Straight Connector 13">
-            <a:extLst>
-              <a:ext uri="{FF2B5EF4-FFF2-40B4-BE49-F238E27FC236}">
-                <a16:creationId xmlns:a16="http://schemas.microsoft.com/office/drawing/2014/main" id="{DE619AF5-FAC6-86A8-6014-5F909B1E2A81}"/>
-              </a:ext>
-            </a:extLst>
-          </p:cNvPr>
-          <p:cNvCxnSpPr/>
-          <p:nvPr/>
-        </p:nvCxnSpPr>
-        <p:spPr>
-          <a:xfrm>
-            <a:off x="591671" y="5351958"/>
-            <a:ext cx="10309412" cy="0"/>
-          </a:xfrm>
-          <a:prstGeom prst="line">
-            <a:avLst/>
-          </a:prstGeom>
-          <a:ln w="28575">
-            <a:solidFill>
-              <a:schemeClr val="tx1"/>
-            </a:solidFill>
-          </a:ln>
-        </p:spPr>
-        <p:style>
-          <a:lnRef idx="1">
-            <a:schemeClr val="accent1"/>
-          </a:lnRef>
-          <a:fillRef idx="0">
-            <a:schemeClr val="accent1"/>
-          </a:fillRef>
-          <a:effectRef idx="0">
-            <a:schemeClr val="accent1"/>
-          </a:effectRef>
-          <a:fontRef idx="minor">
-            <a:schemeClr val="tx1"/>
-          </a:fontRef>
-        </p:style>
-      </p:cxnSp>
-    </p:spTree>
-    <p:extLst>
-      <p:ext uri="{BB962C8B-B14F-4D97-AF65-F5344CB8AC3E}">
-        <p14:creationId xmlns:p14="http://schemas.microsoft.com/office/powerpoint/2010/main" val="137498380"/>
-      </p:ext>
-    </p:extLst>
-  </p:cSld>
-  <p:clrMapOvr>
-    <a:masterClrMapping/>
-  </p:clrMapOvr>
 </p:sld>
 </file>
 
